--- a/Docs/Презентация/Individualny_proekt_ProCo.pptx
+++ b/Docs/Презентация/Individualny_proekt_ProCo.pptx
@@ -55,7 +55,7 @@
       </p:grpSpPr>
       <p:sp>
         <p:nvSpPr>
-          <p:cNvPr id="91" name="PlaceHolder 1"/>
+          <p:cNvPr id="101" name="PlaceHolder 1"/>
           <p:cNvSpPr>
             <a:spLocks noGrp="1"/>
           </p:cNvSpPr>
@@ -106,7 +106,7 @@
       </p:sp>
       <p:sp>
         <p:nvSpPr>
-          <p:cNvPr id="92" name="PlaceHolder 2"/>
+          <p:cNvPr id="102" name="PlaceHolder 2"/>
           <p:cNvSpPr>
             <a:spLocks noGrp="1"/>
           </p:cNvSpPr>
@@ -159,7 +159,7 @@
       </p:sp>
       <p:sp>
         <p:nvSpPr>
-          <p:cNvPr id="93" name="PlaceHolder 3"/>
+          <p:cNvPr id="103" name="PlaceHolder 3"/>
           <p:cNvSpPr>
             <a:spLocks noGrp="1"/>
           </p:cNvSpPr>
@@ -212,12 +212,12 @@
       </p:sp>
       <p:sp>
         <p:nvSpPr>
-          <p:cNvPr id="94" name="PlaceHolder 4"/>
+          <p:cNvPr id="104" name="PlaceHolder 4"/>
           <p:cNvSpPr>
             <a:spLocks noGrp="1"/>
           </p:cNvSpPr>
           <p:nvPr>
-            <p:ph type="dt" idx="46"/>
+            <p:ph type="dt" idx="52"/>
           </p:nvPr>
         </p:nvSpPr>
         <p:spPr>
@@ -278,12 +278,12 @@
       </p:sp>
       <p:sp>
         <p:nvSpPr>
-          <p:cNvPr id="95" name="PlaceHolder 5"/>
+          <p:cNvPr id="105" name="PlaceHolder 5"/>
           <p:cNvSpPr>
             <a:spLocks noGrp="1"/>
           </p:cNvSpPr>
           <p:nvPr>
-            <p:ph type="ftr" idx="47"/>
+            <p:ph type="ftr" idx="53"/>
           </p:nvPr>
         </p:nvSpPr>
         <p:spPr>
@@ -344,12 +344,12 @@
       </p:sp>
       <p:sp>
         <p:nvSpPr>
-          <p:cNvPr id="96" name="PlaceHolder 6"/>
+          <p:cNvPr id="106" name="PlaceHolder 6"/>
           <p:cNvSpPr>
             <a:spLocks noGrp="1"/>
           </p:cNvSpPr>
           <p:nvPr>
-            <p:ph type="sldNum" idx="48"/>
+            <p:ph type="sldNum" idx="54"/>
           </p:nvPr>
         </p:nvSpPr>
         <p:spPr>
@@ -386,7 +386,7 @@
             <a:pPr indent="0" algn="r">
               <a:buNone/>
             </a:pPr>
-            <a:fld id="{D00114E1-1E2B-48EC-855F-ED2CB9878705}" type="slidenum">
+            <a:fld id="{32CAB9CA-058C-4E5B-9228-8EBB05CD313C}" type="slidenum">
               <a:rPr b="0" lang="ru-RU" sz="1400" strike="noStrike" u="none">
                 <a:solidFill>
                   <a:srgbClr val="000000"/>
@@ -433,7 +433,7 @@
       </p:grpSpPr>
       <p:sp>
         <p:nvSpPr>
-          <p:cNvPr id="214" name="PlaceHolder 1"/>
+          <p:cNvPr id="234" name="PlaceHolder 1"/>
           <p:cNvSpPr>
             <a:spLocks noGrp="1"/>
           </p:cNvSpPr>
@@ -444,7 +444,7 @@
         <p:spPr>
           <a:xfrm>
             <a:off x="685800" y="1143000"/>
-            <a:ext cx="5481000" cy="3080880"/>
+            <a:ext cx="5480280" cy="3080160"/>
           </a:xfrm>
           <a:prstGeom prst="rect">
             <a:avLst/>
@@ -456,7 +456,7 @@
       </p:sp>
       <p:sp>
         <p:nvSpPr>
-          <p:cNvPr id="215" name="PlaceHolder 2"/>
+          <p:cNvPr id="235" name="PlaceHolder 2"/>
           <p:cNvSpPr>
             <a:spLocks noGrp="1"/>
           </p:cNvSpPr>
@@ -467,7 +467,7 @@
         <p:spPr>
           <a:xfrm>
             <a:off x="685800" y="4400640"/>
-            <a:ext cx="5481000" cy="3594960"/>
+            <a:ext cx="5480280" cy="3594240"/>
           </a:xfrm>
           <a:prstGeom prst="rect">
             <a:avLst/>
@@ -498,18 +498,18 @@
       </p:sp>
       <p:sp>
         <p:nvSpPr>
-          <p:cNvPr id="216" name="PlaceHolder 3"/>
+          <p:cNvPr id="236" name="PlaceHolder 3"/>
           <p:cNvSpPr>
             <a:spLocks noGrp="1"/>
           </p:cNvSpPr>
           <p:nvPr>
-            <p:ph type="sldNum" idx="50"/>
+            <p:ph type="sldNum" idx="56"/>
           </p:nvPr>
         </p:nvSpPr>
         <p:spPr>
           <a:xfrm>
             <a:off x="3884760" y="8685360"/>
-            <a:ext cx="2966400" cy="453240"/>
+            <a:ext cx="2965680" cy="452520"/>
           </a:xfrm>
           <a:prstGeom prst="rect">
             <a:avLst/>
@@ -553,7 +553,7 @@
                 <a:tab algn="l" pos="0"/>
               </a:tabLst>
             </a:pPr>
-            <a:fld id="{3B0EC7BC-2E70-4AF6-A9D0-9562404FDB2B}" type="slidenum">
+            <a:fld id="{BD9B26DA-F94A-4B18-8F93-0BCD35E13BE9}" type="slidenum">
               <a:rPr b="0" lang="ru-RU" sz="1200" strike="noStrike" u="none">
                 <a:solidFill>
                   <a:schemeClr val="dk1"/>
@@ -610,8 +610,8 @@
         </p:nvSpPr>
         <p:spPr>
           <a:xfrm>
-            <a:off x="609480" y="220680"/>
-            <a:ext cx="10971720" cy="1250280"/>
+            <a:off x="609480" y="220320"/>
+            <a:ext cx="10971000" cy="1250280"/>
           </a:xfrm>
           <a:prstGeom prst="rect">
             <a:avLst/>
@@ -653,7 +653,7 @@
         <p:spPr>
           <a:xfrm>
             <a:off x="609480" y="1604520"/>
-            <a:ext cx="10971720" cy="3976560"/>
+            <a:ext cx="10971000" cy="3975840"/>
           </a:xfrm>
           <a:prstGeom prst="rect">
             <a:avLst/>
@@ -719,7 +719,7 @@
         <p:txBody>
           <a:bodyPr/>
           <a:p>
-            <a:fld id="{B943E005-FDE4-425B-8A00-6CC7D327AC0A}" type="slidenum">
+            <a:fld id="{0AC6C1A6-A00F-491D-933E-8AD484D266AC}" type="slidenum">
               <a:t>&lt;#&gt;</a:t>
             </a:fld>
           </a:p>
@@ -780,8 +780,8 @@
         </p:nvSpPr>
         <p:spPr>
           <a:xfrm>
-            <a:off x="609480" y="220680"/>
-            <a:ext cx="10971720" cy="1250280"/>
+            <a:off x="609480" y="220320"/>
+            <a:ext cx="10971000" cy="1250280"/>
           </a:xfrm>
           <a:prstGeom prst="rect">
             <a:avLst/>
@@ -823,7 +823,7 @@
         <p:spPr>
           <a:xfrm>
             <a:off x="609480" y="1604520"/>
-            <a:ext cx="10971720" cy="3976560"/>
+            <a:ext cx="10971000" cy="3975840"/>
           </a:xfrm>
           <a:prstGeom prst="rect">
             <a:avLst/>
@@ -889,7 +889,7 @@
         <p:txBody>
           <a:bodyPr/>
           <a:p>
-            <a:fld id="{5BE17A19-2BB0-4AF6-A2EC-831B2CB27E86}" type="slidenum">
+            <a:fld id="{BF587745-A2AB-4AEF-AB1B-7B9428B74426}" type="slidenum">
               <a:t>&lt;#&gt;</a:t>
             </a:fld>
           </a:p>
@@ -958,7 +958,7 @@
         <p:spPr>
           <a:xfrm>
             <a:off x="609480" y="708480"/>
-            <a:ext cx="10971360" cy="274680"/>
+            <a:ext cx="10970640" cy="274680"/>
           </a:xfrm>
           <a:prstGeom prst="rect">
             <a:avLst/>
@@ -991,7 +991,18 @@
                 <a:uFillTx/>
                 <a:latin typeface="Arial"/>
               </a:rPr>
-              <a:t>Для правки текста заглавия щёлкните мышью</a:t>
+              <a:t>Для правки текста заглавия </a:t>
+            </a:r>
+            <a:r>
+              <a:rPr b="0" lang="ru-RU" sz="1800" strike="noStrike" u="none">
+                <a:solidFill>
+                  <a:srgbClr val="000000"/>
+                </a:solidFill>
+                <a:effectLst/>
+                <a:uFillTx/>
+                <a:latin typeface="Arial"/>
+              </a:rPr>
+              <a:t>щёлкните мышью</a:t>
             </a:r>
             <a:endParaRPr b="0" lang="ru-RU" sz="1800" strike="noStrike" u="none">
               <a:solidFill>
@@ -1017,7 +1028,7 @@
         <p:spPr>
           <a:xfrm>
             <a:off x="609480" y="1604520"/>
-            <a:ext cx="10971360" cy="3976200"/>
+            <a:ext cx="10970640" cy="3975480"/>
           </a:xfrm>
           <a:prstGeom prst="rect">
             <a:avLst/>
@@ -1291,7 +1302,7 @@
         <p:spPr>
           <a:xfrm>
             <a:off x="4165560" y="6248520"/>
-            <a:ext cx="3855240" cy="451800"/>
+            <a:ext cx="3854520" cy="451080"/>
           </a:xfrm>
           <a:prstGeom prst="rect">
             <a:avLst/>
@@ -1369,7 +1380,7 @@
         <p:spPr>
           <a:xfrm>
             <a:off x="8737560" y="6248520"/>
-            <a:ext cx="2534760" cy="451800"/>
+            <a:ext cx="2534040" cy="451080"/>
           </a:xfrm>
           <a:prstGeom prst="rect">
             <a:avLst/>
@@ -1412,7 +1423,7 @@
                 <a:tab algn="l" pos="0"/>
               </a:tabLst>
             </a:pPr>
-            <a:fld id="{204E769B-A586-4672-B97C-89F9EAD0FDA6}" type="slidenum">
+            <a:fld id="{DC68D82B-2B6C-4FFA-809B-2247EE90A140}" type="slidenum">
               <a:rPr b="0" lang="ru-RU" sz="1400" strike="noStrike" u="none">
                 <a:solidFill>
                   <a:srgbClr val="000000"/>
@@ -1447,7 +1458,7 @@
         <p:spPr>
           <a:xfrm>
             <a:off x="914400" y="6248520"/>
-            <a:ext cx="2534760" cy="451800"/>
+            <a:ext cx="2534040" cy="451080"/>
           </a:xfrm>
           <a:prstGeom prst="rect">
             <a:avLst/>
@@ -1554,7 +1565,7 @@
         <p:spPr>
           <a:xfrm>
             <a:off x="4165560" y="6248520"/>
-            <a:ext cx="3855240" cy="451800"/>
+            <a:ext cx="3854520" cy="451080"/>
           </a:xfrm>
           <a:prstGeom prst="rect">
             <a:avLst/>
@@ -1632,7 +1643,7 @@
         <p:spPr>
           <a:xfrm>
             <a:off x="8737560" y="6248520"/>
-            <a:ext cx="2534760" cy="451800"/>
+            <a:ext cx="2534040" cy="451080"/>
           </a:xfrm>
           <a:prstGeom prst="rect">
             <a:avLst/>
@@ -1675,7 +1686,7 @@
                 <a:tab algn="l" pos="0"/>
               </a:tabLst>
             </a:pPr>
-            <a:fld id="{B25823B3-21F4-4B99-9E20-7823DC9B67D5}" type="slidenum">
+            <a:fld id="{A5080710-40DB-4A29-9DD2-679ED74F7502}" type="slidenum">
               <a:rPr b="0" lang="ru-RU" sz="1400" strike="noStrike" u="none">
                 <a:solidFill>
                   <a:srgbClr val="000000"/>
@@ -1710,7 +1721,7 @@
         <p:spPr>
           <a:xfrm>
             <a:off x="914400" y="6248520"/>
-            <a:ext cx="2534760" cy="451800"/>
+            <a:ext cx="2534040" cy="451080"/>
           </a:xfrm>
           <a:prstGeom prst="rect">
             <a:avLst/>
@@ -1788,7 +1799,7 @@
         <p:spPr>
           <a:xfrm>
             <a:off x="609480" y="273600"/>
-            <a:ext cx="10971720" cy="1144080"/>
+            <a:ext cx="10971000" cy="1143360"/>
           </a:xfrm>
           <a:prstGeom prst="rect">
             <a:avLst/>
@@ -1847,7 +1858,7 @@
         <p:spPr>
           <a:xfrm>
             <a:off x="609480" y="1604520"/>
-            <a:ext cx="10971720" cy="3976560"/>
+            <a:ext cx="10971000" cy="3975840"/>
           </a:xfrm>
           <a:prstGeom prst="rect">
             <a:avLst/>
@@ -2150,7 +2161,7 @@
         <p:spPr>
           <a:xfrm>
             <a:off x="4165560" y="6248520"/>
-            <a:ext cx="3855240" cy="451800"/>
+            <a:ext cx="3854520" cy="451080"/>
           </a:xfrm>
           <a:prstGeom prst="rect">
             <a:avLst/>
@@ -2228,7 +2239,7 @@
         <p:spPr>
           <a:xfrm>
             <a:off x="8737560" y="6248520"/>
-            <a:ext cx="2534760" cy="451800"/>
+            <a:ext cx="2534040" cy="451080"/>
           </a:xfrm>
           <a:prstGeom prst="rect">
             <a:avLst/>
@@ -2271,7 +2282,7 @@
                 <a:tab algn="l" pos="0"/>
               </a:tabLst>
             </a:pPr>
-            <a:fld id="{23B5C733-3DF8-47B9-9E53-DB182EC78D0A}" type="slidenum">
+            <a:fld id="{CDAD3B0D-6EBE-4F81-ADCE-4AFE6C2563D7}" type="slidenum">
               <a:rPr b="0" lang="ru-RU" sz="1400" strike="noStrike" u="none">
                 <a:solidFill>
                   <a:srgbClr val="000000"/>
@@ -2306,7 +2317,7 @@
         <p:spPr>
           <a:xfrm>
             <a:off x="914400" y="6248520"/>
-            <a:ext cx="2534760" cy="451800"/>
+            <a:ext cx="2534040" cy="451080"/>
           </a:xfrm>
           <a:prstGeom prst="rect">
             <a:avLst/>
@@ -2384,7 +2395,7 @@
         <p:spPr>
           <a:xfrm>
             <a:off x="609480" y="273600"/>
-            <a:ext cx="10971720" cy="1144080"/>
+            <a:ext cx="10971000" cy="1143360"/>
           </a:xfrm>
           <a:prstGeom prst="rect">
             <a:avLst/>
@@ -2417,7 +2428,29 @@
                 <a:uFillTx/>
                 <a:latin typeface="Arial"/>
               </a:rPr>
-              <a:t>Для правки текста заглавия щёлкните мышью</a:t>
+              <a:t>Для правки текста </a:t>
+            </a:r>
+            <a:r>
+              <a:rPr b="0" lang="ru-RU" sz="4400" strike="noStrike" u="none">
+                <a:solidFill>
+                  <a:srgbClr val="000000"/>
+                </a:solidFill>
+                <a:effectLst/>
+                <a:uFillTx/>
+                <a:latin typeface="Arial"/>
+              </a:rPr>
+              <a:t>заглавия щёлкните </a:t>
+            </a:r>
+            <a:r>
+              <a:rPr b="0" lang="ru-RU" sz="4400" strike="noStrike" u="none">
+                <a:solidFill>
+                  <a:srgbClr val="000000"/>
+                </a:solidFill>
+                <a:effectLst/>
+                <a:uFillTx/>
+                <a:latin typeface="Arial"/>
+              </a:rPr>
+              <a:t>мышью</a:t>
             </a:r>
             <a:endParaRPr b="0" lang="ru-RU" sz="4400" strike="noStrike" u="none">
               <a:solidFill>
@@ -2443,7 +2476,7 @@
         <p:spPr>
           <a:xfrm>
             <a:off x="609480" y="1604520"/>
-            <a:ext cx="10971720" cy="3976560"/>
+            <a:ext cx="10971000" cy="3975840"/>
           </a:xfrm>
           <a:prstGeom prst="rect">
             <a:avLst/>
@@ -2746,7 +2779,7 @@
         <p:spPr>
           <a:xfrm>
             <a:off x="4165560" y="6248520"/>
-            <a:ext cx="3855240" cy="451800"/>
+            <a:ext cx="3854520" cy="451080"/>
           </a:xfrm>
           <a:prstGeom prst="rect">
             <a:avLst/>
@@ -2824,7 +2857,7 @@
         <p:spPr>
           <a:xfrm>
             <a:off x="8737560" y="6248520"/>
-            <a:ext cx="2534760" cy="451800"/>
+            <a:ext cx="2534040" cy="451080"/>
           </a:xfrm>
           <a:prstGeom prst="rect">
             <a:avLst/>
@@ -2867,7 +2900,7 @@
                 <a:tab algn="l" pos="0"/>
               </a:tabLst>
             </a:pPr>
-            <a:fld id="{3274A161-37AB-4A99-9B6B-74B4AC230601}" type="slidenum">
+            <a:fld id="{39CA31CD-91DF-4144-9495-A1593D4B2E69}" type="slidenum">
               <a:rPr b="0" lang="ru-RU" sz="1400" strike="noStrike" u="none">
                 <a:solidFill>
                   <a:srgbClr val="000000"/>
@@ -2902,7 +2935,7 @@
         <p:spPr>
           <a:xfrm>
             <a:off x="914400" y="6248520"/>
-            <a:ext cx="2534760" cy="451800"/>
+            <a:ext cx="2534040" cy="451080"/>
           </a:xfrm>
           <a:prstGeom prst="rect">
             <a:avLst/>
@@ -2980,7 +3013,7 @@
         <p:spPr>
           <a:xfrm>
             <a:off x="609480" y="273600"/>
-            <a:ext cx="10971720" cy="1144080"/>
+            <a:ext cx="10971000" cy="1143360"/>
           </a:xfrm>
           <a:prstGeom prst="rect">
             <a:avLst/>
@@ -3039,7 +3072,7 @@
         <p:spPr>
           <a:xfrm>
             <a:off x="609480" y="1604520"/>
-            <a:ext cx="10971720" cy="3976560"/>
+            <a:ext cx="10971000" cy="3975840"/>
           </a:xfrm>
           <a:prstGeom prst="rect">
             <a:avLst/>
@@ -3306,8 +3339,8 @@
 </file>
 
 <file path=ppt/slideLayouts/slideLayout15.xml><?xml version="1.0" encoding="utf-8"?>
-<p:sldLayout xmlns:a="http://schemas.openxmlformats.org/drawingml/2006/main" xmlns:p="http://schemas.openxmlformats.org/presentationml/2006/main" xmlns:r="http://schemas.openxmlformats.org/officeDocument/2006/relationships" xmlns:p14="http://schemas.microsoft.com/office/powerpoint/2010/main" xmlns:p15="http://schemas.microsoft.com/office/powerpoint/2012/main" xmlns:mc="http://schemas.openxmlformats.org/markup-compatibility/2006" type="blank" preserve="1">
-  <p:cSld name="Обычный 5">
+<p:sldLayout xmlns:a="http://schemas.openxmlformats.org/drawingml/2006/main" xmlns:p="http://schemas.openxmlformats.org/presentationml/2006/main" xmlns:r="http://schemas.openxmlformats.org/officeDocument/2006/relationships" xmlns:p14="http://schemas.microsoft.com/office/powerpoint/2010/main" xmlns:p15="http://schemas.microsoft.com/office/powerpoint/2012/main" xmlns:mc="http://schemas.openxmlformats.org/markup-compatibility/2006" type="tx" preserve="1">
+  <p:cSld name="Обычный 6">
     <p:bg>
       <p:bgPr>
         <a:solidFill>
@@ -3342,7 +3375,7 @@
         <p:spPr>
           <a:xfrm>
             <a:off x="4165560" y="6248520"/>
-            <a:ext cx="3855240" cy="451800"/>
+            <a:ext cx="3854520" cy="451080"/>
           </a:xfrm>
           <a:prstGeom prst="rect">
             <a:avLst/>
@@ -3420,7 +3453,7 @@
         <p:spPr>
           <a:xfrm>
             <a:off x="8737560" y="6248520"/>
-            <a:ext cx="2534760" cy="451800"/>
+            <a:ext cx="2534040" cy="451080"/>
           </a:xfrm>
           <a:prstGeom prst="rect">
             <a:avLst/>
@@ -3463,7 +3496,7 @@
                 <a:tab algn="l" pos="0"/>
               </a:tabLst>
             </a:pPr>
-            <a:fld id="{F0DB263D-DB6B-409D-B6B6-1F24069AAA59}" type="slidenum">
+            <a:fld id="{68CF6710-7B2B-419E-91C6-2C47DF8E5CD6}" type="slidenum">
               <a:rPr b="0" lang="ru-RU" sz="1400" strike="noStrike" u="none">
                 <a:solidFill>
                   <a:srgbClr val="000000"/>
@@ -3498,7 +3531,7 @@
         <p:spPr>
           <a:xfrm>
             <a:off x="914400" y="6248520"/>
-            <a:ext cx="2534760" cy="451800"/>
+            <a:ext cx="2534040" cy="451080"/>
           </a:xfrm>
           <a:prstGeom prst="rect">
             <a:avLst/>
@@ -3576,7 +3609,7 @@
         <p:spPr>
           <a:xfrm>
             <a:off x="609480" y="273600"/>
-            <a:ext cx="10971720" cy="1144080"/>
+            <a:ext cx="10971000" cy="1143360"/>
           </a:xfrm>
           <a:prstGeom prst="rect">
             <a:avLst/>
@@ -3635,7 +3668,1199 @@
         <p:spPr>
           <a:xfrm>
             <a:off x="609480" y="1604520"/>
-            <a:ext cx="10971720" cy="3976560"/>
+            <a:ext cx="10971000" cy="3975840"/>
+          </a:xfrm>
+          <a:prstGeom prst="rect">
+            <a:avLst/>
+          </a:prstGeom>
+          <a:noFill/>
+          <a:ln w="0">
+            <a:noFill/>
+          </a:ln>
+        </p:spPr>
+        <p:txBody>
+          <a:bodyPr lIns="0" rIns="0" tIns="0" bIns="0" anchor="t">
+            <a:normAutofit/>
+          </a:bodyPr>
+          <a:p>
+            <a:pPr marL="432000" indent="-324000">
+              <a:lnSpc>
+                <a:spcPct val="100000"/>
+              </a:lnSpc>
+              <a:spcBef>
+                <a:spcPts val="1417"/>
+              </a:spcBef>
+              <a:buClr>
+                <a:srgbClr val="000000"/>
+              </a:buClr>
+              <a:buSzPct val="45000"/>
+              <a:buFont typeface="Wingdings" charset="2"/>
+              <a:buChar char=""/>
+            </a:pPr>
+            <a:r>
+              <a:rPr b="0" lang="ru-RU" sz="3200" strike="noStrike" u="none">
+                <a:solidFill>
+                  <a:srgbClr val="000000"/>
+                </a:solidFill>
+                <a:effectLst/>
+                <a:uFillTx/>
+                <a:latin typeface="Arial"/>
+              </a:rPr>
+              <a:t>Для правки структуры щёлкните мышью</a:t>
+            </a:r>
+            <a:endParaRPr b="0" lang="ru-RU" sz="3200" strike="noStrike" u="none">
+              <a:solidFill>
+                <a:srgbClr val="000000"/>
+              </a:solidFill>
+              <a:effectLst/>
+              <a:uFillTx/>
+              <a:latin typeface="Arial"/>
+            </a:endParaRPr>
+          </a:p>
+          <a:p>
+            <a:pPr lvl="1" marL="864000" indent="-324000">
+              <a:lnSpc>
+                <a:spcPct val="100000"/>
+              </a:lnSpc>
+              <a:spcBef>
+                <a:spcPts val="1134"/>
+              </a:spcBef>
+              <a:buClr>
+                <a:srgbClr val="000000"/>
+              </a:buClr>
+              <a:buSzPct val="75000"/>
+              <a:buFont typeface="Symbol" charset="2"/>
+              <a:buChar char=""/>
+            </a:pPr>
+            <a:r>
+              <a:rPr b="0" lang="ru-RU" sz="2800" strike="noStrike" u="none">
+                <a:solidFill>
+                  <a:srgbClr val="000000"/>
+                </a:solidFill>
+                <a:effectLst/>
+                <a:uFillTx/>
+                <a:latin typeface="Arial"/>
+              </a:rPr>
+              <a:t>Второй уровень структуры</a:t>
+            </a:r>
+            <a:endParaRPr b="0" lang="ru-RU" sz="2800" strike="noStrike" u="none">
+              <a:solidFill>
+                <a:srgbClr val="000000"/>
+              </a:solidFill>
+              <a:effectLst/>
+              <a:uFillTx/>
+              <a:latin typeface="Arial"/>
+            </a:endParaRPr>
+          </a:p>
+          <a:p>
+            <a:pPr lvl="2" marL="1296000" indent="-288000">
+              <a:lnSpc>
+                <a:spcPct val="100000"/>
+              </a:lnSpc>
+              <a:spcBef>
+                <a:spcPts val="850"/>
+              </a:spcBef>
+              <a:buClr>
+                <a:srgbClr val="000000"/>
+              </a:buClr>
+              <a:buSzPct val="45000"/>
+              <a:buFont typeface="Wingdings" charset="2"/>
+              <a:buChar char=""/>
+            </a:pPr>
+            <a:r>
+              <a:rPr b="0" lang="ru-RU" sz="2400" strike="noStrike" u="none">
+                <a:solidFill>
+                  <a:srgbClr val="000000"/>
+                </a:solidFill>
+                <a:effectLst/>
+                <a:uFillTx/>
+                <a:latin typeface="Arial"/>
+              </a:rPr>
+              <a:t>Третий уровень структуры</a:t>
+            </a:r>
+            <a:endParaRPr b="0" lang="ru-RU" sz="2400" strike="noStrike" u="none">
+              <a:solidFill>
+                <a:srgbClr val="000000"/>
+              </a:solidFill>
+              <a:effectLst/>
+              <a:uFillTx/>
+              <a:latin typeface="Arial"/>
+            </a:endParaRPr>
+          </a:p>
+          <a:p>
+            <a:pPr lvl="3" marL="1728000" indent="-216000">
+              <a:lnSpc>
+                <a:spcPct val="100000"/>
+              </a:lnSpc>
+              <a:spcBef>
+                <a:spcPts val="567"/>
+              </a:spcBef>
+              <a:buClr>
+                <a:srgbClr val="000000"/>
+              </a:buClr>
+              <a:buSzPct val="75000"/>
+              <a:buFont typeface="Symbol" charset="2"/>
+              <a:buChar char=""/>
+            </a:pPr>
+            <a:r>
+              <a:rPr b="0" lang="ru-RU" sz="2000" strike="noStrike" u="none">
+                <a:solidFill>
+                  <a:srgbClr val="000000"/>
+                </a:solidFill>
+                <a:effectLst/>
+                <a:uFillTx/>
+                <a:latin typeface="Arial"/>
+              </a:rPr>
+              <a:t>Четвёртый уровень структуры</a:t>
+            </a:r>
+            <a:endParaRPr b="0" lang="ru-RU" sz="2000" strike="noStrike" u="none">
+              <a:solidFill>
+                <a:srgbClr val="000000"/>
+              </a:solidFill>
+              <a:effectLst/>
+              <a:uFillTx/>
+              <a:latin typeface="Arial"/>
+            </a:endParaRPr>
+          </a:p>
+          <a:p>
+            <a:pPr lvl="4" marL="2160000" indent="-216000">
+              <a:lnSpc>
+                <a:spcPct val="100000"/>
+              </a:lnSpc>
+              <a:spcBef>
+                <a:spcPts val="283"/>
+              </a:spcBef>
+              <a:buClr>
+                <a:srgbClr val="000000"/>
+              </a:buClr>
+              <a:buSzPct val="45000"/>
+              <a:buFont typeface="Wingdings" charset="2"/>
+              <a:buChar char=""/>
+            </a:pPr>
+            <a:r>
+              <a:rPr b="0" lang="ru-RU" sz="2000" strike="noStrike" u="none">
+                <a:solidFill>
+                  <a:srgbClr val="000000"/>
+                </a:solidFill>
+                <a:effectLst/>
+                <a:uFillTx/>
+                <a:latin typeface="Arial"/>
+              </a:rPr>
+              <a:t>Пятый уровень структуры</a:t>
+            </a:r>
+            <a:endParaRPr b="0" lang="ru-RU" sz="2000" strike="noStrike" u="none">
+              <a:solidFill>
+                <a:srgbClr val="000000"/>
+              </a:solidFill>
+              <a:effectLst/>
+              <a:uFillTx/>
+              <a:latin typeface="Arial"/>
+            </a:endParaRPr>
+          </a:p>
+          <a:p>
+            <a:pPr lvl="5" marL="2592000" indent="-216000">
+              <a:lnSpc>
+                <a:spcPct val="100000"/>
+              </a:lnSpc>
+              <a:spcBef>
+                <a:spcPts val="283"/>
+              </a:spcBef>
+              <a:buClr>
+                <a:srgbClr val="000000"/>
+              </a:buClr>
+              <a:buSzPct val="45000"/>
+              <a:buFont typeface="Wingdings" charset="2"/>
+              <a:buChar char=""/>
+            </a:pPr>
+            <a:r>
+              <a:rPr b="0" lang="ru-RU" sz="2000" strike="noStrike" u="none">
+                <a:solidFill>
+                  <a:srgbClr val="000000"/>
+                </a:solidFill>
+                <a:effectLst/>
+                <a:uFillTx/>
+                <a:latin typeface="Arial"/>
+              </a:rPr>
+              <a:t>Шестой уровень структуры</a:t>
+            </a:r>
+            <a:endParaRPr b="0" lang="ru-RU" sz="2000" strike="noStrike" u="none">
+              <a:solidFill>
+                <a:srgbClr val="000000"/>
+              </a:solidFill>
+              <a:effectLst/>
+              <a:uFillTx/>
+              <a:latin typeface="Arial"/>
+            </a:endParaRPr>
+          </a:p>
+          <a:p>
+            <a:pPr lvl="6" marL="3024000" indent="-216000">
+              <a:lnSpc>
+                <a:spcPct val="100000"/>
+              </a:lnSpc>
+              <a:spcBef>
+                <a:spcPts val="283"/>
+              </a:spcBef>
+              <a:buClr>
+                <a:srgbClr val="000000"/>
+              </a:buClr>
+              <a:buSzPct val="45000"/>
+              <a:buFont typeface="Wingdings" charset="2"/>
+              <a:buChar char=""/>
+            </a:pPr>
+            <a:r>
+              <a:rPr b="0" lang="ru-RU" sz="2000" strike="noStrike" u="none">
+                <a:solidFill>
+                  <a:srgbClr val="000000"/>
+                </a:solidFill>
+                <a:effectLst/>
+                <a:uFillTx/>
+                <a:latin typeface="Arial"/>
+              </a:rPr>
+              <a:t>Седьмой уровень структуры</a:t>
+            </a:r>
+            <a:endParaRPr b="0" lang="ru-RU" sz="2000" strike="noStrike" u="none">
+              <a:solidFill>
+                <a:srgbClr val="000000"/>
+              </a:solidFill>
+              <a:effectLst/>
+              <a:uFillTx/>
+              <a:latin typeface="Arial"/>
+            </a:endParaRPr>
+          </a:p>
+        </p:txBody>
+      </p:sp>
+    </p:spTree>
+  </p:cSld>
+</p:sldLayout>
+</file>
+
+<file path=ppt/slideLayouts/slideLayout16.xml><?xml version="1.0" encoding="utf-8"?>
+<p:sldLayout xmlns:a="http://schemas.openxmlformats.org/drawingml/2006/main" xmlns:p="http://schemas.openxmlformats.org/presentationml/2006/main" xmlns:r="http://schemas.openxmlformats.org/officeDocument/2006/relationships" xmlns:p14="http://schemas.microsoft.com/office/powerpoint/2010/main" xmlns:p15="http://schemas.microsoft.com/office/powerpoint/2012/main" xmlns:mc="http://schemas.openxmlformats.org/markup-compatibility/2006" type="tx" preserve="1">
+  <p:cSld name="Обычный 7">
+    <p:bg>
+      <p:bgPr>
+        <a:solidFill>
+          <a:schemeClr val="lt1"/>
+        </a:solidFill>
+      </p:bgPr>
+    </p:bg>
+    <p:spTree>
+      <p:nvGrpSpPr>
+        <p:cNvPr id="1" name=""/>
+        <p:cNvGrpSpPr/>
+        <p:nvPr/>
+      </p:nvGrpSpPr>
+      <p:grpSpPr>
+        <a:xfrm>
+          <a:off x="0" y="0"/>
+          <a:ext cx="0" cy="0"/>
+          <a:chOff x="0" y="0"/>
+          <a:chExt cx="0" cy="0"/>
+        </a:xfrm>
+      </p:grpSpPr>
+      <p:sp>
+        <p:nvSpPr>
+          <p:cNvPr id="91" name="PlaceHolder 1"/>
+          <p:cNvSpPr>
+            <a:spLocks noGrp="1"/>
+          </p:cNvSpPr>
+          <p:nvPr>
+            <p:ph type="ftr" idx="46"/>
+          </p:nvPr>
+        </p:nvSpPr>
+        <p:spPr>
+          <a:xfrm>
+            <a:off x="4165560" y="6248520"/>
+            <a:ext cx="3854520" cy="451080"/>
+          </a:xfrm>
+          <a:prstGeom prst="rect">
+            <a:avLst/>
+          </a:prstGeom>
+          <a:noFill/>
+          <a:ln w="9360">
+            <a:noFill/>
+          </a:ln>
+        </p:spPr>
+        <p:txBody>
+          <a:bodyPr numCol="1" spcCol="0" lIns="91440" rIns="91440" tIns="45720" bIns="45720" anchor="t">
+            <a:noAutofit/>
+          </a:bodyPr>
+          <a:lstStyle>
+            <a:lvl1pPr indent="0" algn="ctr">
+              <a:lnSpc>
+                <a:spcPct val="100000"/>
+              </a:lnSpc>
+              <a:buNone/>
+              <a:tabLst>
+                <a:tab algn="l" pos="0"/>
+              </a:tabLst>
+              <a:defRPr b="0" lang="ru-RU" sz="1400" strike="noStrike" u="none">
+                <a:solidFill>
+                  <a:srgbClr val="000000"/>
+                </a:solidFill>
+                <a:effectLst/>
+                <a:uFillTx/>
+                <a:latin typeface="Times New Roman"/>
+              </a:defRPr>
+            </a:lvl1pPr>
+          </a:lstStyle>
+          <a:p>
+            <a:pPr indent="0" algn="ctr">
+              <a:lnSpc>
+                <a:spcPct val="100000"/>
+              </a:lnSpc>
+              <a:buNone/>
+              <a:tabLst>
+                <a:tab algn="l" pos="0"/>
+              </a:tabLst>
+            </a:pPr>
+            <a:r>
+              <a:rPr b="0" lang="ru-RU" sz="1400" strike="noStrike" u="none">
+                <a:solidFill>
+                  <a:srgbClr val="000000"/>
+                </a:solidFill>
+                <a:effectLst/>
+                <a:uFillTx/>
+                <a:latin typeface="Times New Roman"/>
+              </a:rPr>
+              <a:t>&lt;нижний колонтитул&gt;</a:t>
+            </a:r>
+            <a:endParaRPr b="0" lang="ru-RU" sz="1400" strike="noStrike" u="none">
+              <a:solidFill>
+                <a:srgbClr val="000000"/>
+              </a:solidFill>
+              <a:effectLst/>
+              <a:uFillTx/>
+              <a:latin typeface="Times New Roman"/>
+            </a:endParaRPr>
+          </a:p>
+        </p:txBody>
+      </p:sp>
+      <p:sp>
+        <p:nvSpPr>
+          <p:cNvPr id="92" name="PlaceHolder 2"/>
+          <p:cNvSpPr>
+            <a:spLocks noGrp="1"/>
+          </p:cNvSpPr>
+          <p:nvPr>
+            <p:ph type="sldNum" idx="47"/>
+          </p:nvPr>
+        </p:nvSpPr>
+        <p:spPr>
+          <a:xfrm>
+            <a:off x="8737560" y="6248520"/>
+            <a:ext cx="2534040" cy="451080"/>
+          </a:xfrm>
+          <a:prstGeom prst="rect">
+            <a:avLst/>
+          </a:prstGeom>
+          <a:noFill/>
+          <a:ln w="9360">
+            <a:noFill/>
+          </a:ln>
+        </p:spPr>
+        <p:txBody>
+          <a:bodyPr numCol="1" spcCol="0" lIns="91440" rIns="91440" tIns="45720" bIns="45720" anchor="t">
+            <a:noAutofit/>
+          </a:bodyPr>
+          <a:lstStyle>
+            <a:lvl1pPr indent="0" algn="r" defTabSz="914400">
+              <a:lnSpc>
+                <a:spcPct val="100000"/>
+              </a:lnSpc>
+              <a:buNone/>
+              <a:tabLst>
+                <a:tab algn="l" pos="0"/>
+              </a:tabLst>
+              <a:defRPr b="0" lang="ru-RU" sz="1400" strike="noStrike" u="none">
+                <a:solidFill>
+                  <a:srgbClr val="000000"/>
+                </a:solidFill>
+                <a:effectLst/>
+                <a:uFillTx/>
+                <a:latin typeface="Arial"/>
+              </a:defRPr>
+            </a:lvl1pPr>
+          </a:lstStyle>
+          <a:p>
+            <a:pPr indent="0" algn="r" defTabSz="914400">
+              <a:lnSpc>
+                <a:spcPct val="100000"/>
+              </a:lnSpc>
+              <a:buNone/>
+              <a:tabLst>
+                <a:tab algn="l" pos="0"/>
+              </a:tabLst>
+            </a:pPr>
+            <a:fld id="{0048213B-848B-4CDB-80B1-DA0BBCFB6839}" type="slidenum">
+              <a:rPr b="0" lang="ru-RU" sz="1400" strike="noStrike" u="none">
+                <a:solidFill>
+                  <a:srgbClr val="000000"/>
+                </a:solidFill>
+                <a:effectLst/>
+                <a:uFillTx/>
+                <a:latin typeface="Arial"/>
+              </a:rPr>
+              <a:t>&lt;номер&gt;</a:t>
+            </a:fld>
+            <a:endParaRPr b="0" lang="ru-RU" sz="1400" strike="noStrike" u="none">
+              <a:solidFill>
+                <a:srgbClr val="000000"/>
+              </a:solidFill>
+              <a:effectLst/>
+              <a:uFillTx/>
+              <a:latin typeface="Times New Roman"/>
+            </a:endParaRPr>
+          </a:p>
+        </p:txBody>
+      </p:sp>
+      <p:sp>
+        <p:nvSpPr>
+          <p:cNvPr id="93" name="PlaceHolder 3"/>
+          <p:cNvSpPr>
+            <a:spLocks noGrp="1"/>
+          </p:cNvSpPr>
+          <p:nvPr>
+            <p:ph type="dt" idx="48"/>
+          </p:nvPr>
+        </p:nvSpPr>
+        <p:spPr>
+          <a:xfrm>
+            <a:off x="914400" y="6248520"/>
+            <a:ext cx="2534040" cy="451080"/>
+          </a:xfrm>
+          <a:prstGeom prst="rect">
+            <a:avLst/>
+          </a:prstGeom>
+          <a:noFill/>
+          <a:ln w="9360">
+            <a:noFill/>
+          </a:ln>
+        </p:spPr>
+        <p:txBody>
+          <a:bodyPr numCol="1" spcCol="0" lIns="91440" rIns="91440" tIns="45720" bIns="45720" anchor="t">
+            <a:noAutofit/>
+          </a:bodyPr>
+          <a:lstStyle>
+            <a:lvl1pPr indent="0">
+              <a:lnSpc>
+                <a:spcPct val="100000"/>
+              </a:lnSpc>
+              <a:buNone/>
+              <a:tabLst>
+                <a:tab algn="l" pos="0"/>
+              </a:tabLst>
+              <a:defRPr b="0" lang="ru-RU" sz="1400" strike="noStrike" u="none">
+                <a:solidFill>
+                  <a:srgbClr val="000000"/>
+                </a:solidFill>
+                <a:effectLst/>
+                <a:uFillTx/>
+                <a:latin typeface="Times New Roman"/>
+              </a:defRPr>
+            </a:lvl1pPr>
+          </a:lstStyle>
+          <a:p>
+            <a:pPr indent="0">
+              <a:lnSpc>
+                <a:spcPct val="100000"/>
+              </a:lnSpc>
+              <a:buNone/>
+              <a:tabLst>
+                <a:tab algn="l" pos="0"/>
+              </a:tabLst>
+            </a:pPr>
+            <a:r>
+              <a:rPr b="0" lang="ru-RU" sz="1400" strike="noStrike" u="none">
+                <a:solidFill>
+                  <a:srgbClr val="000000"/>
+                </a:solidFill>
+                <a:effectLst/>
+                <a:uFillTx/>
+                <a:latin typeface="Times New Roman"/>
+              </a:rPr>
+              <a:t>&lt;дата/время&gt;</a:t>
+            </a:r>
+            <a:endParaRPr b="0" lang="ru-RU" sz="1400" strike="noStrike" u="none">
+              <a:solidFill>
+                <a:srgbClr val="000000"/>
+              </a:solidFill>
+              <a:effectLst/>
+              <a:uFillTx/>
+              <a:latin typeface="Times New Roman"/>
+            </a:endParaRPr>
+          </a:p>
+        </p:txBody>
+      </p:sp>
+      <p:sp>
+        <p:nvSpPr>
+          <p:cNvPr id="94" name="PlaceHolder 4"/>
+          <p:cNvSpPr>
+            <a:spLocks noGrp="1"/>
+          </p:cNvSpPr>
+          <p:nvPr>
+            <p:ph type="title"/>
+          </p:nvPr>
+        </p:nvSpPr>
+        <p:spPr>
+          <a:xfrm>
+            <a:off x="609480" y="273600"/>
+            <a:ext cx="10971000" cy="1143360"/>
+          </a:xfrm>
+          <a:prstGeom prst="rect">
+            <a:avLst/>
+          </a:prstGeom>
+          <a:noFill/>
+          <a:ln w="0">
+            <a:noFill/>
+          </a:ln>
+        </p:spPr>
+        <p:txBody>
+          <a:bodyPr lIns="0" rIns="0" tIns="0" bIns="0" anchor="ctr">
+            <a:noAutofit/>
+          </a:bodyPr>
+          <a:p>
+            <a:pPr indent="0" algn="ctr">
+              <a:lnSpc>
+                <a:spcPct val="100000"/>
+              </a:lnSpc>
+              <a:buNone/>
+              <a:tabLst>
+                <a:tab algn="l" pos="0"/>
+              </a:tabLst>
+            </a:pPr>
+            <a:r>
+              <a:rPr b="0" lang="ru-RU" sz="4400" strike="noStrike" u="none">
+                <a:solidFill>
+                  <a:srgbClr val="000000"/>
+                </a:solidFill>
+                <a:effectLst/>
+                <a:uFillTx/>
+                <a:latin typeface="Arial"/>
+              </a:rPr>
+              <a:t>Для правки текста заглавия щёлкните мышью</a:t>
+            </a:r>
+            <a:endParaRPr b="0" lang="ru-RU" sz="4400" strike="noStrike" u="none">
+              <a:solidFill>
+                <a:srgbClr val="000000"/>
+              </a:solidFill>
+              <a:effectLst/>
+              <a:uFillTx/>
+              <a:latin typeface="Arial"/>
+            </a:endParaRPr>
+          </a:p>
+        </p:txBody>
+      </p:sp>
+      <p:sp>
+        <p:nvSpPr>
+          <p:cNvPr id="95" name="PlaceHolder 5"/>
+          <p:cNvSpPr>
+            <a:spLocks noGrp="1"/>
+          </p:cNvSpPr>
+          <p:nvPr>
+            <p:ph type="body"/>
+          </p:nvPr>
+        </p:nvSpPr>
+        <p:spPr>
+          <a:xfrm>
+            <a:off x="609480" y="1604520"/>
+            <a:ext cx="10971000" cy="3975840"/>
+          </a:xfrm>
+          <a:prstGeom prst="rect">
+            <a:avLst/>
+          </a:prstGeom>
+          <a:noFill/>
+          <a:ln w="0">
+            <a:noFill/>
+          </a:ln>
+        </p:spPr>
+        <p:txBody>
+          <a:bodyPr lIns="0" rIns="0" tIns="0" bIns="0" anchor="t">
+            <a:normAutofit/>
+          </a:bodyPr>
+          <a:p>
+            <a:pPr marL="432000" indent="-324000">
+              <a:lnSpc>
+                <a:spcPct val="100000"/>
+              </a:lnSpc>
+              <a:spcBef>
+                <a:spcPts val="1417"/>
+              </a:spcBef>
+              <a:buClr>
+                <a:srgbClr val="000000"/>
+              </a:buClr>
+              <a:buSzPct val="45000"/>
+              <a:buFont typeface="Wingdings" charset="2"/>
+              <a:buChar char=""/>
+            </a:pPr>
+            <a:r>
+              <a:rPr b="0" lang="ru-RU" sz="3200" strike="noStrike" u="none">
+                <a:solidFill>
+                  <a:srgbClr val="000000"/>
+                </a:solidFill>
+                <a:effectLst/>
+                <a:uFillTx/>
+                <a:latin typeface="Arial"/>
+              </a:rPr>
+              <a:t>Для правки структуры щёлкните мышью</a:t>
+            </a:r>
+            <a:endParaRPr b="0" lang="ru-RU" sz="3200" strike="noStrike" u="none">
+              <a:solidFill>
+                <a:srgbClr val="000000"/>
+              </a:solidFill>
+              <a:effectLst/>
+              <a:uFillTx/>
+              <a:latin typeface="Arial"/>
+            </a:endParaRPr>
+          </a:p>
+          <a:p>
+            <a:pPr lvl="1" marL="864000" indent="-324000">
+              <a:lnSpc>
+                <a:spcPct val="100000"/>
+              </a:lnSpc>
+              <a:spcBef>
+                <a:spcPts val="1134"/>
+              </a:spcBef>
+              <a:buClr>
+                <a:srgbClr val="000000"/>
+              </a:buClr>
+              <a:buSzPct val="75000"/>
+              <a:buFont typeface="Symbol" charset="2"/>
+              <a:buChar char=""/>
+            </a:pPr>
+            <a:r>
+              <a:rPr b="0" lang="ru-RU" sz="2800" strike="noStrike" u="none">
+                <a:solidFill>
+                  <a:srgbClr val="000000"/>
+                </a:solidFill>
+                <a:effectLst/>
+                <a:uFillTx/>
+                <a:latin typeface="Arial"/>
+              </a:rPr>
+              <a:t>Второй уровень структуры</a:t>
+            </a:r>
+            <a:endParaRPr b="0" lang="ru-RU" sz="2800" strike="noStrike" u="none">
+              <a:solidFill>
+                <a:srgbClr val="000000"/>
+              </a:solidFill>
+              <a:effectLst/>
+              <a:uFillTx/>
+              <a:latin typeface="Arial"/>
+            </a:endParaRPr>
+          </a:p>
+          <a:p>
+            <a:pPr lvl="2" marL="1296000" indent="-288000">
+              <a:lnSpc>
+                <a:spcPct val="100000"/>
+              </a:lnSpc>
+              <a:spcBef>
+                <a:spcPts val="850"/>
+              </a:spcBef>
+              <a:buClr>
+                <a:srgbClr val="000000"/>
+              </a:buClr>
+              <a:buSzPct val="45000"/>
+              <a:buFont typeface="Wingdings" charset="2"/>
+              <a:buChar char=""/>
+            </a:pPr>
+            <a:r>
+              <a:rPr b="0" lang="ru-RU" sz="2400" strike="noStrike" u="none">
+                <a:solidFill>
+                  <a:srgbClr val="000000"/>
+                </a:solidFill>
+                <a:effectLst/>
+                <a:uFillTx/>
+                <a:latin typeface="Arial"/>
+              </a:rPr>
+              <a:t>Третий уровень структуры</a:t>
+            </a:r>
+            <a:endParaRPr b="0" lang="ru-RU" sz="2400" strike="noStrike" u="none">
+              <a:solidFill>
+                <a:srgbClr val="000000"/>
+              </a:solidFill>
+              <a:effectLst/>
+              <a:uFillTx/>
+              <a:latin typeface="Arial"/>
+            </a:endParaRPr>
+          </a:p>
+          <a:p>
+            <a:pPr lvl="3" marL="1728000" indent="-216000">
+              <a:lnSpc>
+                <a:spcPct val="100000"/>
+              </a:lnSpc>
+              <a:spcBef>
+                <a:spcPts val="567"/>
+              </a:spcBef>
+              <a:buClr>
+                <a:srgbClr val="000000"/>
+              </a:buClr>
+              <a:buSzPct val="75000"/>
+              <a:buFont typeface="Symbol" charset="2"/>
+              <a:buChar char=""/>
+            </a:pPr>
+            <a:r>
+              <a:rPr b="0" lang="ru-RU" sz="2000" strike="noStrike" u="none">
+                <a:solidFill>
+                  <a:srgbClr val="000000"/>
+                </a:solidFill>
+                <a:effectLst/>
+                <a:uFillTx/>
+                <a:latin typeface="Arial"/>
+              </a:rPr>
+              <a:t>Четвёртый уровень структуры</a:t>
+            </a:r>
+            <a:endParaRPr b="0" lang="ru-RU" sz="2000" strike="noStrike" u="none">
+              <a:solidFill>
+                <a:srgbClr val="000000"/>
+              </a:solidFill>
+              <a:effectLst/>
+              <a:uFillTx/>
+              <a:latin typeface="Arial"/>
+            </a:endParaRPr>
+          </a:p>
+          <a:p>
+            <a:pPr lvl="4" marL="2160000" indent="-216000">
+              <a:lnSpc>
+                <a:spcPct val="100000"/>
+              </a:lnSpc>
+              <a:spcBef>
+                <a:spcPts val="283"/>
+              </a:spcBef>
+              <a:buClr>
+                <a:srgbClr val="000000"/>
+              </a:buClr>
+              <a:buSzPct val="45000"/>
+              <a:buFont typeface="Wingdings" charset="2"/>
+              <a:buChar char=""/>
+            </a:pPr>
+            <a:r>
+              <a:rPr b="0" lang="ru-RU" sz="2000" strike="noStrike" u="none">
+                <a:solidFill>
+                  <a:srgbClr val="000000"/>
+                </a:solidFill>
+                <a:effectLst/>
+                <a:uFillTx/>
+                <a:latin typeface="Arial"/>
+              </a:rPr>
+              <a:t>Пятый уровень структуры</a:t>
+            </a:r>
+            <a:endParaRPr b="0" lang="ru-RU" sz="2000" strike="noStrike" u="none">
+              <a:solidFill>
+                <a:srgbClr val="000000"/>
+              </a:solidFill>
+              <a:effectLst/>
+              <a:uFillTx/>
+              <a:latin typeface="Arial"/>
+            </a:endParaRPr>
+          </a:p>
+          <a:p>
+            <a:pPr lvl="5" marL="2592000" indent="-216000">
+              <a:lnSpc>
+                <a:spcPct val="100000"/>
+              </a:lnSpc>
+              <a:spcBef>
+                <a:spcPts val="283"/>
+              </a:spcBef>
+              <a:buClr>
+                <a:srgbClr val="000000"/>
+              </a:buClr>
+              <a:buSzPct val="45000"/>
+              <a:buFont typeface="Wingdings" charset="2"/>
+              <a:buChar char=""/>
+            </a:pPr>
+            <a:r>
+              <a:rPr b="0" lang="ru-RU" sz="2000" strike="noStrike" u="none">
+                <a:solidFill>
+                  <a:srgbClr val="000000"/>
+                </a:solidFill>
+                <a:effectLst/>
+                <a:uFillTx/>
+                <a:latin typeface="Arial"/>
+              </a:rPr>
+              <a:t>Шестой уровень структуры</a:t>
+            </a:r>
+            <a:endParaRPr b="0" lang="ru-RU" sz="2000" strike="noStrike" u="none">
+              <a:solidFill>
+                <a:srgbClr val="000000"/>
+              </a:solidFill>
+              <a:effectLst/>
+              <a:uFillTx/>
+              <a:latin typeface="Arial"/>
+            </a:endParaRPr>
+          </a:p>
+          <a:p>
+            <a:pPr lvl="6" marL="3024000" indent="-216000">
+              <a:lnSpc>
+                <a:spcPct val="100000"/>
+              </a:lnSpc>
+              <a:spcBef>
+                <a:spcPts val="283"/>
+              </a:spcBef>
+              <a:buClr>
+                <a:srgbClr val="000000"/>
+              </a:buClr>
+              <a:buSzPct val="45000"/>
+              <a:buFont typeface="Wingdings" charset="2"/>
+              <a:buChar char=""/>
+            </a:pPr>
+            <a:r>
+              <a:rPr b="0" lang="ru-RU" sz="2000" strike="noStrike" u="none">
+                <a:solidFill>
+                  <a:srgbClr val="000000"/>
+                </a:solidFill>
+                <a:effectLst/>
+                <a:uFillTx/>
+                <a:latin typeface="Arial"/>
+              </a:rPr>
+              <a:t>Седьмой уровень структуры</a:t>
+            </a:r>
+            <a:endParaRPr b="0" lang="ru-RU" sz="2000" strike="noStrike" u="none">
+              <a:solidFill>
+                <a:srgbClr val="000000"/>
+              </a:solidFill>
+              <a:effectLst/>
+              <a:uFillTx/>
+              <a:latin typeface="Arial"/>
+            </a:endParaRPr>
+          </a:p>
+        </p:txBody>
+      </p:sp>
+    </p:spTree>
+  </p:cSld>
+</p:sldLayout>
+</file>
+
+<file path=ppt/slideLayouts/slideLayout17.xml><?xml version="1.0" encoding="utf-8"?>
+<p:sldLayout xmlns:a="http://schemas.openxmlformats.org/drawingml/2006/main" xmlns:p="http://schemas.openxmlformats.org/presentationml/2006/main" xmlns:r="http://schemas.openxmlformats.org/officeDocument/2006/relationships" xmlns:p14="http://schemas.microsoft.com/office/powerpoint/2010/main" xmlns:p15="http://schemas.microsoft.com/office/powerpoint/2012/main" xmlns:mc="http://schemas.openxmlformats.org/markup-compatibility/2006" type="blank" preserve="1">
+  <p:cSld name="Обычный 7">
+    <p:bg>
+      <p:bgPr>
+        <a:solidFill>
+          <a:schemeClr val="lt1"/>
+        </a:solidFill>
+      </p:bgPr>
+    </p:bg>
+    <p:spTree>
+      <p:nvGrpSpPr>
+        <p:cNvPr id="1" name=""/>
+        <p:cNvGrpSpPr/>
+        <p:nvPr/>
+      </p:nvGrpSpPr>
+      <p:grpSpPr>
+        <a:xfrm>
+          <a:off x="0" y="0"/>
+          <a:ext cx="0" cy="0"/>
+          <a:chOff x="0" y="0"/>
+          <a:chExt cx="0" cy="0"/>
+        </a:xfrm>
+      </p:grpSpPr>
+      <p:sp>
+        <p:nvSpPr>
+          <p:cNvPr id="96" name="PlaceHolder 1"/>
+          <p:cNvSpPr>
+            <a:spLocks noGrp="1"/>
+          </p:cNvSpPr>
+          <p:nvPr>
+            <p:ph type="ftr" idx="49"/>
+          </p:nvPr>
+        </p:nvSpPr>
+        <p:spPr>
+          <a:xfrm>
+            <a:off x="4165560" y="6248520"/>
+            <a:ext cx="3854520" cy="451080"/>
+          </a:xfrm>
+          <a:prstGeom prst="rect">
+            <a:avLst/>
+          </a:prstGeom>
+          <a:noFill/>
+          <a:ln w="9360">
+            <a:noFill/>
+          </a:ln>
+        </p:spPr>
+        <p:txBody>
+          <a:bodyPr numCol="1" spcCol="0" lIns="91440" rIns="91440" tIns="45720" bIns="45720" anchor="t">
+            <a:noAutofit/>
+          </a:bodyPr>
+          <a:lstStyle>
+            <a:lvl1pPr indent="0" algn="ctr">
+              <a:lnSpc>
+                <a:spcPct val="100000"/>
+              </a:lnSpc>
+              <a:buNone/>
+              <a:tabLst>
+                <a:tab algn="l" pos="0"/>
+              </a:tabLst>
+              <a:defRPr b="0" lang="ru-RU" sz="1400" strike="noStrike" u="none">
+                <a:solidFill>
+                  <a:srgbClr val="000000"/>
+                </a:solidFill>
+                <a:effectLst/>
+                <a:uFillTx/>
+                <a:latin typeface="Times New Roman"/>
+              </a:defRPr>
+            </a:lvl1pPr>
+          </a:lstStyle>
+          <a:p>
+            <a:pPr indent="0" algn="ctr">
+              <a:lnSpc>
+                <a:spcPct val="100000"/>
+              </a:lnSpc>
+              <a:buNone/>
+              <a:tabLst>
+                <a:tab algn="l" pos="0"/>
+              </a:tabLst>
+            </a:pPr>
+            <a:r>
+              <a:rPr b="0" lang="ru-RU" sz="1400" strike="noStrike" u="none">
+                <a:solidFill>
+                  <a:srgbClr val="000000"/>
+                </a:solidFill>
+                <a:effectLst/>
+                <a:uFillTx/>
+                <a:latin typeface="Times New Roman"/>
+              </a:rPr>
+              <a:t>&lt;нижний колонтитул&gt;</a:t>
+            </a:r>
+            <a:endParaRPr b="0" lang="ru-RU" sz="1400" strike="noStrike" u="none">
+              <a:solidFill>
+                <a:srgbClr val="000000"/>
+              </a:solidFill>
+              <a:effectLst/>
+              <a:uFillTx/>
+              <a:latin typeface="Times New Roman"/>
+            </a:endParaRPr>
+          </a:p>
+        </p:txBody>
+      </p:sp>
+      <p:sp>
+        <p:nvSpPr>
+          <p:cNvPr id="97" name="PlaceHolder 2"/>
+          <p:cNvSpPr>
+            <a:spLocks noGrp="1"/>
+          </p:cNvSpPr>
+          <p:nvPr>
+            <p:ph type="sldNum" idx="50"/>
+          </p:nvPr>
+        </p:nvSpPr>
+        <p:spPr>
+          <a:xfrm>
+            <a:off x="8737560" y="6248520"/>
+            <a:ext cx="2534040" cy="451080"/>
+          </a:xfrm>
+          <a:prstGeom prst="rect">
+            <a:avLst/>
+          </a:prstGeom>
+          <a:noFill/>
+          <a:ln w="9360">
+            <a:noFill/>
+          </a:ln>
+        </p:spPr>
+        <p:txBody>
+          <a:bodyPr numCol="1" spcCol="0" lIns="91440" rIns="91440" tIns="45720" bIns="45720" anchor="t">
+            <a:noAutofit/>
+          </a:bodyPr>
+          <a:lstStyle>
+            <a:lvl1pPr indent="0" algn="r" defTabSz="914400">
+              <a:lnSpc>
+                <a:spcPct val="100000"/>
+              </a:lnSpc>
+              <a:buNone/>
+              <a:tabLst>
+                <a:tab algn="l" pos="0"/>
+              </a:tabLst>
+              <a:defRPr b="0" lang="ru-RU" sz="1400" strike="noStrike" u="none">
+                <a:solidFill>
+                  <a:srgbClr val="000000"/>
+                </a:solidFill>
+                <a:effectLst/>
+                <a:uFillTx/>
+                <a:latin typeface="Arial"/>
+              </a:defRPr>
+            </a:lvl1pPr>
+          </a:lstStyle>
+          <a:p>
+            <a:pPr indent="0" algn="r" defTabSz="914400">
+              <a:lnSpc>
+                <a:spcPct val="100000"/>
+              </a:lnSpc>
+              <a:buNone/>
+              <a:tabLst>
+                <a:tab algn="l" pos="0"/>
+              </a:tabLst>
+            </a:pPr>
+            <a:fld id="{1FABE7BA-2E79-45D1-8759-584444477F51}" type="slidenum">
+              <a:rPr b="0" lang="ru-RU" sz="1400" strike="noStrike" u="none">
+                <a:solidFill>
+                  <a:srgbClr val="000000"/>
+                </a:solidFill>
+                <a:effectLst/>
+                <a:uFillTx/>
+                <a:latin typeface="Arial"/>
+              </a:rPr>
+              <a:t>&lt;номер&gt;</a:t>
+            </a:fld>
+            <a:endParaRPr b="0" lang="ru-RU" sz="1400" strike="noStrike" u="none">
+              <a:solidFill>
+                <a:srgbClr val="000000"/>
+              </a:solidFill>
+              <a:effectLst/>
+              <a:uFillTx/>
+              <a:latin typeface="Times New Roman"/>
+            </a:endParaRPr>
+          </a:p>
+        </p:txBody>
+      </p:sp>
+      <p:sp>
+        <p:nvSpPr>
+          <p:cNvPr id="98" name="PlaceHolder 3"/>
+          <p:cNvSpPr>
+            <a:spLocks noGrp="1"/>
+          </p:cNvSpPr>
+          <p:nvPr>
+            <p:ph type="dt" idx="51"/>
+          </p:nvPr>
+        </p:nvSpPr>
+        <p:spPr>
+          <a:xfrm>
+            <a:off x="914400" y="6248520"/>
+            <a:ext cx="2534040" cy="451080"/>
+          </a:xfrm>
+          <a:prstGeom prst="rect">
+            <a:avLst/>
+          </a:prstGeom>
+          <a:noFill/>
+          <a:ln w="9360">
+            <a:noFill/>
+          </a:ln>
+        </p:spPr>
+        <p:txBody>
+          <a:bodyPr numCol="1" spcCol="0" lIns="91440" rIns="91440" tIns="45720" bIns="45720" anchor="t">
+            <a:noAutofit/>
+          </a:bodyPr>
+          <a:lstStyle>
+            <a:lvl1pPr indent="0">
+              <a:lnSpc>
+                <a:spcPct val="100000"/>
+              </a:lnSpc>
+              <a:buNone/>
+              <a:tabLst>
+                <a:tab algn="l" pos="0"/>
+              </a:tabLst>
+              <a:defRPr b="0" lang="ru-RU" sz="1400" strike="noStrike" u="none">
+                <a:solidFill>
+                  <a:srgbClr val="000000"/>
+                </a:solidFill>
+                <a:effectLst/>
+                <a:uFillTx/>
+                <a:latin typeface="Times New Roman"/>
+              </a:defRPr>
+            </a:lvl1pPr>
+          </a:lstStyle>
+          <a:p>
+            <a:pPr indent="0">
+              <a:lnSpc>
+                <a:spcPct val="100000"/>
+              </a:lnSpc>
+              <a:buNone/>
+              <a:tabLst>
+                <a:tab algn="l" pos="0"/>
+              </a:tabLst>
+            </a:pPr>
+            <a:r>
+              <a:rPr b="0" lang="ru-RU" sz="1400" strike="noStrike" u="none">
+                <a:solidFill>
+                  <a:srgbClr val="000000"/>
+                </a:solidFill>
+                <a:effectLst/>
+                <a:uFillTx/>
+                <a:latin typeface="Times New Roman"/>
+              </a:rPr>
+              <a:t>&lt;дата/время&gt;</a:t>
+            </a:r>
+            <a:endParaRPr b="0" lang="ru-RU" sz="1400" strike="noStrike" u="none">
+              <a:solidFill>
+                <a:srgbClr val="000000"/>
+              </a:solidFill>
+              <a:effectLst/>
+              <a:uFillTx/>
+              <a:latin typeface="Times New Roman"/>
+            </a:endParaRPr>
+          </a:p>
+        </p:txBody>
+      </p:sp>
+      <p:sp>
+        <p:nvSpPr>
+          <p:cNvPr id="99" name="PlaceHolder 4"/>
+          <p:cNvSpPr>
+            <a:spLocks noGrp="1"/>
+          </p:cNvSpPr>
+          <p:nvPr>
+            <p:ph type="title"/>
+          </p:nvPr>
+        </p:nvSpPr>
+        <p:spPr>
+          <a:xfrm>
+            <a:off x="609480" y="273600"/>
+            <a:ext cx="10971000" cy="1143360"/>
+          </a:xfrm>
+          <a:prstGeom prst="rect">
+            <a:avLst/>
+          </a:prstGeom>
+          <a:noFill/>
+          <a:ln w="0">
+            <a:noFill/>
+          </a:ln>
+        </p:spPr>
+        <p:txBody>
+          <a:bodyPr lIns="0" rIns="0" tIns="0" bIns="0" anchor="ctr">
+            <a:noAutofit/>
+          </a:bodyPr>
+          <a:p>
+            <a:pPr indent="0" algn="ctr">
+              <a:lnSpc>
+                <a:spcPct val="100000"/>
+              </a:lnSpc>
+              <a:buNone/>
+              <a:tabLst>
+                <a:tab algn="l" pos="0"/>
+              </a:tabLst>
+            </a:pPr>
+            <a:r>
+              <a:rPr b="0" lang="ru-RU" sz="4400" strike="noStrike" u="none">
+                <a:solidFill>
+                  <a:srgbClr val="000000"/>
+                </a:solidFill>
+                <a:effectLst/>
+                <a:uFillTx/>
+                <a:latin typeface="Arial"/>
+              </a:rPr>
+              <a:t>Для правки текста заглавия щёлкните мышью</a:t>
+            </a:r>
+            <a:endParaRPr b="0" lang="ru-RU" sz="4400" strike="noStrike" u="none">
+              <a:solidFill>
+                <a:srgbClr val="000000"/>
+              </a:solidFill>
+              <a:effectLst/>
+              <a:uFillTx/>
+              <a:latin typeface="Arial"/>
+            </a:endParaRPr>
+          </a:p>
+        </p:txBody>
+      </p:sp>
+      <p:sp>
+        <p:nvSpPr>
+          <p:cNvPr id="100" name="PlaceHolder 5"/>
+          <p:cNvSpPr>
+            <a:spLocks noGrp="1"/>
+          </p:cNvSpPr>
+          <p:nvPr>
+            <p:ph type="body"/>
+          </p:nvPr>
+        </p:nvSpPr>
+        <p:spPr>
+          <a:xfrm>
+            <a:off x="609480" y="1604520"/>
+            <a:ext cx="10971000" cy="3975840"/>
           </a:xfrm>
           <a:prstGeom prst="rect">
             <a:avLst/>
@@ -3930,8 +5155,8 @@
         </p:nvSpPr>
         <p:spPr>
           <a:xfrm>
-            <a:off x="609480" y="220680"/>
-            <a:ext cx="10971720" cy="1250280"/>
+            <a:off x="609480" y="220320"/>
+            <a:ext cx="10971000" cy="1250280"/>
           </a:xfrm>
           <a:prstGeom prst="rect">
             <a:avLst/>
@@ -3973,7 +5198,7 @@
         <p:spPr>
           <a:xfrm>
             <a:off x="609480" y="1604520"/>
-            <a:ext cx="10971720" cy="3976560"/>
+            <a:ext cx="10971000" cy="3975840"/>
           </a:xfrm>
           <a:prstGeom prst="rect">
             <a:avLst/>
@@ -4039,7 +5264,7 @@
         <p:txBody>
           <a:bodyPr/>
           <a:p>
-            <a:fld id="{4348F152-4A7E-454C-A5CA-03C176771F8A}" type="slidenum">
+            <a:fld id="{3547EAA2-1601-4645-84F5-74F3412A7C83}" type="slidenum">
               <a:t>&lt;#&gt;</a:t>
             </a:fld>
           </a:p>
@@ -4100,8 +5325,8 @@
         </p:nvSpPr>
         <p:spPr>
           <a:xfrm>
-            <a:off x="609480" y="220680"/>
-            <a:ext cx="10971720" cy="1250280"/>
+            <a:off x="609480" y="220320"/>
+            <a:ext cx="10971000" cy="1250280"/>
           </a:xfrm>
           <a:prstGeom prst="rect">
             <a:avLst/>
@@ -4143,7 +5368,7 @@
         <p:spPr>
           <a:xfrm>
             <a:off x="609480" y="1604520"/>
-            <a:ext cx="10971720" cy="3976560"/>
+            <a:ext cx="10971000" cy="3975840"/>
           </a:xfrm>
           <a:prstGeom prst="rect">
             <a:avLst/>
@@ -4209,7 +5434,7 @@
         <p:txBody>
           <a:bodyPr/>
           <a:p>
-            <a:fld id="{07B39E0B-46B2-4889-BF08-4F6B24C64D22}" type="slidenum">
+            <a:fld id="{98C64C4A-A032-49B8-A2D7-B2604CE74F3A}" type="slidenum">
               <a:t>&lt;#&gt;</a:t>
             </a:fld>
           </a:p>
@@ -4270,8 +5495,8 @@
         </p:nvSpPr>
         <p:spPr>
           <a:xfrm>
-            <a:off x="609480" y="220680"/>
-            <a:ext cx="10971720" cy="1250280"/>
+            <a:off x="609480" y="220320"/>
+            <a:ext cx="10971000" cy="1250280"/>
           </a:xfrm>
           <a:prstGeom prst="rect">
             <a:avLst/>
@@ -4313,7 +5538,7 @@
         <p:spPr>
           <a:xfrm>
             <a:off x="609480" y="1604520"/>
-            <a:ext cx="10971720" cy="3976560"/>
+            <a:ext cx="10971000" cy="3975840"/>
           </a:xfrm>
           <a:prstGeom prst="rect">
             <a:avLst/>
@@ -4379,7 +5604,7 @@
         <p:txBody>
           <a:bodyPr/>
           <a:p>
-            <a:fld id="{40FE1456-9463-47F9-9376-8B12E603B985}" type="slidenum">
+            <a:fld id="{D0223DD4-72DD-4724-8D0E-BC8B878EDA13}" type="slidenum">
               <a:t>&lt;#&gt;</a:t>
             </a:fld>
           </a:p>
@@ -4440,8 +5665,8 @@
         </p:nvSpPr>
         <p:spPr>
           <a:xfrm>
-            <a:off x="609480" y="220680"/>
-            <a:ext cx="10971720" cy="1250280"/>
+            <a:off x="609480" y="220320"/>
+            <a:ext cx="10971000" cy="1250280"/>
           </a:xfrm>
           <a:prstGeom prst="rect">
             <a:avLst/>
@@ -4483,7 +5708,7 @@
         <p:spPr>
           <a:xfrm>
             <a:off x="609480" y="1604520"/>
-            <a:ext cx="10971720" cy="3976560"/>
+            <a:ext cx="10971000" cy="3975840"/>
           </a:xfrm>
           <a:prstGeom prst="rect">
             <a:avLst/>
@@ -4549,7 +5774,7 @@
         <p:txBody>
           <a:bodyPr/>
           <a:p>
-            <a:fld id="{23BA8B1B-9D39-42DF-9159-1EE9546EB905}" type="slidenum">
+            <a:fld id="{1CD707EC-599B-4A93-8FB2-95A87C770C0E}" type="slidenum">
               <a:t>&lt;#&gt;</a:t>
             </a:fld>
           </a:p>
@@ -4618,7 +5843,7 @@
         <p:spPr>
           <a:xfrm>
             <a:off x="609480" y="707400"/>
-            <a:ext cx="10969200" cy="274680"/>
+            <a:ext cx="10968480" cy="274680"/>
           </a:xfrm>
           <a:prstGeom prst="rect">
             <a:avLst/>
@@ -4677,7 +5902,7 @@
         <p:spPr>
           <a:xfrm>
             <a:off x="609480" y="1604520"/>
-            <a:ext cx="10969200" cy="3974040"/>
+            <a:ext cx="10968480" cy="3973320"/>
           </a:xfrm>
           <a:prstGeom prst="rect">
             <a:avLst/>
@@ -4951,7 +6176,7 @@
         <p:spPr>
           <a:xfrm>
             <a:off x="4038480" y="6356520"/>
-            <a:ext cx="4109400" cy="359640"/>
+            <a:ext cx="4108680" cy="358920"/>
           </a:xfrm>
           <a:prstGeom prst="rect">
             <a:avLst/>
@@ -5029,7 +6254,7 @@
         <p:spPr>
           <a:xfrm>
             <a:off x="8610480" y="6356520"/>
-            <a:ext cx="2737800" cy="359640"/>
+            <a:ext cx="2737080" cy="358920"/>
           </a:xfrm>
           <a:prstGeom prst="rect">
             <a:avLst/>
@@ -5074,7 +6299,7 @@
                 <a:tab algn="l" pos="0"/>
               </a:tabLst>
             </a:pPr>
-            <a:fld id="{00CE6B60-FFD9-4AFD-A304-12800158A3C3}" type="slidenum">
+            <a:fld id="{0719AF1A-5C03-4116-8DDF-FE90680CF169}" type="slidenum">
               <a:rPr b="0" lang="ru-RU" sz="1200" strike="noStrike" u="none">
                 <a:solidFill>
                   <a:schemeClr val="dk1">
@@ -5111,7 +6336,7 @@
         <p:spPr>
           <a:xfrm>
             <a:off x="838080" y="6356520"/>
-            <a:ext cx="2737800" cy="359640"/>
+            <a:ext cx="2737080" cy="358920"/>
           </a:xfrm>
           <a:prstGeom prst="rect">
             <a:avLst/>
@@ -5218,7 +6443,7 @@
         <p:spPr>
           <a:xfrm>
             <a:off x="609480" y="707400"/>
-            <a:ext cx="10969200" cy="274680"/>
+            <a:ext cx="10968480" cy="274680"/>
           </a:xfrm>
           <a:prstGeom prst="rect">
             <a:avLst/>
@@ -5277,7 +6502,7 @@
         <p:spPr>
           <a:xfrm>
             <a:off x="4038480" y="6356520"/>
-            <a:ext cx="4109400" cy="359640"/>
+            <a:ext cx="4108680" cy="358920"/>
           </a:xfrm>
           <a:prstGeom prst="rect">
             <a:avLst/>
@@ -5355,7 +6580,7 @@
         <p:spPr>
           <a:xfrm>
             <a:off x="8610480" y="6356520"/>
-            <a:ext cx="2737800" cy="359640"/>
+            <a:ext cx="2737080" cy="358920"/>
           </a:xfrm>
           <a:prstGeom prst="rect">
             <a:avLst/>
@@ -5400,7 +6625,7 @@
                 <a:tab algn="l" pos="0"/>
               </a:tabLst>
             </a:pPr>
-            <a:fld id="{D091E7DD-F746-4EED-BF0B-E3FBC3A95D1B}" type="slidenum">
+            <a:fld id="{6B723BF1-FEF7-44D8-9E83-5CC9A384C8FE}" type="slidenum">
               <a:rPr b="0" lang="ru-RU" sz="1200" strike="noStrike" u="none">
                 <a:solidFill>
                   <a:schemeClr val="dk1">
@@ -5437,7 +6662,7 @@
         <p:spPr>
           <a:xfrm>
             <a:off x="838080" y="6356520"/>
-            <a:ext cx="2737800" cy="359640"/>
+            <a:ext cx="2737080" cy="358920"/>
           </a:xfrm>
           <a:prstGeom prst="rect">
             <a:avLst/>
@@ -5515,7 +6740,7 @@
         <p:spPr>
           <a:xfrm>
             <a:off x="609480" y="1604520"/>
-            <a:ext cx="10971360" cy="3976200"/>
+            <a:ext cx="10970640" cy="3975480"/>
           </a:xfrm>
           <a:prstGeom prst="rect">
             <a:avLst/>
@@ -5810,8 +7035,8 @@
         </p:nvSpPr>
         <p:spPr>
           <a:xfrm>
-            <a:off x="609480" y="220680"/>
-            <a:ext cx="10971720" cy="1250280"/>
+            <a:off x="609480" y="220320"/>
+            <a:ext cx="10971000" cy="1250280"/>
           </a:xfrm>
           <a:prstGeom prst="rect">
             <a:avLst/>
@@ -5853,7 +7078,7 @@
         <p:spPr>
           <a:xfrm>
             <a:off x="609480" y="1604520"/>
-            <a:ext cx="10971720" cy="3976560"/>
+            <a:ext cx="10971000" cy="3975840"/>
           </a:xfrm>
           <a:prstGeom prst="rect">
             <a:avLst/>
@@ -5919,7 +7144,7 @@
         <p:txBody>
           <a:bodyPr/>
           <a:p>
-            <a:fld id="{41913B48-F3D3-4BF6-8E86-AA64BE50D967}" type="slidenum">
+            <a:fld id="{769B7DD2-9A49-4BFD-A95B-1AAFD3DF2812}" type="slidenum">
               <a:t>&lt;#&gt;</a:t>
             </a:fld>
           </a:p>
@@ -5980,8 +7205,8 @@
         </p:nvSpPr>
         <p:spPr>
           <a:xfrm>
-            <a:off x="609480" y="220680"/>
-            <a:ext cx="10971720" cy="1250280"/>
+            <a:off x="609480" y="220320"/>
+            <a:ext cx="10971000" cy="1250280"/>
           </a:xfrm>
           <a:prstGeom prst="rect">
             <a:avLst/>
@@ -6023,7 +7248,7 @@
         <p:spPr>
           <a:xfrm>
             <a:off x="609480" y="1604520"/>
-            <a:ext cx="10971720" cy="3976560"/>
+            <a:ext cx="10971000" cy="3975840"/>
           </a:xfrm>
           <a:prstGeom prst="rect">
             <a:avLst/>
@@ -6089,7 +7314,7 @@
         <p:txBody>
           <a:bodyPr/>
           <a:p>
-            <a:fld id="{F601D805-277E-49BA-94BD-DA602F9417E9}" type="slidenum">
+            <a:fld id="{8A5F0C18-923A-42E5-B24E-4B2A6BB52133}" type="slidenum">
               <a:t>&lt;#&gt;</a:t>
             </a:fld>
           </a:p>
@@ -6157,8 +7382,8 @@
         </p:nvSpPr>
         <p:spPr>
           <a:xfrm>
-            <a:off x="609480" y="708120"/>
-            <a:ext cx="10971720" cy="274680"/>
+            <a:off x="609480" y="707760"/>
+            <a:ext cx="10971000" cy="274680"/>
           </a:xfrm>
           <a:prstGeom prst="rect">
             <a:avLst/>
@@ -6211,7 +7436,7 @@
         <p:spPr>
           <a:xfrm>
             <a:off x="609480" y="1604520"/>
-            <a:ext cx="10971720" cy="3976560"/>
+            <a:ext cx="10971000" cy="3975840"/>
           </a:xfrm>
           <a:prstGeom prst="rect">
             <a:avLst/>
@@ -6464,7 +7689,7 @@
         <p:spPr>
           <a:xfrm>
             <a:off x="4038480" y="6356520"/>
-            <a:ext cx="4109400" cy="359640"/>
+            <a:ext cx="4108680" cy="358920"/>
           </a:xfrm>
           <a:prstGeom prst="rect">
             <a:avLst/>
@@ -6542,7 +7767,7 @@
         <p:spPr>
           <a:xfrm>
             <a:off x="8610480" y="6356520"/>
-            <a:ext cx="2737800" cy="359640"/>
+            <a:ext cx="2737080" cy="358920"/>
           </a:xfrm>
           <a:prstGeom prst="rect">
             <a:avLst/>
@@ -6587,7 +7812,7 @@
                 <a:tab algn="l" pos="0"/>
               </a:tabLst>
             </a:pPr>
-            <a:fld id="{9D41693C-05AD-45AE-94E3-A627BA1F62A8}" type="slidenum">
+            <a:fld id="{F486F55E-9EAC-4736-97A1-3FCC50CF5DAF}" type="slidenum">
               <a:rPr b="0" lang="ru-RU" sz="1200" strike="noStrike" u="none">
                 <a:solidFill>
                   <a:schemeClr val="dk1">
@@ -6624,7 +7849,7 @@
         <p:spPr>
           <a:xfrm>
             <a:off x="838080" y="6356520"/>
-            <a:ext cx="2737800" cy="359640"/>
+            <a:ext cx="2737080" cy="358920"/>
           </a:xfrm>
           <a:prstGeom prst="rect">
             <a:avLst/>
@@ -6722,8 +7947,8 @@
         </p:nvSpPr>
         <p:spPr>
           <a:xfrm>
-            <a:off x="609480" y="708120"/>
-            <a:ext cx="10971720" cy="274680"/>
+            <a:off x="609480" y="707760"/>
+            <a:ext cx="10971000" cy="274680"/>
           </a:xfrm>
           <a:prstGeom prst="rect">
             <a:avLst/>
@@ -6776,7 +8001,7 @@
         <p:spPr>
           <a:xfrm>
             <a:off x="609480" y="1604520"/>
-            <a:ext cx="10971720" cy="3976560"/>
+            <a:ext cx="10971000" cy="3975840"/>
           </a:xfrm>
           <a:prstGeom prst="rect">
             <a:avLst/>
@@ -7029,7 +8254,7 @@
         <p:spPr>
           <a:xfrm>
             <a:off x="4038480" y="6356520"/>
-            <a:ext cx="4109400" cy="359640"/>
+            <a:ext cx="4108680" cy="358920"/>
           </a:xfrm>
           <a:prstGeom prst="rect">
             <a:avLst/>
@@ -7107,7 +8332,7 @@
         <p:spPr>
           <a:xfrm>
             <a:off x="8610480" y="6356520"/>
-            <a:ext cx="2737800" cy="359640"/>
+            <a:ext cx="2737080" cy="358920"/>
           </a:xfrm>
           <a:prstGeom prst="rect">
             <a:avLst/>
@@ -7152,7 +8377,7 @@
                 <a:tab algn="l" pos="0"/>
               </a:tabLst>
             </a:pPr>
-            <a:fld id="{9A45B56A-A087-4E29-99A5-754714A47DB4}" type="slidenum">
+            <a:fld id="{1DA1BF92-0C37-4B04-B57F-7680901E4FF4}" type="slidenum">
               <a:rPr b="0" lang="ru-RU" sz="1200" strike="noStrike" u="none">
                 <a:solidFill>
                   <a:schemeClr val="dk1">
@@ -7189,7 +8414,7 @@
         <p:spPr>
           <a:xfrm>
             <a:off x="838080" y="6356520"/>
-            <a:ext cx="2737800" cy="359640"/>
+            <a:ext cx="2737080" cy="358920"/>
           </a:xfrm>
           <a:prstGeom prst="rect">
             <a:avLst/>
@@ -7277,6 +8502,8 @@
     <p:sldLayoutId id="2147483670" r:id="rId4"/>
     <p:sldLayoutId id="2147483671" r:id="rId5"/>
     <p:sldLayoutId id="2147483672" r:id="rId6"/>
+    <p:sldLayoutId id="2147483673" r:id="rId7"/>
+    <p:sldLayoutId id="2147483674" r:id="rId8"/>
   </p:sldLayoutIdLst>
 </p:sldMaster>
 </file>
@@ -7317,8 +8544,8 @@
         </p:nvSpPr>
         <p:spPr>
           <a:xfrm>
-            <a:off x="609480" y="708120"/>
-            <a:ext cx="10971720" cy="274680"/>
+            <a:off x="609480" y="707760"/>
+            <a:ext cx="10971000" cy="274680"/>
           </a:xfrm>
           <a:prstGeom prst="rect">
             <a:avLst/>
@@ -7371,7 +8598,7 @@
         <p:spPr>
           <a:xfrm>
             <a:off x="609480" y="1604520"/>
-            <a:ext cx="10971720" cy="3976560"/>
+            <a:ext cx="10971000" cy="3975840"/>
           </a:xfrm>
           <a:prstGeom prst="rect">
             <a:avLst/>
@@ -7624,7 +8851,7 @@
         <p:spPr>
           <a:xfrm>
             <a:off x="4038480" y="6356520"/>
-            <a:ext cx="4109400" cy="359640"/>
+            <a:ext cx="4108680" cy="358920"/>
           </a:xfrm>
           <a:prstGeom prst="rect">
             <a:avLst/>
@@ -7702,7 +8929,7 @@
         <p:spPr>
           <a:xfrm>
             <a:off x="8610480" y="6356520"/>
-            <a:ext cx="2737800" cy="359640"/>
+            <a:ext cx="2737080" cy="358920"/>
           </a:xfrm>
           <a:prstGeom prst="rect">
             <a:avLst/>
@@ -7747,7 +8974,7 @@
                 <a:tab algn="l" pos="0"/>
               </a:tabLst>
             </a:pPr>
-            <a:fld id="{36F7E6E2-5B4E-4A95-9271-D31F50A6D35F}" type="slidenum">
+            <a:fld id="{ADFCFE59-2FDC-41B1-9B72-47E1683AC617}" type="slidenum">
               <a:rPr b="0" lang="ru-RU" sz="1200" strike="noStrike" u="none">
                 <a:solidFill>
                   <a:schemeClr val="dk1">
@@ -7784,7 +9011,7 @@
         <p:spPr>
           <a:xfrm>
             <a:off x="838080" y="6356520"/>
-            <a:ext cx="2737800" cy="359640"/>
+            <a:ext cx="2737080" cy="358920"/>
           </a:xfrm>
           <a:prstGeom prst="rect">
             <a:avLst/>
@@ -7882,8 +9109,8 @@
         </p:nvSpPr>
         <p:spPr>
           <a:xfrm>
-            <a:off x="609480" y="708120"/>
-            <a:ext cx="10971720" cy="274680"/>
+            <a:off x="609480" y="707760"/>
+            <a:ext cx="10971000" cy="274680"/>
           </a:xfrm>
           <a:prstGeom prst="rect">
             <a:avLst/>
@@ -7936,7 +9163,7 @@
         <p:spPr>
           <a:xfrm>
             <a:off x="609480" y="1604520"/>
-            <a:ext cx="10971720" cy="3976560"/>
+            <a:ext cx="10971000" cy="3975840"/>
           </a:xfrm>
           <a:prstGeom prst="rect">
             <a:avLst/>
@@ -8189,7 +9416,7 @@
         <p:spPr>
           <a:xfrm>
             <a:off x="4038480" y="6356520"/>
-            <a:ext cx="4109400" cy="359640"/>
+            <a:ext cx="4108680" cy="358920"/>
           </a:xfrm>
           <a:prstGeom prst="rect">
             <a:avLst/>
@@ -8267,7 +9494,7 @@
         <p:spPr>
           <a:xfrm>
             <a:off x="8610480" y="6356520"/>
-            <a:ext cx="2737800" cy="359640"/>
+            <a:ext cx="2737080" cy="358920"/>
           </a:xfrm>
           <a:prstGeom prst="rect">
             <a:avLst/>
@@ -8312,7 +9539,7 @@
                 <a:tab algn="l" pos="0"/>
               </a:tabLst>
             </a:pPr>
-            <a:fld id="{24F46C3C-16D6-42C4-8CA1-696F1E5E1ACB}" type="slidenum">
+            <a:fld id="{35BCE9B9-4B32-435A-8C53-0D62635877D9}" type="slidenum">
               <a:rPr b="0" lang="ru-RU" sz="1200" strike="noStrike" u="none">
                 <a:solidFill>
                   <a:schemeClr val="dk1">
@@ -8349,7 +9576,7 @@
         <p:spPr>
           <a:xfrm>
             <a:off x="838080" y="6356520"/>
-            <a:ext cx="2737800" cy="359640"/>
+            <a:ext cx="2737080" cy="358920"/>
           </a:xfrm>
           <a:prstGeom prst="rect">
             <a:avLst/>
@@ -8447,8 +9674,8 @@
         </p:nvSpPr>
         <p:spPr>
           <a:xfrm>
-            <a:off x="609480" y="708120"/>
-            <a:ext cx="10971720" cy="274680"/>
+            <a:off x="609480" y="707760"/>
+            <a:ext cx="10971000" cy="274680"/>
           </a:xfrm>
           <a:prstGeom prst="rect">
             <a:avLst/>
@@ -8501,7 +9728,7 @@
         <p:spPr>
           <a:xfrm>
             <a:off x="609480" y="1604520"/>
-            <a:ext cx="10971720" cy="3976560"/>
+            <a:ext cx="10971000" cy="3975840"/>
           </a:xfrm>
           <a:prstGeom prst="rect">
             <a:avLst/>
@@ -8754,7 +9981,7 @@
         <p:spPr>
           <a:xfrm>
             <a:off x="4038480" y="6356520"/>
-            <a:ext cx="4109400" cy="359640"/>
+            <a:ext cx="4108680" cy="358920"/>
           </a:xfrm>
           <a:prstGeom prst="rect">
             <a:avLst/>
@@ -8832,7 +10059,7 @@
         <p:spPr>
           <a:xfrm>
             <a:off x="8610480" y="6356520"/>
-            <a:ext cx="2737800" cy="359640"/>
+            <a:ext cx="2737080" cy="358920"/>
           </a:xfrm>
           <a:prstGeom prst="rect">
             <a:avLst/>
@@ -8877,7 +10104,7 @@
                 <a:tab algn="l" pos="0"/>
               </a:tabLst>
             </a:pPr>
-            <a:fld id="{D6DFEBD3-BFCB-4286-90E6-F0D18E98BA7C}" type="slidenum">
+            <a:fld id="{A5A744F6-2C76-44C7-8F50-2A1F5E251A3A}" type="slidenum">
               <a:rPr b="0" lang="ru-RU" sz="1200" strike="noStrike" u="none">
                 <a:solidFill>
                   <a:schemeClr val="dk1">
@@ -8914,7 +10141,7 @@
         <p:spPr>
           <a:xfrm>
             <a:off x="838080" y="6356520"/>
-            <a:ext cx="2737800" cy="359640"/>
+            <a:ext cx="2737080" cy="358920"/>
           </a:xfrm>
           <a:prstGeom prst="rect">
             <a:avLst/>
@@ -9012,8 +10239,8 @@
         </p:nvSpPr>
         <p:spPr>
           <a:xfrm>
-            <a:off x="609480" y="708120"/>
-            <a:ext cx="10971720" cy="274680"/>
+            <a:off x="609480" y="707760"/>
+            <a:ext cx="10971000" cy="274680"/>
           </a:xfrm>
           <a:prstGeom prst="rect">
             <a:avLst/>
@@ -9066,7 +10293,7 @@
         <p:spPr>
           <a:xfrm>
             <a:off x="609480" y="1604520"/>
-            <a:ext cx="10971720" cy="3976560"/>
+            <a:ext cx="10971000" cy="3975840"/>
           </a:xfrm>
           <a:prstGeom prst="rect">
             <a:avLst/>
@@ -9319,7 +10546,7 @@
         <p:spPr>
           <a:xfrm>
             <a:off x="4038480" y="6356520"/>
-            <a:ext cx="4109400" cy="359640"/>
+            <a:ext cx="4108680" cy="358920"/>
           </a:xfrm>
           <a:prstGeom prst="rect">
             <a:avLst/>
@@ -9397,7 +10624,7 @@
         <p:spPr>
           <a:xfrm>
             <a:off x="8610480" y="6356520"/>
-            <a:ext cx="2737800" cy="359640"/>
+            <a:ext cx="2737080" cy="358920"/>
           </a:xfrm>
           <a:prstGeom prst="rect">
             <a:avLst/>
@@ -9442,7 +10669,7 @@
                 <a:tab algn="l" pos="0"/>
               </a:tabLst>
             </a:pPr>
-            <a:fld id="{87F543A5-EE76-40A5-AC5C-8304213A0C0C}" type="slidenum">
+            <a:fld id="{ED2336A8-2528-4408-A610-6B5EDB736F50}" type="slidenum">
               <a:rPr b="0" lang="ru-RU" sz="1200" strike="noStrike" u="none">
                 <a:solidFill>
                   <a:schemeClr val="dk1">
@@ -9479,7 +10706,7 @@
         <p:spPr>
           <a:xfrm>
             <a:off x="838080" y="6356520"/>
-            <a:ext cx="2737800" cy="359640"/>
+            <a:ext cx="2737080" cy="358920"/>
           </a:xfrm>
           <a:prstGeom prst="rect">
             <a:avLst/>
@@ -9604,8 +10831,8 @@
         </p:nvSpPr>
         <p:spPr>
           <a:xfrm>
-            <a:off x="609480" y="708120"/>
-            <a:ext cx="10971720" cy="274680"/>
+            <a:off x="609480" y="707760"/>
+            <a:ext cx="10971000" cy="274680"/>
           </a:xfrm>
           <a:prstGeom prst="rect">
             <a:avLst/>
@@ -9658,7 +10885,7 @@
         <p:spPr>
           <a:xfrm>
             <a:off x="609480" y="1604520"/>
-            <a:ext cx="10971720" cy="3976560"/>
+            <a:ext cx="10971000" cy="3975840"/>
           </a:xfrm>
           <a:prstGeom prst="rect">
             <a:avLst/>
@@ -9911,7 +11138,7 @@
         <p:spPr>
           <a:xfrm>
             <a:off x="4038480" y="6356520"/>
-            <a:ext cx="4109400" cy="359640"/>
+            <a:ext cx="4108680" cy="358920"/>
           </a:xfrm>
           <a:prstGeom prst="rect">
             <a:avLst/>
@@ -9989,7 +11216,7 @@
         <p:spPr>
           <a:xfrm>
             <a:off x="8610480" y="6356520"/>
-            <a:ext cx="2737800" cy="359640"/>
+            <a:ext cx="2737080" cy="358920"/>
           </a:xfrm>
           <a:prstGeom prst="rect">
             <a:avLst/>
@@ -10034,7 +11261,7 @@
                 <a:tab algn="l" pos="0"/>
               </a:tabLst>
             </a:pPr>
-            <a:fld id="{7AA64EC5-10E6-4906-B29D-1BBC5E04A5C2}" type="slidenum">
+            <a:fld id="{EFAEE24D-D573-4D7B-AE30-81888FE034DE}" type="slidenum">
               <a:rPr b="0" lang="ru-RU" sz="1200" strike="noStrike" u="none">
                 <a:solidFill>
                   <a:schemeClr val="dk1">
@@ -10071,7 +11298,7 @@
         <p:spPr>
           <a:xfrm>
             <a:off x="838080" y="6356520"/>
-            <a:ext cx="2737800" cy="359640"/>
+            <a:ext cx="2737080" cy="358920"/>
           </a:xfrm>
           <a:prstGeom prst="rect">
             <a:avLst/>
@@ -10169,8 +11396,8 @@
         </p:nvSpPr>
         <p:spPr>
           <a:xfrm>
-            <a:off x="609480" y="708120"/>
-            <a:ext cx="10971720" cy="274680"/>
+            <a:off x="609480" y="707760"/>
+            <a:ext cx="10971000" cy="274680"/>
           </a:xfrm>
           <a:prstGeom prst="rect">
             <a:avLst/>
@@ -10197,7 +11424,84 @@
                 <a:uFillTx/>
                 <a:latin typeface="Arial"/>
               </a:rPr>
-              <a:t>Для правки текста заглавия щёлкните мышью</a:t>
+              <a:t>Для </a:t>
+            </a:r>
+            <a:r>
+              <a:rPr b="0" lang="ru-RU" sz="1800" strike="noStrike" u="none">
+                <a:solidFill>
+                  <a:srgbClr val="000000"/>
+                </a:solidFill>
+                <a:effectLst/>
+                <a:uFillTx/>
+                <a:latin typeface="Arial"/>
+              </a:rPr>
+              <a:t>правки </a:t>
+            </a:r>
+            <a:r>
+              <a:rPr b="0" lang="ru-RU" sz="1800" strike="noStrike" u="none">
+                <a:solidFill>
+                  <a:srgbClr val="000000"/>
+                </a:solidFill>
+                <a:effectLst/>
+                <a:uFillTx/>
+                <a:latin typeface="Arial"/>
+              </a:rPr>
+              <a:t>текста </a:t>
+            </a:r>
+            <a:r>
+              <a:rPr b="0" lang="ru-RU" sz="1800" strike="noStrike" u="none">
+                <a:solidFill>
+                  <a:srgbClr val="000000"/>
+                </a:solidFill>
+                <a:effectLst/>
+                <a:uFillTx/>
+                <a:latin typeface="Arial"/>
+              </a:rPr>
+              <a:t>заглави</a:t>
+            </a:r>
+            <a:r>
+              <a:rPr b="0" lang="ru-RU" sz="1800" strike="noStrike" u="none">
+                <a:solidFill>
+                  <a:srgbClr val="000000"/>
+                </a:solidFill>
+                <a:effectLst/>
+                <a:uFillTx/>
+                <a:latin typeface="Arial"/>
+              </a:rPr>
+              <a:t>я </a:t>
+            </a:r>
+            <a:r>
+              <a:rPr b="0" lang="ru-RU" sz="1800" strike="noStrike" u="none">
+                <a:solidFill>
+                  <a:srgbClr val="000000"/>
+                </a:solidFill>
+                <a:effectLst/>
+                <a:uFillTx/>
+                <a:latin typeface="Arial"/>
+              </a:rPr>
+              <a:t>щёлкнит</a:t>
+            </a:r>
+            <a:r>
+              <a:rPr b="0" lang="ru-RU" sz="1800" strike="noStrike" u="none">
+                <a:solidFill>
+                  <a:srgbClr val="000000"/>
+                </a:solidFill>
+                <a:effectLst/>
+                <a:uFillTx/>
+                <a:latin typeface="Arial"/>
+              </a:rPr>
+              <a:t>е </a:t>
+            </a:r>
+            <a:r>
+              <a:rPr b="0" lang="ru-RU" sz="1800" strike="noStrike" u="none">
+                <a:solidFill>
+                  <a:srgbClr val="000000"/>
+                </a:solidFill>
+                <a:effectLst/>
+                <a:uFillTx/>
+                <a:latin typeface="Arial"/>
+              </a:rPr>
+              <a:t>мышью</a:t>
             </a:r>
             <a:endParaRPr b="0" lang="ru-RU" sz="1800" strike="noStrike" u="none">
               <a:solidFill>
@@ -10223,7 +11527,7 @@
         <p:spPr>
           <a:xfrm>
             <a:off x="609480" y="1604520"/>
-            <a:ext cx="10971720" cy="3976560"/>
+            <a:ext cx="10971000" cy="3975840"/>
           </a:xfrm>
           <a:prstGeom prst="rect">
             <a:avLst/>
@@ -10476,7 +11780,7 @@
         <p:spPr>
           <a:xfrm>
             <a:off x="4038480" y="6356520"/>
-            <a:ext cx="4109400" cy="359640"/>
+            <a:ext cx="4108680" cy="358920"/>
           </a:xfrm>
           <a:prstGeom prst="rect">
             <a:avLst/>
@@ -10554,7 +11858,7 @@
         <p:spPr>
           <a:xfrm>
             <a:off x="8610480" y="6356520"/>
-            <a:ext cx="2737800" cy="359640"/>
+            <a:ext cx="2737080" cy="358920"/>
           </a:xfrm>
           <a:prstGeom prst="rect">
             <a:avLst/>
@@ -10599,7 +11903,7 @@
                 <a:tab algn="l" pos="0"/>
               </a:tabLst>
             </a:pPr>
-            <a:fld id="{061C9529-C072-4935-AC0F-33DAA718D627}" type="slidenum">
+            <a:fld id="{394D5BA5-989C-47B8-A057-DADF79EC8DF4}" type="slidenum">
               <a:rPr b="0" lang="ru-RU" sz="1200" strike="noStrike" u="none">
                 <a:solidFill>
                   <a:schemeClr val="dk1">
@@ -10636,7 +11940,7 @@
         <p:spPr>
           <a:xfrm>
             <a:off x="838080" y="6356520"/>
-            <a:ext cx="2737800" cy="359640"/>
+            <a:ext cx="2737080" cy="358920"/>
           </a:xfrm>
           <a:prstGeom prst="rect">
             <a:avLst/>
@@ -10717,7 +12021,7 @@
       </p:grpSpPr>
       <p:sp>
         <p:nvSpPr>
-          <p:cNvPr id="97" name="PlaceHolder 1"/>
+          <p:cNvPr id="107" name="PlaceHolder 1"/>
           <p:cNvSpPr>
             <a:spLocks noGrp="1"/>
           </p:cNvSpPr>
@@ -10728,7 +12032,7 @@
         <p:spPr>
           <a:xfrm>
             <a:off x="42840" y="3035880"/>
-            <a:ext cx="12101400" cy="1091880"/>
+            <a:ext cx="12100680" cy="1091160"/>
           </a:xfrm>
           <a:prstGeom prst="rect">
             <a:avLst/>
@@ -10873,14 +12177,14 @@
       </p:sp>
       <p:sp>
         <p:nvSpPr>
-          <p:cNvPr id="98" name="Rectangle 2"/>
+          <p:cNvPr id="108" name="Rectangle 2"/>
           <p:cNvSpPr/>
           <p:nvPr/>
         </p:nvSpPr>
         <p:spPr>
           <a:xfrm>
-            <a:off x="1026000" y="260280"/>
-            <a:ext cx="10134720" cy="909000"/>
+            <a:off x="1026000" y="180000"/>
+            <a:ext cx="10134000" cy="908280"/>
           </a:xfrm>
           <a:prstGeom prst="rect">
             <a:avLst/>
@@ -10905,12 +12209,6 @@
               <a:lnSpc>
                 <a:spcPct val="100000"/>
               </a:lnSpc>
-              <a:spcBef>
-                <a:spcPts val="624"/>
-              </a:spcBef>
-              <a:spcAft>
-                <a:spcPts val="425"/>
-              </a:spcAft>
             </a:pPr>
             <a:r>
               <a:rPr b="0" lang="ru-RU" sz="2800" strike="noStrike" u="none">
@@ -10922,7 +12220,34 @@
                 <a:latin typeface="Arial"/>
                 <a:ea typeface="DejaVu Sans"/>
               </a:rPr>
-              <a:t>Проект в рамках обучения по программе «Центры талантов»</a:t>
+              <a:t>Проект в рамках обучения по программе</a:t>
+            </a:r>
+            <a:endParaRPr b="0" lang="ru-RU" sz="2800" strike="noStrike" u="none">
+              <a:solidFill>
+                <a:srgbClr val="000000"/>
+              </a:solidFill>
+              <a:effectLst/>
+              <a:uFillTx/>
+              <a:latin typeface="Arial"/>
+            </a:endParaRPr>
+          </a:p>
+          <a:p>
+            <a:pPr algn="ctr" defTabSz="914400">
+              <a:lnSpc>
+                <a:spcPct val="100000"/>
+              </a:lnSpc>
+            </a:pPr>
+            <a:r>
+              <a:rPr b="0" lang="ru-RU" sz="2800" strike="noStrike" u="none">
+                <a:solidFill>
+                  <a:srgbClr val="000000"/>
+                </a:solidFill>
+                <a:effectLst/>
+                <a:uFillTx/>
+                <a:latin typeface="Arial"/>
+                <a:ea typeface="DejaVu Sans"/>
+              </a:rPr>
+              <a:t>«Центры талантов»</a:t>
             </a:r>
             <a:endParaRPr b="0" lang="ru-RU" sz="2800" strike="noStrike" u="none">
               <a:solidFill>
@@ -10937,14 +12262,14 @@
       </p:sp>
       <p:sp>
         <p:nvSpPr>
-          <p:cNvPr id="99" name="Rectangle 2"/>
+          <p:cNvPr id="109" name="Rectangle 2"/>
           <p:cNvSpPr/>
           <p:nvPr/>
         </p:nvSpPr>
         <p:spPr>
           <a:xfrm>
             <a:off x="0" y="2179080"/>
-            <a:ext cx="12186720" cy="1185120"/>
+            <a:ext cx="12186000" cy="1184400"/>
           </a:xfrm>
           <a:prstGeom prst="rect">
             <a:avLst/>
@@ -10995,14 +12320,14 @@
       </p:sp>
       <p:sp>
         <p:nvSpPr>
-          <p:cNvPr id="100" name="Прямоугольник 5"/>
+          <p:cNvPr id="110" name="Прямоугольник 5"/>
           <p:cNvSpPr/>
           <p:nvPr/>
         </p:nvSpPr>
         <p:spPr>
           <a:xfrm>
             <a:off x="6096600" y="4254120"/>
-            <a:ext cx="6090480" cy="822600"/>
+            <a:ext cx="6089760" cy="823320"/>
           </a:xfrm>
           <a:prstGeom prst="rect">
             <a:avLst/>
@@ -11167,14 +12492,14 @@
       </p:sp>
       <p:sp>
         <p:nvSpPr>
-          <p:cNvPr id="101" name="Прямоугольник 6"/>
+          <p:cNvPr id="111" name="Прямоугольник 6"/>
           <p:cNvSpPr/>
           <p:nvPr/>
         </p:nvSpPr>
         <p:spPr>
           <a:xfrm>
             <a:off x="5367960" y="6327720"/>
-            <a:ext cx="1454400" cy="352080"/>
+            <a:ext cx="1454400" cy="352800"/>
           </a:xfrm>
           <a:prstGeom prst="rect">
             <a:avLst/>
@@ -11225,14 +12550,14 @@
       </p:sp>
       <p:sp>
         <p:nvSpPr>
-          <p:cNvPr id="102" name=""/>
+          <p:cNvPr id="112" name=""/>
           <p:cNvSpPr/>
           <p:nvPr/>
         </p:nvSpPr>
         <p:spPr>
           <a:xfrm>
             <a:off x="3240000" y="900000"/>
-            <a:ext cx="179640" cy="345240"/>
+            <a:ext cx="178920" cy="344520"/>
           </a:xfrm>
           <a:prstGeom prst="rect">
             <a:avLst/>
@@ -11302,7 +12627,7 @@
       </p:grpSpPr>
       <p:sp>
         <p:nvSpPr>
-          <p:cNvPr id="199" name="Line 11"/>
+          <p:cNvPr id="207" name="Line 11"/>
           <p:cNvSpPr/>
           <p:nvPr/>
         </p:nvSpPr>
@@ -11346,14 +12671,14 @@
       </p:sp>
       <p:sp>
         <p:nvSpPr>
-          <p:cNvPr id="200" name="PlaceHolder 29"/>
+          <p:cNvPr id="208" name="PlaceHolder 29"/>
           <p:cNvSpPr/>
           <p:nvPr/>
         </p:nvSpPr>
         <p:spPr>
           <a:xfrm>
             <a:off x="838080" y="271440"/>
-            <a:ext cx="10510200" cy="556560"/>
+            <a:ext cx="10509480" cy="555840"/>
           </a:xfrm>
           <a:prstGeom prst="rect">
             <a:avLst/>
@@ -11410,14 +12735,14 @@
       </p:sp>
       <p:sp>
         <p:nvSpPr>
-          <p:cNvPr id="201" name="Rectangle: Rounded Corners 21"/>
+          <p:cNvPr id="209" name="Rectangle: Rounded Corners 21"/>
           <p:cNvSpPr/>
           <p:nvPr/>
         </p:nvSpPr>
         <p:spPr>
           <a:xfrm>
             <a:off x="-178560" y="129960"/>
-            <a:ext cx="896040" cy="767160"/>
+            <a:ext cx="895320" cy="766440"/>
           </a:xfrm>
           <a:prstGeom prst="roundRect">
             <a:avLst>
@@ -11474,14 +12799,14 @@
       </p:sp>
       <p:sp>
         <p:nvSpPr>
-          <p:cNvPr id="202" name="PlaceHolder 25"/>
+          <p:cNvPr id="210" name="PlaceHolder 25"/>
           <p:cNvSpPr/>
           <p:nvPr/>
         </p:nvSpPr>
         <p:spPr>
           <a:xfrm>
             <a:off x="-360" y="360000"/>
-            <a:ext cx="2737800" cy="359640"/>
+            <a:ext cx="2737080" cy="358920"/>
           </a:xfrm>
           <a:prstGeom prst="rect">
             <a:avLst/>
@@ -11510,7 +12835,7 @@
                 <a:tab algn="l" pos="0"/>
               </a:tabLst>
             </a:pPr>
-            <a:fld id="{4D1CA7FC-8746-4540-BBAE-BB520E0CFC2B}" type="slidenum">
+            <a:fld id="{2BE64A1E-C023-4535-B9DB-A87245470774}" type="slidenum">
               <a:rPr b="1" lang="ru-RU" sz="3600" strike="noStrike" u="none">
                 <a:solidFill>
                   <a:srgbClr val="000000"/>
@@ -11533,6 +12858,30 @@
           </a:p>
         </p:txBody>
       </p:sp>
+      <p:pic>
+        <p:nvPicPr>
+          <p:cNvPr id="211" name="" descr=""/>
+          <p:cNvPicPr/>
+          <p:nvPr/>
+        </p:nvPicPr>
+        <p:blipFill>
+          <a:blip r:embed="rId1"/>
+          <a:stretch/>
+        </p:blipFill>
+        <p:spPr>
+          <a:xfrm>
+            <a:off x="1440000" y="1548360"/>
+            <a:ext cx="9810360" cy="4571640"/>
+          </a:xfrm>
+          <a:prstGeom prst="rect">
+            <a:avLst/>
+          </a:prstGeom>
+          <a:noFill/>
+          <a:ln w="0">
+            <a:noFill/>
+          </a:ln>
+        </p:spPr>
+      </p:pic>
     </p:spTree>
   </p:cSld>
   <mc:AlternateContent>
@@ -11565,7 +12914,7 @@
       </p:grpSpPr>
       <p:sp>
         <p:nvSpPr>
-          <p:cNvPr id="203" name="Line 10"/>
+          <p:cNvPr id="212" name="Line 10"/>
           <p:cNvSpPr/>
           <p:nvPr/>
         </p:nvSpPr>
@@ -11609,14 +12958,14 @@
       </p:sp>
       <p:sp>
         <p:nvSpPr>
-          <p:cNvPr id="204" name="PlaceHolder 26"/>
+          <p:cNvPr id="213" name="PlaceHolder 26"/>
           <p:cNvSpPr/>
           <p:nvPr/>
         </p:nvSpPr>
         <p:spPr>
           <a:xfrm>
             <a:off x="838080" y="271440"/>
-            <a:ext cx="10510200" cy="556560"/>
+            <a:ext cx="10509480" cy="555840"/>
           </a:xfrm>
           <a:prstGeom prst="rect">
             <a:avLst/>
@@ -11673,14 +13022,14 @@
       </p:sp>
       <p:sp>
         <p:nvSpPr>
-          <p:cNvPr id="205" name="Rectangle: Rounded Corners 19"/>
+          <p:cNvPr id="214" name="Rectangle: Rounded Corners 19"/>
           <p:cNvSpPr/>
           <p:nvPr/>
         </p:nvSpPr>
         <p:spPr>
           <a:xfrm>
             <a:off x="-178560" y="129960"/>
-            <a:ext cx="896040" cy="767160"/>
+            <a:ext cx="895320" cy="766440"/>
           </a:xfrm>
           <a:prstGeom prst="roundRect">
             <a:avLst>
@@ -11737,14 +13086,14 @@
       </p:sp>
       <p:sp>
         <p:nvSpPr>
-          <p:cNvPr id="206" name="PlaceHolder 27"/>
+          <p:cNvPr id="215" name="PlaceHolder 27"/>
           <p:cNvSpPr/>
           <p:nvPr/>
         </p:nvSpPr>
         <p:spPr>
           <a:xfrm>
             <a:off x="-360" y="360000"/>
-            <a:ext cx="2737800" cy="359640"/>
+            <a:ext cx="2737080" cy="358920"/>
           </a:xfrm>
           <a:prstGeom prst="rect">
             <a:avLst/>
@@ -11773,7 +13122,7 @@
                 <a:tab algn="l" pos="0"/>
               </a:tabLst>
             </a:pPr>
-            <a:fld id="{24994DD2-E518-4A18-B752-4BA850131A41}" type="slidenum">
+            <a:fld id="{71360EF6-B642-464A-A780-8700D173DC74}" type="slidenum">
               <a:rPr b="1" lang="ru-RU" sz="3600" strike="noStrike" u="none">
                 <a:solidFill>
                   <a:srgbClr val="000000"/>
@@ -11796,6 +13145,30 @@
           </a:p>
         </p:txBody>
       </p:sp>
+      <p:pic>
+        <p:nvPicPr>
+          <p:cNvPr id="216" name="" descr=""/>
+          <p:cNvPicPr/>
+          <p:nvPr/>
+        </p:nvPicPr>
+        <p:blipFill>
+          <a:blip r:embed="rId1"/>
+          <a:stretch/>
+        </p:blipFill>
+        <p:spPr>
+          <a:xfrm>
+            <a:off x="578520" y="1800000"/>
+            <a:ext cx="11034720" cy="3566160"/>
+          </a:xfrm>
+          <a:prstGeom prst="rect">
+            <a:avLst/>
+          </a:prstGeom>
+          <a:noFill/>
+          <a:ln w="0">
+            <a:noFill/>
+          </a:ln>
+        </p:spPr>
+      </p:pic>
     </p:spTree>
   </p:cSld>
   <mc:AlternateContent>
@@ -11828,52 +13201,7 @@
       </p:grpSpPr>
       <p:sp>
         <p:nvSpPr>
-          <p:cNvPr id="207" name="PlaceHolder 1"/>
-          <p:cNvSpPr>
-            <a:spLocks noGrp="1"/>
-          </p:cNvSpPr>
-          <p:nvPr>
-            <p:ph/>
-          </p:nvPr>
-        </p:nvSpPr>
-        <p:spPr>
-          <a:xfrm>
-            <a:off x="838080" y="1825560"/>
-            <a:ext cx="10510200" cy="4345920"/>
-          </a:xfrm>
-          <a:prstGeom prst="rect">
-            <a:avLst/>
-          </a:prstGeom>
-          <a:noFill/>
-          <a:ln w="0">
-            <a:noFill/>
-          </a:ln>
-        </p:spPr>
-        <p:txBody>
-          <a:bodyPr lIns="91440" rIns="91440" tIns="45720" bIns="45720" anchor="t">
-            <a:noAutofit/>
-          </a:bodyPr>
-          <a:p>
-            <a:pPr indent="0">
-              <a:spcBef>
-                <a:spcPts val="1417"/>
-              </a:spcBef>
-              <a:buNone/>
-            </a:pPr>
-            <a:endParaRPr b="0" lang="ru-RU" sz="1800" strike="noStrike" u="none">
-              <a:solidFill>
-                <a:srgbClr val="000000"/>
-              </a:solidFill>
-              <a:effectLst/>
-              <a:uFillTx/>
-              <a:latin typeface="Arial"/>
-            </a:endParaRPr>
-          </a:p>
-        </p:txBody>
-      </p:sp>
-      <p:sp>
-        <p:nvSpPr>
-          <p:cNvPr id="208" name="Line 13"/>
+          <p:cNvPr id="217" name="Line 13"/>
           <p:cNvSpPr/>
           <p:nvPr/>
         </p:nvSpPr>
@@ -11917,14 +13245,14 @@
       </p:sp>
       <p:sp>
         <p:nvSpPr>
-          <p:cNvPr id="209" name="PlaceHolder 32"/>
+          <p:cNvPr id="218" name="PlaceHolder 32"/>
           <p:cNvSpPr/>
           <p:nvPr/>
         </p:nvSpPr>
         <p:spPr>
           <a:xfrm>
             <a:off x="838080" y="271440"/>
-            <a:ext cx="10510200" cy="556560"/>
+            <a:ext cx="10509480" cy="555840"/>
           </a:xfrm>
           <a:prstGeom prst="rect">
             <a:avLst/>
@@ -11981,14 +13309,14 @@
       </p:sp>
       <p:sp>
         <p:nvSpPr>
-          <p:cNvPr id="210" name="Rectangle: Rounded Corners 23"/>
+          <p:cNvPr id="219" name="Rectangle: Rounded Corners 23"/>
           <p:cNvSpPr/>
           <p:nvPr/>
         </p:nvSpPr>
         <p:spPr>
           <a:xfrm>
             <a:off x="-178920" y="129960"/>
-            <a:ext cx="896040" cy="767160"/>
+            <a:ext cx="895320" cy="766440"/>
           </a:xfrm>
           <a:prstGeom prst="roundRect">
             <a:avLst>
@@ -12045,14 +13373,14 @@
       </p:sp>
       <p:sp>
         <p:nvSpPr>
-          <p:cNvPr id="211" name="PlaceHolder 33"/>
+          <p:cNvPr id="220" name="PlaceHolder 33"/>
           <p:cNvSpPr/>
           <p:nvPr/>
         </p:nvSpPr>
         <p:spPr>
           <a:xfrm>
             <a:off x="-720" y="360000"/>
-            <a:ext cx="2737800" cy="359640"/>
+            <a:ext cx="2737080" cy="358920"/>
           </a:xfrm>
           <a:prstGeom prst="rect">
             <a:avLst/>
@@ -12081,7 +13409,7 @@
                 <a:tab algn="l" pos="0"/>
               </a:tabLst>
             </a:pPr>
-            <a:fld id="{B51D4397-0BBE-4ED2-AEA1-2231BFC2FA9D}" type="slidenum">
+            <a:fld id="{F6F838CE-CC2E-4E13-AE12-074D7E351DF0}" type="slidenum">
               <a:rPr b="1" lang="ru-RU" sz="3600" strike="noStrike" u="none">
                 <a:solidFill>
                   <a:srgbClr val="000000"/>
@@ -12094,6 +13422,585 @@
               <a:t>&lt;номер&gt;</a:t>
             </a:fld>
             <a:endParaRPr b="0" lang="ru-RU" sz="3600" strike="noStrike" u="none">
+              <a:solidFill>
+                <a:srgbClr val="000000"/>
+              </a:solidFill>
+              <a:effectLst/>
+              <a:uFillTx/>
+              <a:latin typeface="Arial"/>
+            </a:endParaRPr>
+          </a:p>
+        </p:txBody>
+      </p:sp>
+      <p:sp>
+        <p:nvSpPr>
+          <p:cNvPr id="221" name=""/>
+          <p:cNvSpPr/>
+          <p:nvPr/>
+        </p:nvSpPr>
+        <p:spPr>
+          <a:xfrm>
+            <a:off x="1440000" y="1629000"/>
+            <a:ext cx="3990960" cy="3600000"/>
+          </a:xfrm>
+          <a:prstGeom prst="flowChartDisplay">
+            <a:avLst/>
+          </a:prstGeom>
+          <a:solidFill>
+            <a:srgbClr val="dee6ef"/>
+          </a:solidFill>
+          <a:ln w="0">
+            <a:solidFill>
+              <a:srgbClr val="3465a4"/>
+            </a:solidFill>
+          </a:ln>
+        </p:spPr>
+        <p:style>
+          <a:lnRef idx="0"/>
+          <a:fillRef idx="0"/>
+          <a:effectRef idx="0"/>
+          <a:fontRef idx="minor"/>
+        </p:style>
+        <p:txBody>
+          <a:bodyPr lIns="90000" rIns="90000" tIns="45000" bIns="45000" anchor="ctr">
+            <a:noAutofit/>
+          </a:bodyPr>
+          <a:p>
+            <a:endParaRPr b="0" lang="ru-RU" sz="1800" strike="noStrike" u="none">
+              <a:solidFill>
+                <a:srgbClr val="000000"/>
+              </a:solidFill>
+              <a:effectLst/>
+              <a:uFillTx/>
+              <a:latin typeface="Arial"/>
+            </a:endParaRPr>
+          </a:p>
+        </p:txBody>
+      </p:sp>
+      <p:sp>
+        <p:nvSpPr>
+          <p:cNvPr id="222" name=""/>
+          <p:cNvSpPr/>
+          <p:nvPr/>
+        </p:nvSpPr>
+        <p:spPr>
+          <a:xfrm>
+            <a:off x="4109400" y="1629000"/>
+            <a:ext cx="3990600" cy="3600000"/>
+          </a:xfrm>
+          <a:prstGeom prst="flowChartDisplay">
+            <a:avLst/>
+          </a:prstGeom>
+          <a:solidFill>
+            <a:srgbClr val="b4c7dc"/>
+          </a:solidFill>
+          <a:ln w="0">
+            <a:solidFill>
+              <a:srgbClr val="3465a4"/>
+            </a:solidFill>
+          </a:ln>
+        </p:spPr>
+        <p:style>
+          <a:lnRef idx="0"/>
+          <a:fillRef idx="0"/>
+          <a:effectRef idx="0"/>
+          <a:fontRef idx="minor"/>
+        </p:style>
+        <p:txBody>
+          <a:bodyPr lIns="90000" rIns="90000" tIns="45000" bIns="45000" anchor="ctr">
+            <a:noAutofit/>
+          </a:bodyPr>
+          <a:p>
+            <a:endParaRPr b="0" lang="ru-RU" sz="1800" strike="noStrike" u="none">
+              <a:solidFill>
+                <a:srgbClr val="000000"/>
+              </a:solidFill>
+              <a:effectLst/>
+              <a:uFillTx/>
+              <a:latin typeface="Arial"/>
+            </a:endParaRPr>
+          </a:p>
+        </p:txBody>
+      </p:sp>
+      <p:sp>
+        <p:nvSpPr>
+          <p:cNvPr id="223" name=""/>
+          <p:cNvSpPr/>
+          <p:nvPr/>
+        </p:nvSpPr>
+        <p:spPr>
+          <a:xfrm>
+            <a:off x="6660000" y="1629000"/>
+            <a:ext cx="3990960" cy="3600000"/>
+          </a:xfrm>
+          <a:prstGeom prst="flowChartDisplay">
+            <a:avLst/>
+          </a:prstGeom>
+          <a:solidFill>
+            <a:srgbClr val="729fcf"/>
+          </a:solidFill>
+          <a:ln w="0">
+            <a:solidFill>
+              <a:srgbClr val="3465a4"/>
+            </a:solidFill>
+          </a:ln>
+        </p:spPr>
+        <p:style>
+          <a:lnRef idx="0"/>
+          <a:fillRef idx="0"/>
+          <a:effectRef idx="0"/>
+          <a:fontRef idx="minor"/>
+        </p:style>
+        <p:txBody>
+          <a:bodyPr lIns="90000" rIns="90000" tIns="45000" bIns="45000" anchor="ctr">
+            <a:noAutofit/>
+          </a:bodyPr>
+          <a:p>
+            <a:endParaRPr b="0" lang="ru-RU" sz="1800" strike="noStrike" u="none">
+              <a:solidFill>
+                <a:srgbClr val="000000"/>
+              </a:solidFill>
+              <a:effectLst/>
+              <a:uFillTx/>
+              <a:latin typeface="Arial"/>
+            </a:endParaRPr>
+          </a:p>
+        </p:txBody>
+      </p:sp>
+      <p:sp>
+        <p:nvSpPr>
+          <p:cNvPr id="224" name="PlaceHolder 31"/>
+          <p:cNvSpPr/>
+          <p:nvPr/>
+        </p:nvSpPr>
+        <p:spPr>
+          <a:xfrm>
+            <a:off x="4241160" y="2889000"/>
+            <a:ext cx="2520000" cy="1080000"/>
+          </a:xfrm>
+          <a:prstGeom prst="rect">
+            <a:avLst/>
+          </a:prstGeom>
+          <a:noFill/>
+          <a:ln w="0">
+            <a:noFill/>
+          </a:ln>
+        </p:spPr>
+        <p:style>
+          <a:lnRef idx="0"/>
+          <a:fillRef idx="0"/>
+          <a:effectRef idx="0"/>
+          <a:fontRef idx="minor"/>
+        </p:style>
+        <p:txBody>
+          <a:bodyPr lIns="90000" rIns="90000" tIns="45000" bIns="45000" anchor="t" anchorCtr="1">
+            <a:normAutofit/>
+          </a:bodyPr>
+          <a:p>
+            <a:pPr algn="ctr" defTabSz="914400">
+              <a:lnSpc>
+                <a:spcPct val="90000"/>
+              </a:lnSpc>
+              <a:spcBef>
+                <a:spcPts val="1001"/>
+              </a:spcBef>
+              <a:tabLst>
+                <a:tab algn="l" pos="0"/>
+              </a:tabLst>
+            </a:pPr>
+            <a:r>
+              <a:rPr b="1" lang="en-US" sz="2400" strike="noStrike" u="none">
+                <a:solidFill>
+                  <a:srgbClr val="000000"/>
+                </a:solidFill>
+                <a:effectLst/>
+                <a:uFillTx/>
+                <a:latin typeface="Open Sans"/>
+                <a:ea typeface="Noto Sans CJK SC"/>
+              </a:rPr>
+              <a:t>Оптимизация серверной части</a:t>
+            </a:r>
+            <a:endParaRPr b="0" lang="ru-RU" sz="2400" strike="noStrike" u="none">
+              <a:solidFill>
+                <a:srgbClr val="000000"/>
+              </a:solidFill>
+              <a:effectLst/>
+              <a:uFillTx/>
+              <a:latin typeface="Arial"/>
+            </a:endParaRPr>
+          </a:p>
+        </p:txBody>
+      </p:sp>
+      <p:sp>
+        <p:nvSpPr>
+          <p:cNvPr id="225" name="PlaceHolder 22"/>
+          <p:cNvSpPr/>
+          <p:nvPr/>
+        </p:nvSpPr>
+        <p:spPr>
+          <a:xfrm>
+            <a:off x="1620000" y="2889720"/>
+            <a:ext cx="2589480" cy="1250280"/>
+          </a:xfrm>
+          <a:prstGeom prst="rect">
+            <a:avLst/>
+          </a:prstGeom>
+          <a:noFill/>
+          <a:ln w="0">
+            <a:noFill/>
+          </a:ln>
+        </p:spPr>
+        <p:style>
+          <a:lnRef idx="0"/>
+          <a:fillRef idx="0"/>
+          <a:effectRef idx="0"/>
+          <a:fontRef idx="minor"/>
+        </p:style>
+        <p:txBody>
+          <a:bodyPr lIns="90000" rIns="90000" tIns="45000" bIns="45000" anchor="t" anchorCtr="1">
+            <a:normAutofit/>
+          </a:bodyPr>
+          <a:p>
+            <a:pPr algn="ctr" defTabSz="914400">
+              <a:lnSpc>
+                <a:spcPct val="90000"/>
+              </a:lnSpc>
+              <a:spcBef>
+                <a:spcPts val="1001"/>
+              </a:spcBef>
+              <a:tabLst>
+                <a:tab algn="l" pos="0"/>
+              </a:tabLst>
+            </a:pPr>
+            <a:r>
+              <a:rPr b="1" lang="en-US" sz="2400" strike="noStrike" u="none">
+                <a:solidFill>
+                  <a:srgbClr val="000000"/>
+                </a:solidFill>
+                <a:effectLst/>
+                <a:uFillTx/>
+                <a:latin typeface="Open Sans"/>
+                <a:ea typeface="Noto Sans CJK SC"/>
+              </a:rPr>
+              <a:t>Портиро</a:t>
+            </a:r>
+            <a:r>
+              <a:rPr b="1" lang="en-US" sz="2400" strike="noStrike" u="none">
+                <a:solidFill>
+                  <a:srgbClr val="000000"/>
+                </a:solidFill>
+                <a:effectLst/>
+                <a:uFillTx/>
+                <a:latin typeface="Open Sans"/>
+                <a:ea typeface="Noto Sans CJK SC"/>
+              </a:rPr>
+              <a:t>вание </a:t>
+            </a:r>
+            <a:r>
+              <a:rPr b="1" lang="en-US" sz="2400" strike="noStrike" u="none">
+                <a:solidFill>
+                  <a:srgbClr val="000000"/>
+                </a:solidFill>
+                <a:effectLst/>
+                <a:uFillTx/>
+                <a:latin typeface="Open Sans"/>
+                <a:ea typeface="Noto Sans CJK SC"/>
+              </a:rPr>
+              <a:t>на </a:t>
+            </a:r>
+            <a:r>
+              <a:rPr b="1" lang="en-US" sz="2400" strike="noStrike" u="none">
+                <a:solidFill>
+                  <a:srgbClr val="000000"/>
+                </a:solidFill>
+                <a:effectLst/>
+                <a:uFillTx/>
+                <a:latin typeface="Open Sans"/>
+                <a:ea typeface="Noto Sans CJK SC"/>
+              </a:rPr>
+              <a:t>другие </a:t>
+            </a:r>
+            <a:r>
+              <a:rPr b="1" lang="en-US" sz="2400" strike="noStrike" u="none">
+                <a:solidFill>
+                  <a:srgbClr val="000000"/>
+                </a:solidFill>
+                <a:effectLst/>
+                <a:uFillTx/>
+                <a:latin typeface="Open Sans"/>
+                <a:ea typeface="Noto Sans CJK SC"/>
+              </a:rPr>
+              <a:t>платфор</a:t>
+            </a:r>
+            <a:r>
+              <a:rPr b="1" lang="en-US" sz="2400" strike="noStrike" u="none">
+                <a:solidFill>
+                  <a:srgbClr val="000000"/>
+                </a:solidFill>
+                <a:effectLst/>
+                <a:uFillTx/>
+                <a:latin typeface="Open Sans"/>
+                <a:ea typeface="Noto Sans CJK SC"/>
+              </a:rPr>
+              <a:t>мы</a:t>
+            </a:r>
+            <a:endParaRPr b="0" lang="ru-RU" sz="2400" strike="noStrike" u="none">
+              <a:solidFill>
+                <a:srgbClr val="000000"/>
+              </a:solidFill>
+              <a:effectLst/>
+              <a:uFillTx/>
+              <a:latin typeface="Arial"/>
+            </a:endParaRPr>
+          </a:p>
+        </p:txBody>
+      </p:sp>
+      <p:sp>
+        <p:nvSpPr>
+          <p:cNvPr id="226" name="PlaceHolder 28"/>
+          <p:cNvSpPr/>
+          <p:nvPr/>
+        </p:nvSpPr>
+        <p:spPr>
+          <a:xfrm>
+            <a:off x="7025400" y="2536920"/>
+            <a:ext cx="3234600" cy="1783080"/>
+          </a:xfrm>
+          <a:prstGeom prst="rect">
+            <a:avLst/>
+          </a:prstGeom>
+          <a:noFill/>
+          <a:ln w="0">
+            <a:noFill/>
+          </a:ln>
+        </p:spPr>
+        <p:style>
+          <a:lnRef idx="0"/>
+          <a:fillRef idx="0"/>
+          <a:effectRef idx="0"/>
+          <a:fontRef idx="minor"/>
+        </p:style>
+        <p:txBody>
+          <a:bodyPr lIns="90000" rIns="90000" tIns="45000" bIns="45000" anchor="t" anchorCtr="1">
+            <a:normAutofit/>
+          </a:bodyPr>
+          <a:p>
+            <a:pPr algn="ctr" defTabSz="914400">
+              <a:lnSpc>
+                <a:spcPct val="90000"/>
+              </a:lnSpc>
+              <a:spcBef>
+                <a:spcPts val="1001"/>
+              </a:spcBef>
+              <a:tabLst>
+                <a:tab algn="l" pos="0"/>
+              </a:tabLst>
+            </a:pPr>
+            <a:r>
+              <a:rPr b="1" lang="en-US" sz="2400" strike="noStrike" u="none">
+                <a:solidFill>
+                  <a:srgbClr val="000000"/>
+                </a:solidFill>
+                <a:effectLst/>
+                <a:uFillTx/>
+                <a:latin typeface="Open Sans"/>
+                <a:ea typeface="Noto Sans CJK SC"/>
+              </a:rPr>
+              <a:t>Создание собственного API для пользовательских расширений</a:t>
+            </a:r>
+            <a:endParaRPr b="0" lang="ru-RU" sz="2400" strike="noStrike" u="none">
+              <a:solidFill>
+                <a:srgbClr val="000000"/>
+              </a:solidFill>
+              <a:effectLst/>
+              <a:uFillTx/>
+              <a:latin typeface="Arial"/>
+            </a:endParaRPr>
+          </a:p>
+        </p:txBody>
+      </p:sp>
+      <p:sp>
+        <p:nvSpPr>
+          <p:cNvPr id="227" name="PlaceHolder 34"/>
+          <p:cNvSpPr/>
+          <p:nvPr/>
+        </p:nvSpPr>
+        <p:spPr>
+          <a:xfrm>
+            <a:off x="2340000" y="4869000"/>
+            <a:ext cx="1980000" cy="360000"/>
+          </a:xfrm>
+          <a:prstGeom prst="rect">
+            <a:avLst/>
+          </a:prstGeom>
+          <a:noFill/>
+          <a:ln w="0">
+            <a:noFill/>
+          </a:ln>
+        </p:spPr>
+        <p:style>
+          <a:lnRef idx="0"/>
+          <a:fillRef idx="0"/>
+          <a:effectRef idx="0"/>
+          <a:fontRef idx="minor"/>
+        </p:style>
+        <p:txBody>
+          <a:bodyPr lIns="90000" rIns="90000" tIns="45000" bIns="45000" anchor="t" anchorCtr="1">
+            <a:normAutofit fontScale="92500" lnSpcReduction="19999"/>
+          </a:bodyPr>
+          <a:p>
+            <a:pPr algn="ctr" defTabSz="914400">
+              <a:lnSpc>
+                <a:spcPct val="90000"/>
+              </a:lnSpc>
+              <a:spcBef>
+                <a:spcPts val="1001"/>
+              </a:spcBef>
+              <a:tabLst>
+                <a:tab algn="l" pos="0"/>
+              </a:tabLst>
+            </a:pPr>
+            <a:r>
+              <a:rPr b="1" lang="en-US" sz="2400" strike="noStrike" u="none">
+                <a:solidFill>
+                  <a:srgbClr val="000000"/>
+                </a:solidFill>
+                <a:effectLst/>
+                <a:uFillTx/>
+                <a:latin typeface="Open Sans"/>
+                <a:ea typeface="Noto Sans CJK SC"/>
+              </a:rPr>
+              <a:t>Июнь 2025</a:t>
+            </a:r>
+            <a:endParaRPr b="0" lang="ru-RU" sz="2400" strike="noStrike" u="none">
+              <a:solidFill>
+                <a:srgbClr val="000000"/>
+              </a:solidFill>
+              <a:effectLst/>
+              <a:uFillTx/>
+              <a:latin typeface="Arial"/>
+            </a:endParaRPr>
+          </a:p>
+        </p:txBody>
+      </p:sp>
+      <p:sp>
+        <p:nvSpPr>
+          <p:cNvPr id="228" name="PlaceHolder 35"/>
+          <p:cNvSpPr/>
+          <p:nvPr/>
+        </p:nvSpPr>
+        <p:spPr>
+          <a:xfrm>
+            <a:off x="4860000" y="4869000"/>
+            <a:ext cx="2340000" cy="360000"/>
+          </a:xfrm>
+          <a:prstGeom prst="rect">
+            <a:avLst/>
+          </a:prstGeom>
+          <a:noFill/>
+          <a:ln w="0">
+            <a:noFill/>
+          </a:ln>
+        </p:spPr>
+        <p:style>
+          <a:lnRef idx="0"/>
+          <a:fillRef idx="0"/>
+          <a:effectRef idx="0"/>
+          <a:fontRef idx="minor"/>
+        </p:style>
+        <p:txBody>
+          <a:bodyPr lIns="90000" rIns="90000" tIns="45000" bIns="45000" anchor="t" anchorCtr="1">
+            <a:normAutofit fontScale="92500" lnSpcReduction="19999"/>
+          </a:bodyPr>
+          <a:p>
+            <a:pPr algn="ctr" defTabSz="914400">
+              <a:lnSpc>
+                <a:spcPct val="90000"/>
+              </a:lnSpc>
+              <a:spcBef>
+                <a:spcPts val="1001"/>
+              </a:spcBef>
+              <a:tabLst>
+                <a:tab algn="l" pos="0"/>
+              </a:tabLst>
+            </a:pPr>
+            <a:r>
+              <a:rPr b="1" lang="en-US" sz="2400" strike="noStrike" u="none">
+                <a:solidFill>
+                  <a:srgbClr val="000000"/>
+                </a:solidFill>
+                <a:effectLst/>
+                <a:uFillTx/>
+                <a:latin typeface="Open Sans"/>
+                <a:ea typeface="Noto Sans CJK SC"/>
+              </a:rPr>
+              <a:t>Сентябрь 2025</a:t>
+            </a:r>
+            <a:endParaRPr b="0" lang="ru-RU" sz="2400" strike="noStrike" u="none">
+              <a:solidFill>
+                <a:srgbClr val="000000"/>
+              </a:solidFill>
+              <a:effectLst/>
+              <a:uFillTx/>
+              <a:latin typeface="Arial"/>
+            </a:endParaRPr>
+          </a:p>
+        </p:txBody>
+      </p:sp>
+      <p:sp>
+        <p:nvSpPr>
+          <p:cNvPr id="229" name="PlaceHolder 36"/>
+          <p:cNvSpPr/>
+          <p:nvPr/>
+        </p:nvSpPr>
+        <p:spPr>
+          <a:xfrm>
+            <a:off x="7560000" y="4860000"/>
+            <a:ext cx="2340000" cy="360000"/>
+          </a:xfrm>
+          <a:prstGeom prst="rect">
+            <a:avLst/>
+          </a:prstGeom>
+          <a:noFill/>
+          <a:ln w="0">
+            <a:noFill/>
+          </a:ln>
+        </p:spPr>
+        <p:style>
+          <a:lnRef idx="0"/>
+          <a:fillRef idx="0"/>
+          <a:effectRef idx="0"/>
+          <a:fontRef idx="minor"/>
+        </p:style>
+        <p:txBody>
+          <a:bodyPr lIns="90000" rIns="90000" tIns="45000" bIns="45000" anchor="t" anchorCtr="1">
+            <a:normAutofit fontScale="92500" lnSpcReduction="19999"/>
+          </a:bodyPr>
+          <a:p>
+            <a:pPr algn="ctr" defTabSz="914400">
+              <a:lnSpc>
+                <a:spcPct val="90000"/>
+              </a:lnSpc>
+              <a:spcBef>
+                <a:spcPts val="1001"/>
+              </a:spcBef>
+              <a:tabLst>
+                <a:tab algn="l" pos="0"/>
+              </a:tabLst>
+            </a:pPr>
+            <a:r>
+              <a:rPr b="1" lang="en-US" sz="2400" strike="noStrike" u="none">
+                <a:solidFill>
+                  <a:srgbClr val="000000"/>
+                </a:solidFill>
+                <a:effectLst/>
+                <a:uFillTx/>
+                <a:latin typeface="Open Sans"/>
+                <a:ea typeface="Noto Sans CJK SC"/>
+              </a:rPr>
+              <a:t>Конец 2025</a:t>
+            </a:r>
+            <a:endParaRPr b="0" lang="ru-RU" sz="2400" strike="noStrike" u="none">
               <a:solidFill>
                 <a:srgbClr val="000000"/>
               </a:solidFill>
@@ -12136,14 +14043,14 @@
       </p:grpSpPr>
       <p:sp>
         <p:nvSpPr>
-          <p:cNvPr id="212" name="Rectangle: Rounded Corners 18"/>
+          <p:cNvPr id="230" name="Rectangle: Rounded Corners 18"/>
           <p:cNvSpPr/>
           <p:nvPr/>
         </p:nvSpPr>
         <p:spPr>
           <a:xfrm>
             <a:off x="4320000" y="-10440"/>
-            <a:ext cx="8996040" cy="6854040"/>
+            <a:ext cx="8995320" cy="6853320"/>
           </a:xfrm>
           <a:prstGeom prst="roundRect">
             <a:avLst>
@@ -12200,14 +14107,14 @@
       </p:sp>
       <p:sp>
         <p:nvSpPr>
-          <p:cNvPr id="213" name="PlaceHolder 23"/>
+          <p:cNvPr id="231" name="PlaceHolder 23"/>
           <p:cNvSpPr/>
           <p:nvPr/>
         </p:nvSpPr>
         <p:spPr>
           <a:xfrm>
             <a:off x="5220000" y="3170160"/>
-            <a:ext cx="6476040" cy="556560"/>
+            <a:ext cx="6475320" cy="555840"/>
           </a:xfrm>
           <a:prstGeom prst="rect">
             <a:avLst/>
@@ -12262,6 +14169,54 @@
           </a:p>
         </p:txBody>
       </p:sp>
+      <p:pic>
+        <p:nvPicPr>
+          <p:cNvPr id="232" name="" descr=""/>
+          <p:cNvPicPr/>
+          <p:nvPr/>
+        </p:nvPicPr>
+        <p:blipFill>
+          <a:blip r:embed="rId1"/>
+          <a:stretch/>
+        </p:blipFill>
+        <p:spPr>
+          <a:xfrm>
+            <a:off x="900000" y="3420000"/>
+            <a:ext cx="2633040" cy="3060000"/>
+          </a:xfrm>
+          <a:prstGeom prst="rect">
+            <a:avLst/>
+          </a:prstGeom>
+          <a:noFill/>
+          <a:ln w="0">
+            <a:noFill/>
+          </a:ln>
+        </p:spPr>
+      </p:pic>
+      <p:pic>
+        <p:nvPicPr>
+          <p:cNvPr id="233" name="" descr=""/>
+          <p:cNvPicPr/>
+          <p:nvPr/>
+        </p:nvPicPr>
+        <p:blipFill>
+          <a:blip r:embed="rId2"/>
+          <a:stretch/>
+        </p:blipFill>
+        <p:spPr>
+          <a:xfrm>
+            <a:off x="900000" y="311040"/>
+            <a:ext cx="2520000" cy="2928960"/>
+          </a:xfrm>
+          <a:prstGeom prst="rect">
+            <a:avLst/>
+          </a:prstGeom>
+          <a:noFill/>
+          <a:ln w="0">
+            <a:noFill/>
+          </a:ln>
+        </p:spPr>
+      </p:pic>
     </p:spTree>
   </p:cSld>
   <mc:AlternateContent>
@@ -12294,14 +14249,14 @@
       </p:grpSpPr>
       <p:sp>
         <p:nvSpPr>
-          <p:cNvPr id="103" name="Rectangle: Rounded Corners 5"/>
+          <p:cNvPr id="113" name="Rectangle: Rounded Corners 5"/>
           <p:cNvSpPr/>
           <p:nvPr/>
         </p:nvSpPr>
         <p:spPr>
           <a:xfrm>
             <a:off x="1260000" y="3951000"/>
-            <a:ext cx="6157080" cy="2466720"/>
+            <a:ext cx="6156360" cy="2466000"/>
           </a:xfrm>
           <a:prstGeom prst="roundRect">
             <a:avLst>
@@ -12358,7 +14313,7 @@
       </p:sp>
       <p:sp>
         <p:nvSpPr>
-          <p:cNvPr id="104" name="PlaceHolder 1"/>
+          <p:cNvPr id="114" name="PlaceHolder 1"/>
           <p:cNvSpPr>
             <a:spLocks noGrp="1"/>
           </p:cNvSpPr>
@@ -12369,7 +14324,7 @@
         <p:spPr>
           <a:xfrm>
             <a:off x="838080" y="273960"/>
-            <a:ext cx="10510200" cy="556560"/>
+            <a:ext cx="10509480" cy="555840"/>
           </a:xfrm>
           <a:prstGeom prst="rect">
             <a:avLst/>
@@ -12421,7 +14376,7 @@
       </p:sp>
       <p:sp>
         <p:nvSpPr>
-          <p:cNvPr id="105" name="Line 30"/>
+          <p:cNvPr id="115" name="Line 30"/>
           <p:cNvSpPr/>
           <p:nvPr/>
         </p:nvSpPr>
@@ -12465,68 +14420,68 @@
       </p:sp>
       <p:grpSp>
         <p:nvGrpSpPr>
-          <p:cNvPr id="106" name="Group 1"/>
+          <p:cNvPr id="116" name="Group 1"/>
           <p:cNvGrpSpPr/>
           <p:nvPr/>
         </p:nvGrpSpPr>
         <p:grpSpPr>
           <a:xfrm>
             <a:off x="8510760" y="2715480"/>
-            <a:ext cx="2467080" cy="2379240"/>
+            <a:ext cx="2466360" cy="2378520"/>
             <a:chOff x="8510760" y="2715480"/>
-            <a:chExt cx="2467080" cy="2379240"/>
+            <a:chExt cx="2466360" cy="2378520"/>
           </a:xfrm>
         </p:grpSpPr>
         <p:sp>
           <p:nvSpPr>
-            <p:cNvPr id="107" name="Freeform 1"/>
+            <p:cNvPr id="117" name="Freeform 1"/>
             <p:cNvSpPr/>
             <p:nvPr/>
           </p:nvSpPr>
           <p:spPr>
             <a:xfrm>
               <a:off x="8961480" y="3731040"/>
-              <a:ext cx="205200" cy="149400"/>
+              <a:ext cx="204480" cy="148680"/>
             </a:xfrm>
             <a:custGeom>
               <a:avLst/>
               <a:gdLst>
-                <a:gd name="textAreaLeft" fmla="*/ 0 w 205200"/>
-                <a:gd name="textAreaRight" fmla="*/ 210960 w 205200"/>
-                <a:gd name="textAreaTop" fmla="*/ 0 h 149400"/>
-                <a:gd name="textAreaBottom" fmla="*/ 155160 h 149400"/>
-                <a:gd name="GluePoint1X" fmla="*/ 22877.0951276102 w 431"/>
+                <a:gd name="textAreaLeft" fmla="*/ 0 w 204480"/>
+                <a:gd name="textAreaRight" fmla="*/ 210960 w 204480"/>
+                <a:gd name="textAreaTop" fmla="*/ 0 h 148680"/>
+                <a:gd name="textAreaBottom" fmla="*/ 155160 h 148680"/>
+                <a:gd name="GluePoint1X" fmla="*/ 39940.8955916473 w 431"/>
                 <a:gd name="GluePoint1Y" fmla="*/ 0 h 586"/>
-                <a:gd name="GluePoint2X" fmla="*/ 16384.1229698376 w 431"/>
+                <a:gd name="GluePoint2X" fmla="*/ 28604.4617169374 w 431"/>
                 <a:gd name="GluePoint2Y" fmla="*/ 0 h 586"/>
-                <a:gd name="GluePoint3X" fmla="*/ 20512.2807424594 w 431"/>
-                <a:gd name="GluePoint3Y" fmla="*/ 1.419795221843 h 586"/>
-                <a:gd name="GluePoint4X" fmla="*/ 10482.0232018562 w 431"/>
-                <a:gd name="GluePoint4Y" fmla="*/ 1.419795221843 h 586"/>
+                <a:gd name="GluePoint3X" fmla="*/ 35812.6751740139 w 431"/>
+                <a:gd name="GluePoint3Y" fmla="*/ 0 h 586"/>
+                <a:gd name="GluePoint4X" fmla="*/ 18300.4129930394 w 431"/>
+                <a:gd name="GluePoint4Y" fmla="*/ 0 h 586"/>
                 <a:gd name="GluePoint5X" fmla="*/ 0 w 431"/>
-                <a:gd name="GluePoint5Y" fmla="*/ 1.419795221843 h 586"/>
-                <a:gd name="GluePoint6X" fmla="*/ 2808.63109048724 w 431"/>
+                <a:gd name="GluePoint5Y" fmla="*/ 0 h 586"/>
+                <a:gd name="GluePoint6X" fmla="*/ 4901.84918793504 w 431"/>
                 <a:gd name="GluePoint6Y" fmla="*/ 0 h 586"/>
-                <a:gd name="GluePoint7X" fmla="*/ 12830.939675174 w 431"/>
+                <a:gd name="GluePoint7X" fmla="*/ 22399.5893271462 w 431"/>
                 <a:gd name="GluePoint7Y" fmla="*/ 0 h 586"/>
-                <a:gd name="GluePoint8X" fmla="*/ 22877.0951276102 w 431"/>
+                <a:gd name="GluePoint8X" fmla="*/ 39940.8955916473 w 431"/>
                 <a:gd name="GluePoint8Y" fmla="*/ 0 h 586"/>
-                <a:gd name="GluePoint9X" fmla="*/ 45895.9466357309 w 431"/>
-                <a:gd name="GluePoint9Y" fmla="*/ 1.419795221843 h 586"/>
-                <a:gd name="GluePoint10X" fmla="*/ 35355.6310904872 w 431"/>
-                <a:gd name="GluePoint10Y" fmla="*/ 1.419795221843 h 586"/>
-                <a:gd name="GluePoint11X" fmla="*/ 25272.3805104408 w 431"/>
-                <a:gd name="GluePoint11Y" fmla="*/ 1.419795221843 h 586"/>
-                <a:gd name="GluePoint12X" fmla="*/ 28175.0742459397 w 431"/>
+                <a:gd name="GluePoint9X" fmla="*/ 80129.9860788863 w 431"/>
+                <a:gd name="GluePoint9Y" fmla="*/ 0 h 586"/>
+                <a:gd name="GluePoint10X" fmla="*/ 61727.9187935035 w 431"/>
+                <a:gd name="GluePoint10Y" fmla="*/ 0 h 586"/>
+                <a:gd name="GluePoint11X" fmla="*/ 44123.2436194896 w 431"/>
+                <a:gd name="GluePoint11Y" fmla="*/ 0 h 586"/>
+                <a:gd name="GluePoint12X" fmla="*/ 49191.4361948956 w 431"/>
                 <a:gd name="GluePoint12Y" fmla="*/ 0 h 586"/>
-                <a:gd name="GluePoint13X" fmla="*/ 37625.0580046404 w 431"/>
+                <a:gd name="GluePoint13X" fmla="*/ 65691.1160092807 w 431"/>
                 <a:gd name="GluePoint13Y" fmla="*/ 0 h 586"/>
-                <a:gd name="GluePoint14X" fmla="*/ 47714.9327146172 w 431"/>
+                <a:gd name="GluePoint14X" fmla="*/ 83306.3526682135 w 431"/>
                 <a:gd name="GluePoint14Y" fmla="*/ 0 h 586"/>
-                <a:gd name="GluePoint15X" fmla="*/ 41746.5916473318 w 431"/>
+                <a:gd name="GluePoint15X" fmla="*/ 72886.1276102088 w 431"/>
                 <a:gd name="GluePoint15Y" fmla="*/ 0 h 586"/>
-                <a:gd name="GluePoint16X" fmla="*/ 45895.9466357309 w 431"/>
-                <a:gd name="GluePoint16Y" fmla="*/ 1.419795221843 h 586"/>
+                <a:gd name="GluePoint16X" fmla="*/ 80129.9860788863 w 431"/>
+                <a:gd name="GluePoint16Y" fmla="*/ 0 h 586"/>
               </a:gdLst>
               <a:ahLst/>
               <a:cxnLst>
@@ -12709,32 +14664,32 @@
         </p:sp>
         <p:sp>
           <p:nvSpPr>
-            <p:cNvPr id="108" name="Freeform 5"/>
+            <p:cNvPr id="118" name="Freeform 5"/>
             <p:cNvSpPr/>
             <p:nvPr/>
           </p:nvSpPr>
           <p:spPr>
             <a:xfrm>
               <a:off x="9718920" y="2743200"/>
-              <a:ext cx="1258920" cy="2351520"/>
+              <a:ext cx="1258200" cy="2350800"/>
             </a:xfrm>
             <a:custGeom>
               <a:avLst/>
               <a:gdLst>
-                <a:gd name="textAreaLeft" fmla="*/ 0 w 1258920"/>
-                <a:gd name="textAreaRight" fmla="*/ 1264680 w 1258920"/>
-                <a:gd name="textAreaTop" fmla="*/ 0 h 2351520"/>
-                <a:gd name="textAreaBottom" fmla="*/ 2357280 h 2351520"/>
+                <a:gd name="textAreaLeft" fmla="*/ 0 w 1258200"/>
+                <a:gd name="textAreaRight" fmla="*/ 1264680 w 1258200"/>
+                <a:gd name="textAreaTop" fmla="*/ 0 h 2350800"/>
+                <a:gd name="textAreaBottom" fmla="*/ 2357280 h 2350800"/>
                 <a:gd name="GluePoint1X" fmla="*/ 0 w 6548"/>
                 <a:gd name="GluePoint1Y" fmla="*/ 0 h 3513"/>
                 <a:gd name="GluePoint2X" fmla="*/ 0 w 6548"/>
                 <a:gd name="GluePoint2Y" fmla="*/ 0 h 3513"/>
                 <a:gd name="GluePoint3X" fmla="*/ 0 w 6548"/>
-                <a:gd name="GluePoint3Y" fmla="*/ 73209750.1480216 h 3513"/>
+                <a:gd name="GluePoint3Y" fmla="*/ 253068728.102477 h 3513"/>
                 <a:gd name="GluePoint4X" fmla="*/ 0 w 6548"/>
-                <a:gd name="GluePoint4Y" fmla="*/ 73209750.1480216 h 3513"/>
+                <a:gd name="GluePoint4Y" fmla="*/ 253068728.102477 h 3513"/>
                 <a:gd name="GluePoint5X" fmla="*/ 0 w 6548"/>
-                <a:gd name="GluePoint5Y" fmla="*/ 36575261.7828067 h 3513"/>
+                <a:gd name="GluePoint5Y" fmla="*/ 126431994.855679 h 3513"/>
                 <a:gd name="GluePoint6X" fmla="*/ 0 w 6548"/>
                 <a:gd name="GluePoint6Y" fmla="*/ 0 h 3513"/>
               </a:gdLst>
@@ -12831,14 +14786,14 @@
         </p:sp>
         <p:sp>
           <p:nvSpPr>
-            <p:cNvPr id="109" name="Oval 2"/>
+            <p:cNvPr id="119" name="Oval 2"/>
             <p:cNvSpPr/>
             <p:nvPr/>
           </p:nvSpPr>
           <p:spPr>
             <a:xfrm>
               <a:off x="8539200" y="2743200"/>
-              <a:ext cx="2354760" cy="2351520"/>
+              <a:ext cx="2354040" cy="2350800"/>
             </a:xfrm>
             <a:prstGeom prst="ellipse">
               <a:avLst/>
@@ -12880,39 +14835,39 @@
         </p:sp>
         <p:sp>
           <p:nvSpPr>
-            <p:cNvPr id="110" name="Freeform 6"/>
+            <p:cNvPr id="120" name="Freeform 6"/>
             <p:cNvSpPr/>
             <p:nvPr/>
           </p:nvSpPr>
           <p:spPr>
             <a:xfrm>
               <a:off x="8790480" y="2994120"/>
-              <a:ext cx="1852920" cy="1849680"/>
+              <a:ext cx="1852200" cy="1848960"/>
             </a:xfrm>
             <a:custGeom>
               <a:avLst/>
               <a:gdLst>
-                <a:gd name="textAreaLeft" fmla="*/ 0 w 1852920"/>
-                <a:gd name="textAreaRight" fmla="*/ 1858680 w 1852920"/>
-                <a:gd name="textAreaTop" fmla="*/ 0 h 1849680"/>
-                <a:gd name="textAreaBottom" fmla="*/ 1855440 h 1849680"/>
-                <a:gd name="GluePoint1X" fmla="*/ 2580.99185098952 w 5154"/>
+                <a:gd name="textAreaLeft" fmla="*/ 0 w 1852200"/>
+                <a:gd name="textAreaRight" fmla="*/ 1858680 w 1852200"/>
+                <a:gd name="textAreaTop" fmla="*/ 0 h 1848960"/>
+                <a:gd name="textAreaBottom" fmla="*/ 1855440 h 1848960"/>
+                <a:gd name="GluePoint1X" fmla="*/ 2572.00155219247 w 5154"/>
                 <a:gd name="GluePoint1Y" fmla="*/ 0 h 5163"/>
-                <a:gd name="GluePoint2X" fmla="*/ 4411.85797438882 w 5154"/>
-                <a:gd name="GluePoint2Y" fmla="*/ 711.676350958745 h 5163"/>
-                <a:gd name="GluePoint3X" fmla="*/ 5172.97089639115 w 5154"/>
-                <a:gd name="GluePoint3Y" fmla="*/ 2445.5787332946 h 5163"/>
-                <a:gd name="GluePoint4X" fmla="*/ 4411.85797438882 w 5154"/>
-                <a:gd name="GluePoint4Y" fmla="*/ 4178.48576409065 h 5163"/>
-                <a:gd name="GluePoint5X" fmla="*/ 2580.99185098952 w 5154"/>
-                <a:gd name="GluePoint5Y" fmla="*/ 4900.11563044741 h 5163"/>
-                <a:gd name="GluePoint6X" fmla="*/ 752.123399301513 w 5154"/>
-                <a:gd name="GluePoint6Y" fmla="*/ 4178.48576409065 h 5163"/>
+                <a:gd name="GluePoint2X" fmla="*/ 4398.16259216143 w 5154"/>
+                <a:gd name="GluePoint2Y" fmla="*/ 703.439666860353 h 5163"/>
+                <a:gd name="GluePoint3X" fmla="*/ 5155.98447807528 w 5154"/>
+                <a:gd name="GluePoint3Y" fmla="*/ 2420.74782103428 h 5163"/>
+                <a:gd name="GluePoint4X" fmla="*/ 4398.16259216143 w 5154"/>
+                <a:gd name="GluePoint4Y" fmla="*/ 4136.06604687197 h 5163"/>
+                <a:gd name="GluePoint5X" fmla="*/ 2572.00155219247 w 5154"/>
+                <a:gd name="GluePoint5Y" fmla="*/ 4851.44528374976 h 5163"/>
+                <a:gd name="GluePoint6X" fmla="*/ 748.8358556461 w 5154"/>
+                <a:gd name="GluePoint6Y" fmla="*/ 4136.06604687197 h 5163"/>
                 <a:gd name="GluePoint7X" fmla="*/ 0 w 5154"/>
-                <a:gd name="GluePoint7Y" fmla="*/ 2445.5787332946 h 5163"/>
-                <a:gd name="GluePoint8X" fmla="*/ 752.123399301513 w 5154"/>
-                <a:gd name="GluePoint8Y" fmla="*/ 711.676350958745 h 5163"/>
-                <a:gd name="GluePoint9X" fmla="*/ 2580.99185098952 w 5154"/>
+                <a:gd name="GluePoint7Y" fmla="*/ 2420.74782103428 h 5163"/>
+                <a:gd name="GluePoint8X" fmla="*/ 748.8358556461 w 5154"/>
+                <a:gd name="GluePoint8Y" fmla="*/ 703.439666860353 h 5163"/>
+                <a:gd name="GluePoint9X" fmla="*/ 2572.00155219247 w 5154"/>
                 <a:gd name="GluePoint9Y" fmla="*/ 0 h 5163"/>
               </a:gdLst>
               <a:ahLst/>
@@ -13031,40 +14986,40 @@
         </p:sp>
         <p:sp>
           <p:nvSpPr>
-            <p:cNvPr id="111" name="Freeform 7"/>
+            <p:cNvPr id="121" name="Freeform 7"/>
             <p:cNvSpPr/>
             <p:nvPr/>
           </p:nvSpPr>
           <p:spPr>
             <a:xfrm>
               <a:off x="9034920" y="3239280"/>
-              <a:ext cx="1362240" cy="1359000"/>
+              <a:ext cx="1361520" cy="1358280"/>
             </a:xfrm>
             <a:custGeom>
               <a:avLst/>
               <a:gdLst>
-                <a:gd name="textAreaLeft" fmla="*/ 0 w 1362240"/>
-                <a:gd name="textAreaRight" fmla="*/ 1368000 w 1362240"/>
-                <a:gd name="textAreaTop" fmla="*/ 0 h 1359000"/>
-                <a:gd name="textAreaBottom" fmla="*/ 1364760 h 1359000"/>
-                <a:gd name="GluePoint1X" fmla="*/ 1974.86942759166 w 3791"/>
-                <a:gd name="GluePoint1Y" fmla="*/ 4.96842105263158 h 3800"/>
-                <a:gd name="GluePoint2X" fmla="*/ 3286.78976523345 w 3791"/>
-                <a:gd name="GluePoint2Y" fmla="*/ 572.362105263158 h 3800"/>
-                <a:gd name="GluePoint3X" fmla="*/ 3787.99525191242 w 3791"/>
-                <a:gd name="GluePoint3Y" fmla="*/ 1831.36 h 3800"/>
-                <a:gd name="GluePoint4X" fmla="*/ 3184.95120021103 w 3791"/>
-                <a:gd name="GluePoint4Y" fmla="*/ 3054.58526315789 h 3800"/>
-                <a:gd name="GluePoint5X" fmla="*/ 1830.09891849116 w 3791"/>
-                <a:gd name="GluePoint5Y" fmla="*/ 3520.62315789474 h 3800"/>
-                <a:gd name="GluePoint6X" fmla="*/ 514.184911632815 w 3791"/>
-                <a:gd name="GluePoint6Y" fmla="*/ 2957.20421052632 h 3800"/>
-                <a:gd name="GluePoint7X" fmla="*/ 13.9778422579794 w 3791"/>
-                <a:gd name="GluePoint7Y" fmla="*/ 1697.21263157895 h 3800"/>
-                <a:gd name="GluePoint8X" fmla="*/ 620.017145871802 w 3791"/>
-                <a:gd name="GluePoint8Y" fmla="*/ 475.974736842105 h 3800"/>
-                <a:gd name="GluePoint9X" fmla="*/ 1974.86942759166 w 3791"/>
-                <a:gd name="GluePoint9Y" fmla="*/ 4.96842105263158 h 3800"/>
+                <a:gd name="textAreaLeft" fmla="*/ 0 w 1361520"/>
+                <a:gd name="textAreaRight" fmla="*/ 1368000 w 1361520"/>
+                <a:gd name="textAreaTop" fmla="*/ 0 h 1358280"/>
+                <a:gd name="textAreaBottom" fmla="*/ 1364760 h 1358280"/>
+                <a:gd name="GluePoint1X" fmla="*/ 1965.84278554471 w 3791"/>
+                <a:gd name="GluePoint1Y" fmla="*/ 2.97947368421053 h 3800"/>
+                <a:gd name="GluePoint2X" fmla="*/ 3272.08045370615 w 3791"/>
+                <a:gd name="GluePoint2Y" fmla="*/ 564.113684210526 h 3800"/>
+                <a:gd name="GluePoint3X" fmla="*/ 3772.02321287259 w 3791"/>
+                <a:gd name="GluePoint3Y" fmla="*/ 1805.56105263158 h 3800"/>
+                <a:gd name="GluePoint4X" fmla="*/ 3171.29359008177 w 3791"/>
+                <a:gd name="GluePoint4Y" fmla="*/ 3012.24789473684 h 3800"/>
+                <a:gd name="GluePoint5X" fmla="*/ 1822.14666314956 w 3791"/>
+                <a:gd name="GluePoint5Y" fmla="*/ 3472.08 h 3800"/>
+                <a:gd name="GluePoint6X" fmla="*/ 511.917436032709 w 3791"/>
+                <a:gd name="GluePoint6Y" fmla="*/ 2916.90473684211 h 3800"/>
+                <a:gd name="GluePoint7X" fmla="*/ 11.9746768662622 w 3791"/>
+                <a:gd name="GluePoint7Y" fmla="*/ 1673.47105263158 h 3800"/>
+                <a:gd name="GluePoint8X" fmla="*/ 616.695858612503 w 3791"/>
+                <a:gd name="GluePoint8Y" fmla="*/ 467.777368421053 h 3800"/>
+                <a:gd name="GluePoint9X" fmla="*/ 1965.84278554471 w 3791"/>
+                <a:gd name="GluePoint9Y" fmla="*/ 2.97947368421053 h 3800"/>
               </a:gdLst>
               <a:ahLst/>
               <a:cxnLst>
@@ -13182,39 +15137,39 @@
         </p:sp>
         <p:sp>
           <p:nvSpPr>
-            <p:cNvPr id="112" name="Freeform 8"/>
+            <p:cNvPr id="122" name="Freeform 8"/>
             <p:cNvSpPr/>
             <p:nvPr/>
           </p:nvSpPr>
           <p:spPr>
             <a:xfrm>
               <a:off x="9293040" y="3495960"/>
-              <a:ext cx="847080" cy="845640"/>
+              <a:ext cx="846360" cy="844920"/>
             </a:xfrm>
             <a:custGeom>
               <a:avLst/>
               <a:gdLst>
-                <a:gd name="textAreaLeft" fmla="*/ 0 w 847080"/>
-                <a:gd name="textAreaRight" fmla="*/ 852840 w 847080"/>
-                <a:gd name="textAreaTop" fmla="*/ 0 h 845640"/>
-                <a:gd name="textAreaBottom" fmla="*/ 851400 h 845640"/>
-                <a:gd name="GluePoint1X" fmla="*/ 1147.63720930233 w 2365"/>
+                <a:gd name="textAreaLeft" fmla="*/ 0 w 846360"/>
+                <a:gd name="textAreaRight" fmla="*/ 852840 w 846360"/>
+                <a:gd name="textAreaTop" fmla="*/ 0 h 844920"/>
+                <a:gd name="textAreaBottom" fmla="*/ 851400 h 844920"/>
+                <a:gd name="GluePoint1X" fmla="*/ 1134.72811839323 w 2365"/>
                 <a:gd name="GluePoint1Y" fmla="*/ 0 h 2369"/>
-                <a:gd name="GluePoint2X" fmla="*/ 1962.82790697674 w 2365"/>
-                <a:gd name="GluePoint2Y" fmla="*/ 315.449556775011 h 2369"/>
-                <a:gd name="GluePoint3X" fmla="*/ 2305.22790697674 w 2365"/>
-                <a:gd name="GluePoint3Y" fmla="*/ 1088.20177289996 h 2369"/>
-                <a:gd name="GluePoint4X" fmla="*/ 1962.82790697674 w 2365"/>
-                <a:gd name="GluePoint4Y" fmla="*/ 1861.94596876319 h 2369"/>
-                <a:gd name="GluePoint5X" fmla="*/ 1147.63720930233 w 2365"/>
-                <a:gd name="GluePoint5Y" fmla="*/ 2187.31532292106 h 2369"/>
-                <a:gd name="GluePoint6X" fmla="*/ 329.460465116279 w 2365"/>
-                <a:gd name="GluePoint6Y" fmla="*/ 1861.94596876319 h 2369"/>
+                <a:gd name="GluePoint2X" fmla="*/ 1941.27019027484 w 2365"/>
+                <a:gd name="GluePoint2Y" fmla="*/ 309.234276065851 h 2369"/>
+                <a:gd name="GluePoint3X" fmla="*/ 2280.39577167019 w 2365"/>
+                <a:gd name="GluePoint3Y" fmla="*/ 1068.44406922752 h 2369"/>
+                <a:gd name="GluePoint4X" fmla="*/ 1941.27019027484 w 2365"/>
+                <a:gd name="GluePoint4Y" fmla="*/ 1828.6449978894 h 2369"/>
+                <a:gd name="GluePoint5X" fmla="*/ 1134.72811839323 w 2365"/>
+                <a:gd name="GluePoint5Y" fmla="*/ 2148.78176445758 h 2369"/>
+                <a:gd name="GluePoint6X" fmla="*/ 325.202536997886 w 2365"/>
+                <a:gd name="GluePoint6Y" fmla="*/ 1828.6449978894 h 2369"/>
                 <a:gd name="GluePoint7X" fmla="*/ 0 w 2365"/>
-                <a:gd name="GluePoint7Y" fmla="*/ 1088.20177289996 h 2369"/>
-                <a:gd name="GluePoint8X" fmla="*/ 329.460465116279 w 2365"/>
-                <a:gd name="GluePoint8Y" fmla="*/ 315.449556775011 h 2369"/>
-                <a:gd name="GluePoint9X" fmla="*/ 1147.63720930233 w 2365"/>
+                <a:gd name="GluePoint7Y" fmla="*/ 1068.44406922752 h 2369"/>
+                <a:gd name="GluePoint8X" fmla="*/ 325.202536997886 w 2365"/>
+                <a:gd name="GluePoint8Y" fmla="*/ 309.234276065851 h 2369"/>
+                <a:gd name="GluePoint9X" fmla="*/ 1134.72811839323 w 2365"/>
                 <a:gd name="GluePoint9Y" fmla="*/ 0 h 2369"/>
               </a:gdLst>
               <a:ahLst/>
@@ -13333,39 +15288,39 @@
         </p:sp>
         <p:sp>
           <p:nvSpPr>
-            <p:cNvPr id="113" name="Freeform 9"/>
+            <p:cNvPr id="123" name="Freeform 9"/>
             <p:cNvSpPr/>
             <p:nvPr/>
           </p:nvSpPr>
           <p:spPr>
             <a:xfrm>
               <a:off x="9544320" y="3747240"/>
-              <a:ext cx="344520" cy="343440"/>
+              <a:ext cx="343800" cy="342720"/>
             </a:xfrm>
             <a:custGeom>
               <a:avLst/>
               <a:gdLst>
-                <a:gd name="textAreaLeft" fmla="*/ 0 w 344520"/>
-                <a:gd name="textAreaRight" fmla="*/ 350280 w 344520"/>
-                <a:gd name="textAreaTop" fmla="*/ 0 h 343440"/>
-                <a:gd name="textAreaBottom" fmla="*/ 349200 h 343440"/>
-                <a:gd name="GluePoint1X" fmla="*/ 442.457731958763 w 970"/>
+                <a:gd name="textAreaLeft" fmla="*/ 0 w 343800"/>
+                <a:gd name="textAreaRight" fmla="*/ 350280 w 343800"/>
+                <a:gd name="textAreaTop" fmla="*/ 0 h 342720"/>
+                <a:gd name="textAreaBottom" fmla="*/ 349200 h 342720"/>
+                <a:gd name="GluePoint1X" fmla="*/ 429.707216494845 w 970"/>
                 <a:gd name="GluePoint1Y" fmla="*/ 0 h 973"/>
-                <a:gd name="GluePoint2X" fmla="*/ 760.474226804124 w 970"/>
-                <a:gd name="GluePoint2Y" fmla="*/ 113.854059609455 h 973"/>
-                <a:gd name="GluePoint3X" fmla="*/ 895.779381443299 w 970"/>
-                <a:gd name="GluePoint3Y" fmla="*/ 402.415210688592 h 973"/>
-                <a:gd name="GluePoint4X" fmla="*/ 760.474226804124 w 970"/>
-                <a:gd name="GluePoint4Y" fmla="*/ 690.976361767729 h 973"/>
-                <a:gd name="GluePoint5X" fmla="*/ 442.457731958763 w 970"/>
-                <a:gd name="GluePoint5Y" fmla="*/ 813.663926002056 h 973"/>
-                <a:gd name="GluePoint6X" fmla="*/ 126.416494845361 w 970"/>
-                <a:gd name="GluePoint6Y" fmla="*/ 690.976361767729 h 973"/>
+                <a:gd name="GluePoint2X" fmla="*/ 738.18969072165 w 970"/>
+                <a:gd name="GluePoint2Y" fmla="*/ 107.738951695786 h 973"/>
+                <a:gd name="GluePoint3X" fmla="*/ 870.255670103093 w 970"/>
+                <a:gd name="GluePoint3Y" fmla="*/ 385.901336073998 h 973"/>
+                <a:gd name="GluePoint4X" fmla="*/ 738.18969072165 w 970"/>
+                <a:gd name="GluePoint4Y" fmla="*/ 662.104830421377 h 973"/>
+                <a:gd name="GluePoint5X" fmla="*/ 429.707216494845 w 970"/>
+                <a:gd name="GluePoint5Y" fmla="*/ 780.617677286742 h 973"/>
+                <a:gd name="GluePoint6X" fmla="*/ 122.210309278351 w 970"/>
+                <a:gd name="GluePoint6Y" fmla="*/ 662.104830421377 h 973"/>
                 <a:gd name="GluePoint7X" fmla="*/ 0 w 970"/>
-                <a:gd name="GluePoint7Y" fmla="*/ 402.415210688592 h 973"/>
-                <a:gd name="GluePoint8X" fmla="*/ 126.416494845361 w 970"/>
-                <a:gd name="GluePoint8Y" fmla="*/ 113.854059609455 h 973"/>
-                <a:gd name="GluePoint9X" fmla="*/ 442.457731958763 w 970"/>
+                <a:gd name="GluePoint7Y" fmla="*/ 385.901336073998 h 973"/>
+                <a:gd name="GluePoint8X" fmla="*/ 122.210309278351 w 970"/>
+                <a:gd name="GluePoint8Y" fmla="*/ 107.738951695786 h 973"/>
+                <a:gd name="GluePoint9X" fmla="*/ 429.707216494845 w 970"/>
                 <a:gd name="GluePoint9Y" fmla="*/ 0 h 973"/>
               </a:gdLst>
               <a:ahLst/>
@@ -13484,30 +15439,30 @@
         </p:sp>
         <p:sp>
           <p:nvSpPr>
-            <p:cNvPr id="114" name="Freeform 10"/>
+            <p:cNvPr id="124" name="Freeform 10"/>
             <p:cNvSpPr/>
             <p:nvPr/>
           </p:nvSpPr>
           <p:spPr>
             <a:xfrm>
               <a:off x="8568720" y="2715480"/>
-              <a:ext cx="323280" cy="380160"/>
+              <a:ext cx="322560" cy="379440"/>
             </a:xfrm>
             <a:custGeom>
               <a:avLst/>
               <a:gdLst>
-                <a:gd name="textAreaLeft" fmla="*/ 0 w 323280"/>
-                <a:gd name="textAreaRight" fmla="*/ 329040 w 323280"/>
-                <a:gd name="textAreaTop" fmla="*/ 0 h 380160"/>
-                <a:gd name="textAreaBottom" fmla="*/ 385920 h 380160"/>
-                <a:gd name="GluePoint1X" fmla="*/ 39.4151119402985 w 1072"/>
-                <a:gd name="GluePoint1Y" fmla="*/ 2460.93654266958 h 914"/>
+                <a:gd name="textAreaLeft" fmla="*/ 0 w 322560"/>
+                <a:gd name="textAreaRight" fmla="*/ 329040 w 322560"/>
+                <a:gd name="textAreaTop" fmla="*/ 0 h 379440"/>
+                <a:gd name="textAreaBottom" fmla="*/ 385920 h 379440"/>
+                <a:gd name="GluePoint1X" fmla="*/ 26.7761194029851 w 1072"/>
+                <a:gd name="GluePoint1Y" fmla="*/ 3280.42669584245 h 914"/>
                 <a:gd name="GluePoint2X" fmla="*/ 0 w 1072"/>
-                <a:gd name="GluePoint2Y" fmla="*/ 1525.36433260394 h 914"/>
-                <a:gd name="GluePoint3X" fmla="*/ 70.4440298507463 w 1072"/>
-                <a:gd name="GluePoint3Y" fmla="*/ 10453.1980306346 h 914"/>
-                <a:gd name="GluePoint4X" fmla="*/ 39.4151119402985 w 1072"/>
-                <a:gd name="GluePoint4Y" fmla="*/ 2460.93654266958 h 914"/>
+                <a:gd name="GluePoint2Y" fmla="*/ 2032.66411378556 h 914"/>
+                <a:gd name="GluePoint3X" fmla="*/ 48.5317164179104 w 1072"/>
+                <a:gd name="GluePoint3Y" fmla="*/ 13938.9277899344 h 914"/>
+                <a:gd name="GluePoint4X" fmla="*/ 26.7761194029851 w 1072"/>
+                <a:gd name="GluePoint4Y" fmla="*/ 3280.42669584245 h 914"/>
               </a:gdLst>
               <a:ahLst/>
               <a:cxnLst>
@@ -13584,30 +15539,30 @@
         </p:sp>
         <p:sp>
           <p:nvSpPr>
-            <p:cNvPr id="115" name="Freeform 11"/>
+            <p:cNvPr id="125" name="Freeform 11"/>
             <p:cNvSpPr/>
             <p:nvPr/>
           </p:nvSpPr>
           <p:spPr>
             <a:xfrm>
               <a:off x="8510760" y="2772360"/>
-              <a:ext cx="380880" cy="323280"/>
+              <a:ext cx="380160" cy="322560"/>
             </a:xfrm>
             <a:custGeom>
               <a:avLst/>
               <a:gdLst>
-                <a:gd name="textAreaLeft" fmla="*/ 0 w 380880"/>
-                <a:gd name="textAreaRight" fmla="*/ 386640 w 380880"/>
-                <a:gd name="textAreaTop" fmla="*/ 0 h 323280"/>
-                <a:gd name="textAreaBottom" fmla="*/ 329040 h 323280"/>
-                <a:gd name="GluePoint1X" fmla="*/ 2500.352297593 w 914"/>
-                <a:gd name="GluePoint1Y" fmla="*/ 39.3417132216015 h 1074"/>
-                <a:gd name="GluePoint2X" fmla="*/ 1563.00984682713 w 914"/>
+                <a:gd name="textAreaLeft" fmla="*/ 0 w 380160"/>
+                <a:gd name="textAreaRight" fmla="*/ 386640 w 380160"/>
+                <a:gd name="textAreaTop" fmla="*/ 0 h 322560"/>
+                <a:gd name="textAreaBottom" fmla="*/ 329040 h 322560"/>
+                <a:gd name="GluePoint1X" fmla="*/ 3345.62472647702 w 914"/>
+                <a:gd name="GluePoint1Y" fmla="*/ 26.7262569832402 h 1074"/>
+                <a:gd name="GluePoint2X" fmla="*/ 2092.02735229759 w 914"/>
                 <a:gd name="GluePoint2Y" fmla="*/ 0 h 1074"/>
-                <a:gd name="GluePoint3X" fmla="*/ 10760.3205689278 w 914"/>
-                <a:gd name="GluePoint3Y" fmla="*/ 68.6387337057728 h 1074"/>
-                <a:gd name="GluePoint4X" fmla="*/ 2500.352297593 w 914"/>
-                <a:gd name="GluePoint4Y" fmla="*/ 39.3417132216015 h 1074"/>
+                <a:gd name="GluePoint3X" fmla="*/ 14403.6487964989 w 914"/>
+                <a:gd name="GluePoint3Y" fmla="*/ 46.7709497206704 h 1074"/>
+                <a:gd name="GluePoint4X" fmla="*/ 3345.62472647702 w 914"/>
+                <a:gd name="GluePoint4Y" fmla="*/ 26.7262569832402 h 1074"/>
               </a:gdLst>
               <a:ahLst/>
               <a:cxnLst>
@@ -13684,7 +15639,7 @@
         </p:sp>
         <p:sp>
           <p:nvSpPr>
-            <p:cNvPr id="116" name="Line 4"/>
+            <p:cNvPr id="126" name="Line 4"/>
             <p:cNvSpPr/>
             <p:nvPr/>
           </p:nvSpPr>
@@ -13728,7 +15683,7 @@
         </p:sp>
         <p:sp>
           <p:nvSpPr>
-            <p:cNvPr id="117" name="Line 5"/>
+            <p:cNvPr id="127" name="Line 5"/>
             <p:cNvSpPr/>
             <p:nvPr/>
           </p:nvSpPr>
@@ -13769,7 +15724,7 @@
         </p:sp>
         <p:sp>
           <p:nvSpPr>
-            <p:cNvPr id="118" name="Line 6"/>
+            <p:cNvPr id="128" name="Line 6"/>
             <p:cNvSpPr/>
             <p:nvPr/>
           </p:nvSpPr>
@@ -13811,14 +15766,14 @@
       </p:grpSp>
       <p:sp>
         <p:nvSpPr>
-          <p:cNvPr id="119" name="Rectangle: Rounded Corners 3"/>
+          <p:cNvPr id="129" name="Rectangle: Rounded Corners 3"/>
           <p:cNvSpPr/>
           <p:nvPr/>
         </p:nvSpPr>
         <p:spPr>
           <a:xfrm>
             <a:off x="1218240" y="1308600"/>
-            <a:ext cx="6157080" cy="2466720"/>
+            <a:ext cx="6156360" cy="2466000"/>
           </a:xfrm>
           <a:prstGeom prst="roundRect">
             <a:avLst>
@@ -13875,7 +15830,7 @@
       </p:sp>
       <p:sp>
         <p:nvSpPr>
-          <p:cNvPr id="120" name="PlaceHolder 2"/>
+          <p:cNvPr id="130" name="PlaceHolder 2"/>
           <p:cNvSpPr>
             <a:spLocks noGrp="1"/>
           </p:cNvSpPr>
@@ -13886,7 +15841,7 @@
         <p:spPr>
           <a:xfrm>
             <a:off x="1440000" y="1308600"/>
-            <a:ext cx="2515320" cy="556560"/>
+            <a:ext cx="2514600" cy="555840"/>
           </a:xfrm>
           <a:prstGeom prst="rect">
             <a:avLst/>
@@ -13935,7 +15890,7 @@
       </p:sp>
       <p:sp>
         <p:nvSpPr>
-          <p:cNvPr id="121" name="PlaceHolder 3"/>
+          <p:cNvPr id="131" name="PlaceHolder 3"/>
           <p:cNvSpPr>
             <a:spLocks noGrp="1"/>
           </p:cNvSpPr>
@@ -13946,7 +15901,7 @@
         <p:spPr>
           <a:xfrm>
             <a:off x="1440000" y="4658400"/>
-            <a:ext cx="5395320" cy="1636920"/>
+            <a:ext cx="5394600" cy="1636200"/>
           </a:xfrm>
           <a:prstGeom prst="rect">
             <a:avLst/>
@@ -13961,7 +15916,7 @@
             <a:normAutofit/>
           </a:bodyPr>
           <a:p>
-            <a:pPr indent="0">
+            <a:pPr indent="0" algn="just">
               <a:lnSpc>
                 <a:spcPct val="100000"/>
               </a:lnSpc>
@@ -13995,7 +15950,7 @@
       </p:sp>
       <p:sp>
         <p:nvSpPr>
-          <p:cNvPr id="122" name="PlaceHolder 4"/>
+          <p:cNvPr id="132" name="PlaceHolder 4"/>
           <p:cNvSpPr>
             <a:spLocks noGrp="1"/>
           </p:cNvSpPr>
@@ -14006,7 +15961,7 @@
         <p:spPr>
           <a:xfrm>
             <a:off x="1440000" y="3960000"/>
-            <a:ext cx="2515320" cy="556560"/>
+            <a:ext cx="2514600" cy="555840"/>
           </a:xfrm>
           <a:prstGeom prst="rect">
             <a:avLst/>
@@ -14055,7 +16010,7 @@
       </p:sp>
       <p:sp>
         <p:nvSpPr>
-          <p:cNvPr id="123" name="PlaceHolder 5"/>
+          <p:cNvPr id="133" name="PlaceHolder 5"/>
           <p:cNvSpPr>
             <a:spLocks noGrp="1"/>
           </p:cNvSpPr>
@@ -14066,7 +16021,7 @@
         <p:spPr>
           <a:xfrm>
             <a:off x="1440000" y="1980000"/>
-            <a:ext cx="5395320" cy="1636920"/>
+            <a:ext cx="5394600" cy="1636200"/>
           </a:xfrm>
           <a:prstGeom prst="rect">
             <a:avLst/>
@@ -14081,7 +16036,7 @@
             <a:normAutofit fontScale="92500" lnSpcReduction="19999"/>
           </a:bodyPr>
           <a:p>
-            <a:pPr indent="0">
+            <a:pPr indent="0" algn="just">
               <a:lnSpc>
                 <a:spcPct val="100000"/>
               </a:lnSpc>
@@ -14115,14 +16070,14 @@
       </p:sp>
       <p:sp>
         <p:nvSpPr>
-          <p:cNvPr id="124" name="Rectangle: Rounded Corners 2"/>
+          <p:cNvPr id="134" name="Rectangle: Rounded Corners 2"/>
           <p:cNvSpPr/>
           <p:nvPr/>
         </p:nvSpPr>
         <p:spPr>
           <a:xfrm>
             <a:off x="-178200" y="129960"/>
-            <a:ext cx="896040" cy="767160"/>
+            <a:ext cx="895320" cy="766440"/>
           </a:xfrm>
           <a:prstGeom prst="roundRect">
             <a:avLst>
@@ -14179,18 +16134,18 @@
       </p:sp>
       <p:sp>
         <p:nvSpPr>
-          <p:cNvPr id="125" name="PlaceHolder 6"/>
+          <p:cNvPr id="135" name="PlaceHolder 6"/>
           <p:cNvSpPr>
             <a:spLocks noGrp="1"/>
           </p:cNvSpPr>
           <p:nvPr>
-            <p:ph type="sldNum" idx="49"/>
+            <p:ph type="sldNum" idx="55"/>
           </p:nvPr>
         </p:nvSpPr>
         <p:spPr>
           <a:xfrm>
             <a:off x="-360000" y="360360"/>
-            <a:ext cx="1077840" cy="359640"/>
+            <a:ext cx="1077120" cy="358920"/>
           </a:xfrm>
           <a:prstGeom prst="rect">
             <a:avLst/>
@@ -14244,7 +16199,7 @@
               </a:rPr>
               <a:t>0</a:t>
             </a:r>
-            <a:fld id="{B4DA55FE-A065-4C37-9E24-2CF9E4CF9084}" type="slidenum">
+            <a:fld id="{6002AC8F-179E-49C1-BEEC-7A19DCA00773}" type="slidenum">
               <a:rPr b="1" lang="ru-RU" sz="3600" strike="noStrike" u="none">
                 <a:solidFill>
                   <a:srgbClr val="000000"/>
@@ -14253,7 +16208,7 @@
                 <a:uFillTx/>
                 <a:latin typeface="Calibri"/>
               </a:rPr>
-              <a:t>&lt;номер&gt;</a:t>
+              <a:t>2</a:t>
             </a:fld>
             <a:endParaRPr b="0" lang="ru-RU" sz="3600" strike="noStrike" u="none">
               <a:solidFill>
@@ -14298,7 +16253,7 @@
       </p:grpSpPr>
       <p:sp>
         <p:nvSpPr>
-          <p:cNvPr id="126" name="Line 30"/>
+          <p:cNvPr id="136" name="Line 30"/>
           <p:cNvSpPr/>
           <p:nvPr/>
         </p:nvSpPr>
@@ -14342,7 +16297,7 @@
       </p:sp>
       <p:sp>
         <p:nvSpPr>
-          <p:cNvPr id="127" name="PlaceHolder 1"/>
+          <p:cNvPr id="137" name="PlaceHolder 1"/>
           <p:cNvSpPr>
             <a:spLocks noGrp="1"/>
           </p:cNvSpPr>
@@ -14353,7 +16308,7 @@
         <p:spPr>
           <a:xfrm>
             <a:off x="838080" y="274320"/>
-            <a:ext cx="10510200" cy="556560"/>
+            <a:ext cx="10509480" cy="555840"/>
           </a:xfrm>
           <a:prstGeom prst="rect">
             <a:avLst/>
@@ -14405,14 +16360,14 @@
       </p:sp>
       <p:sp>
         <p:nvSpPr>
-          <p:cNvPr id="128" name="TextBox 7"/>
+          <p:cNvPr id="138" name="TextBox 7"/>
           <p:cNvSpPr/>
           <p:nvPr/>
         </p:nvSpPr>
         <p:spPr>
           <a:xfrm>
             <a:off x="1242720" y="2050200"/>
-            <a:ext cx="1095120" cy="914400"/>
+            <a:ext cx="1094400" cy="915120"/>
           </a:xfrm>
           <a:prstGeom prst="rect">
             <a:avLst/>
@@ -14463,14 +16418,14 @@
       </p:sp>
       <p:sp>
         <p:nvSpPr>
-          <p:cNvPr id="129" name="TextBox 11"/>
+          <p:cNvPr id="139" name="TextBox 11"/>
           <p:cNvSpPr/>
           <p:nvPr/>
         </p:nvSpPr>
         <p:spPr>
           <a:xfrm>
             <a:off x="1242720" y="3436920"/>
-            <a:ext cx="1095120" cy="914400"/>
+            <a:ext cx="1094400" cy="915120"/>
           </a:xfrm>
           <a:prstGeom prst="rect">
             <a:avLst/>
@@ -14521,14 +16476,14 @@
       </p:sp>
       <p:sp>
         <p:nvSpPr>
-          <p:cNvPr id="130" name="TextBox 15"/>
+          <p:cNvPr id="140" name="TextBox 15"/>
           <p:cNvSpPr/>
           <p:nvPr/>
         </p:nvSpPr>
         <p:spPr>
           <a:xfrm>
             <a:off x="1242720" y="4819320"/>
-            <a:ext cx="1095120" cy="914400"/>
+            <a:ext cx="1094400" cy="915120"/>
           </a:xfrm>
           <a:prstGeom prst="rect">
             <a:avLst/>
@@ -14579,14 +16534,14 @@
       </p:sp>
       <p:sp>
         <p:nvSpPr>
-          <p:cNvPr id="131" name="TextBox 19"/>
+          <p:cNvPr id="141" name="TextBox 19"/>
           <p:cNvSpPr/>
           <p:nvPr/>
         </p:nvSpPr>
         <p:spPr>
           <a:xfrm>
             <a:off x="6479280" y="2050200"/>
-            <a:ext cx="1095120" cy="914400"/>
+            <a:ext cx="1094400" cy="915120"/>
           </a:xfrm>
           <a:prstGeom prst="rect">
             <a:avLst/>
@@ -14637,14 +16592,14 @@
       </p:sp>
       <p:sp>
         <p:nvSpPr>
-          <p:cNvPr id="132" name="TextBox 23"/>
+          <p:cNvPr id="142" name="TextBox 23"/>
           <p:cNvSpPr/>
           <p:nvPr/>
         </p:nvSpPr>
         <p:spPr>
           <a:xfrm>
             <a:off x="6479280" y="3436920"/>
-            <a:ext cx="1095120" cy="914400"/>
+            <a:ext cx="1094400" cy="915120"/>
           </a:xfrm>
           <a:prstGeom prst="rect">
             <a:avLst/>
@@ -14695,14 +16650,14 @@
       </p:sp>
       <p:sp>
         <p:nvSpPr>
-          <p:cNvPr id="133" name="TextBox 27"/>
+          <p:cNvPr id="143" name="TextBox 27"/>
           <p:cNvSpPr/>
           <p:nvPr/>
         </p:nvSpPr>
         <p:spPr>
           <a:xfrm>
             <a:off x="6479280" y="4819320"/>
-            <a:ext cx="1095120" cy="914400"/>
+            <a:ext cx="1094400" cy="915120"/>
           </a:xfrm>
           <a:prstGeom prst="rect">
             <a:avLst/>
@@ -14753,14 +16708,14 @@
       </p:sp>
       <p:sp>
         <p:nvSpPr>
-          <p:cNvPr id="134" name="Rectangle: Rounded Corners 4"/>
+          <p:cNvPr id="144" name="Rectangle: Rounded Corners 4"/>
           <p:cNvSpPr/>
           <p:nvPr/>
         </p:nvSpPr>
         <p:spPr>
           <a:xfrm>
             <a:off x="2080080" y="1964160"/>
-            <a:ext cx="165600" cy="165600"/>
+            <a:ext cx="164880" cy="164880"/>
           </a:xfrm>
           <a:prstGeom prst="roundRect">
             <a:avLst>
@@ -14817,14 +16772,14 @@
       </p:sp>
       <p:sp>
         <p:nvSpPr>
-          <p:cNvPr id="135" name="Rectangle: Rounded Corners 8"/>
+          <p:cNvPr id="145" name="Rectangle: Rounded Corners 8"/>
           <p:cNvSpPr/>
           <p:nvPr/>
         </p:nvSpPr>
         <p:spPr>
           <a:xfrm>
             <a:off x="2080080" y="3350880"/>
-            <a:ext cx="165600" cy="165600"/>
+            <a:ext cx="164880" cy="164880"/>
           </a:xfrm>
           <a:prstGeom prst="roundRect">
             <a:avLst>
@@ -14881,14 +16836,14 @@
       </p:sp>
       <p:sp>
         <p:nvSpPr>
-          <p:cNvPr id="136" name="Rectangle: Rounded Corners 12"/>
+          <p:cNvPr id="146" name="Rectangle: Rounded Corners 12"/>
           <p:cNvSpPr/>
           <p:nvPr/>
         </p:nvSpPr>
         <p:spPr>
           <a:xfrm>
             <a:off x="2080080" y="4733280"/>
-            <a:ext cx="165600" cy="165600"/>
+            <a:ext cx="164880" cy="164880"/>
           </a:xfrm>
           <a:prstGeom prst="roundRect">
             <a:avLst>
@@ -14945,14 +16900,14 @@
       </p:sp>
       <p:sp>
         <p:nvSpPr>
-          <p:cNvPr id="137" name="Rectangle: Rounded Corners 16"/>
+          <p:cNvPr id="147" name="Rectangle: Rounded Corners 16"/>
           <p:cNvSpPr/>
           <p:nvPr/>
         </p:nvSpPr>
         <p:spPr>
           <a:xfrm>
             <a:off x="7316640" y="1964160"/>
-            <a:ext cx="165600" cy="165600"/>
+            <a:ext cx="164880" cy="164880"/>
           </a:xfrm>
           <a:prstGeom prst="roundRect">
             <a:avLst>
@@ -15009,14 +16964,14 @@
       </p:sp>
       <p:sp>
         <p:nvSpPr>
-          <p:cNvPr id="138" name="Rectangle: Rounded Corners 20"/>
+          <p:cNvPr id="148" name="Rectangle: Rounded Corners 20"/>
           <p:cNvSpPr/>
           <p:nvPr/>
         </p:nvSpPr>
         <p:spPr>
           <a:xfrm>
             <a:off x="7316640" y="3350880"/>
-            <a:ext cx="165600" cy="165600"/>
+            <a:ext cx="164880" cy="164880"/>
           </a:xfrm>
           <a:prstGeom prst="roundRect">
             <a:avLst>
@@ -15073,14 +17028,14 @@
       </p:sp>
       <p:sp>
         <p:nvSpPr>
-          <p:cNvPr id="139" name="Rectangle: Rounded Corners 24"/>
+          <p:cNvPr id="149" name="Rectangle: Rounded Corners 24"/>
           <p:cNvSpPr/>
           <p:nvPr/>
         </p:nvSpPr>
         <p:spPr>
           <a:xfrm>
             <a:off x="7316640" y="4733280"/>
-            <a:ext cx="165600" cy="165600"/>
+            <a:ext cx="164880" cy="164880"/>
           </a:xfrm>
           <a:prstGeom prst="roundRect">
             <a:avLst>
@@ -15137,14 +17092,14 @@
       </p:sp>
       <p:sp>
         <p:nvSpPr>
-          <p:cNvPr id="140" name="TextBox 6"/>
+          <p:cNvPr id="150" name="TextBox 6"/>
           <p:cNvSpPr/>
           <p:nvPr/>
         </p:nvSpPr>
         <p:spPr>
           <a:xfrm>
             <a:off x="2253240" y="2062440"/>
-            <a:ext cx="4041360" cy="502920"/>
+            <a:ext cx="4040640" cy="503640"/>
           </a:xfrm>
           <a:prstGeom prst="rect">
             <a:avLst/>
@@ -15195,14 +17150,14 @@
       </p:sp>
       <p:sp>
         <p:nvSpPr>
-          <p:cNvPr id="141" name="TextBox 3"/>
+          <p:cNvPr id="151" name="TextBox 3"/>
           <p:cNvSpPr/>
           <p:nvPr/>
         </p:nvSpPr>
         <p:spPr>
           <a:xfrm>
-            <a:off x="2269080" y="2438280"/>
-            <a:ext cx="3439800" cy="914400"/>
+            <a:off x="2261160" y="2430360"/>
+            <a:ext cx="3858480" cy="913680"/>
           </a:xfrm>
           <a:prstGeom prst="rect">
             <a:avLst/>
@@ -15229,7 +17184,7 @@
               </a:lnSpc>
             </a:pPr>
             <a:r>
-              <a:rPr b="0" lang="en-US" sz="1200" strike="noStrike" u="none">
+              <a:rPr b="1" lang="en-US" sz="1200" strike="noStrike" u="none">
                 <a:solidFill>
                   <a:srgbClr val="000000"/>
                 </a:solidFill>
@@ -15253,14 +17208,14 @@
       </p:sp>
       <p:sp>
         <p:nvSpPr>
-          <p:cNvPr id="142" name="TextBox 10"/>
+          <p:cNvPr id="152" name="TextBox 10"/>
           <p:cNvSpPr/>
           <p:nvPr/>
         </p:nvSpPr>
         <p:spPr>
           <a:xfrm>
             <a:off x="2253240" y="3449160"/>
-            <a:ext cx="3837240" cy="502920"/>
+            <a:ext cx="3836520" cy="503640"/>
           </a:xfrm>
           <a:prstGeom prst="rect">
             <a:avLst/>
@@ -15311,14 +17266,14 @@
       </p:sp>
       <p:sp>
         <p:nvSpPr>
-          <p:cNvPr id="143" name="TextBox 9"/>
+          <p:cNvPr id="153" name="TextBox 9"/>
           <p:cNvSpPr/>
           <p:nvPr/>
         </p:nvSpPr>
         <p:spPr>
           <a:xfrm>
             <a:off x="2267280" y="3848400"/>
-            <a:ext cx="3439800" cy="640080"/>
+            <a:ext cx="3852360" cy="639360"/>
           </a:xfrm>
           <a:prstGeom prst="rect">
             <a:avLst/>
@@ -15345,7 +17300,7 @@
               </a:lnSpc>
             </a:pPr>
             <a:r>
-              <a:rPr b="0" lang="en-US" sz="1200" strike="noStrike" u="none">
+              <a:rPr b="1" lang="en-US" sz="1200" strike="noStrike" u="none">
                 <a:solidFill>
                   <a:srgbClr val="000000"/>
                 </a:solidFill>
@@ -15354,7 +17309,7 @@
                 <a:latin typeface="Open Sans"/>
                 <a:ea typeface="DejaVu Sans"/>
               </a:rPr>
-              <a:t>Спроектировать, как и какие данные мы будем использовать</a:t>
+              <a:t>Спроектировать, базу данных удовлетворяющую потребностям проекта </a:t>
             </a:r>
             <a:endParaRPr b="0" lang="ru-RU" sz="1200" strike="noStrike" u="none">
               <a:solidFill>
@@ -15369,14 +17324,14 @@
       </p:sp>
       <p:sp>
         <p:nvSpPr>
-          <p:cNvPr id="144" name="TextBox 13"/>
+          <p:cNvPr id="154" name="TextBox 13"/>
           <p:cNvSpPr/>
           <p:nvPr/>
         </p:nvSpPr>
         <p:spPr>
           <a:xfrm>
             <a:off x="2267280" y="5230800"/>
-            <a:ext cx="3439800" cy="640080"/>
+            <a:ext cx="3439080" cy="639360"/>
           </a:xfrm>
           <a:prstGeom prst="rect">
             <a:avLst/>
@@ -15403,7 +17358,7 @@
               </a:lnSpc>
             </a:pPr>
             <a:r>
-              <a:rPr b="0" lang="en-US" sz="1200" strike="noStrike" u="none">
+              <a:rPr b="1" lang="en-US" sz="1200" strike="noStrike" u="none">
                 <a:solidFill>
                   <a:srgbClr val="000000"/>
                 </a:solidFill>
@@ -15427,14 +17382,14 @@
       </p:sp>
       <p:sp>
         <p:nvSpPr>
-          <p:cNvPr id="145" name="TextBox 21"/>
+          <p:cNvPr id="155" name="TextBox 21"/>
           <p:cNvSpPr/>
           <p:nvPr/>
         </p:nvSpPr>
         <p:spPr>
           <a:xfrm>
             <a:off x="7503840" y="3848400"/>
-            <a:ext cx="3439800" cy="640080"/>
+            <a:ext cx="3655800" cy="639360"/>
           </a:xfrm>
           <a:prstGeom prst="rect">
             <a:avLst/>
@@ -15461,7 +17416,7 @@
               </a:lnSpc>
             </a:pPr>
             <a:r>
-              <a:rPr b="0" lang="en-US" sz="1200" strike="noStrike" u="none">
+              <a:rPr b="1" lang="en-US" sz="1200" strike="noStrike" u="none">
                 <a:solidFill>
                   <a:srgbClr val="000000"/>
                 </a:solidFill>
@@ -15485,14 +17440,14 @@
       </p:sp>
       <p:sp>
         <p:nvSpPr>
-          <p:cNvPr id="146" name="TextBox 25"/>
+          <p:cNvPr id="156" name="TextBox 25"/>
           <p:cNvSpPr/>
           <p:nvPr/>
         </p:nvSpPr>
         <p:spPr>
           <a:xfrm>
             <a:off x="7503840" y="5230800"/>
-            <a:ext cx="3439800" cy="640080"/>
+            <a:ext cx="3655800" cy="639360"/>
           </a:xfrm>
           <a:prstGeom prst="rect">
             <a:avLst/>
@@ -15519,7 +17474,7 @@
               </a:lnSpc>
             </a:pPr>
             <a:r>
-              <a:rPr b="0" lang="en-US" sz="1200" strike="noStrike" u="none">
+              <a:rPr b="1" lang="en-US" sz="1200" strike="noStrike" u="none">
                 <a:solidFill>
                   <a:srgbClr val="000000"/>
                 </a:solidFill>
@@ -15543,14 +17498,14 @@
       </p:sp>
       <p:sp>
         <p:nvSpPr>
-          <p:cNvPr id="147" name="TextBox 4"/>
+          <p:cNvPr id="157" name="TextBox 4"/>
           <p:cNvSpPr/>
           <p:nvPr/>
         </p:nvSpPr>
         <p:spPr>
           <a:xfrm>
             <a:off x="7503840" y="2461680"/>
-            <a:ext cx="3439800" cy="640080"/>
+            <a:ext cx="3655800" cy="639360"/>
           </a:xfrm>
           <a:prstGeom prst="rect">
             <a:avLst/>
@@ -15577,7 +17532,7 @@
               </a:lnSpc>
             </a:pPr>
             <a:r>
-              <a:rPr b="0" lang="en-US" sz="1200" strike="noStrike" u="none">
+              <a:rPr b="1" lang="en-US" sz="1200" strike="noStrike" u="none">
                 <a:solidFill>
                   <a:srgbClr val="000000"/>
                 </a:solidFill>
@@ -15601,14 +17556,14 @@
       </p:sp>
       <p:sp>
         <p:nvSpPr>
-          <p:cNvPr id="148" name="TextBox 14"/>
+          <p:cNvPr id="158" name="TextBox 14"/>
           <p:cNvSpPr/>
           <p:nvPr/>
         </p:nvSpPr>
         <p:spPr>
           <a:xfrm>
             <a:off x="2253240" y="4831200"/>
-            <a:ext cx="3861360" cy="502920"/>
+            <a:ext cx="3860640" cy="503640"/>
           </a:xfrm>
           <a:prstGeom prst="rect">
             <a:avLst/>
@@ -15659,14 +17614,14 @@
       </p:sp>
       <p:sp>
         <p:nvSpPr>
-          <p:cNvPr id="149" name="TextBox 18"/>
+          <p:cNvPr id="159" name="TextBox 18"/>
           <p:cNvSpPr/>
           <p:nvPr/>
         </p:nvSpPr>
         <p:spPr>
           <a:xfrm>
             <a:off x="7489800" y="2062440"/>
-            <a:ext cx="4744800" cy="502920"/>
+            <a:ext cx="4744080" cy="503640"/>
           </a:xfrm>
           <a:prstGeom prst="rect">
             <a:avLst/>
@@ -15717,14 +17672,14 @@
       </p:sp>
       <p:sp>
         <p:nvSpPr>
-          <p:cNvPr id="150" name="TextBox 22"/>
+          <p:cNvPr id="160" name="TextBox 22"/>
           <p:cNvSpPr/>
           <p:nvPr/>
         </p:nvSpPr>
         <p:spPr>
           <a:xfrm>
             <a:off x="7489800" y="3449160"/>
-            <a:ext cx="4744800" cy="502920"/>
+            <a:ext cx="4744080" cy="503640"/>
           </a:xfrm>
           <a:prstGeom prst="rect">
             <a:avLst/>
@@ -15775,14 +17730,14 @@
       </p:sp>
       <p:sp>
         <p:nvSpPr>
-          <p:cNvPr id="151" name="TextBox 26"/>
+          <p:cNvPr id="161" name="TextBox 26"/>
           <p:cNvSpPr/>
           <p:nvPr/>
         </p:nvSpPr>
         <p:spPr>
           <a:xfrm>
             <a:off x="7489800" y="4831200"/>
-            <a:ext cx="4698360" cy="365760"/>
+            <a:ext cx="4697640" cy="366480"/>
           </a:xfrm>
           <a:prstGeom prst="rect">
             <a:avLst/>
@@ -15836,14 +17791,14 @@
       </p:sp>
       <p:sp>
         <p:nvSpPr>
-          <p:cNvPr id="152" name="Rectangle: Rounded Corners 1"/>
+          <p:cNvPr id="162" name="Rectangle: Rounded Corners 1"/>
           <p:cNvSpPr/>
           <p:nvPr/>
         </p:nvSpPr>
         <p:spPr>
           <a:xfrm>
             <a:off x="-178560" y="129960"/>
-            <a:ext cx="896040" cy="767160"/>
+            <a:ext cx="895320" cy="766440"/>
           </a:xfrm>
           <a:prstGeom prst="roundRect">
             <a:avLst>
@@ -15900,14 +17855,14 @@
       </p:sp>
       <p:sp>
         <p:nvSpPr>
-          <p:cNvPr id="153" name="PlaceHolder 10"/>
+          <p:cNvPr id="163" name="PlaceHolder 10"/>
           <p:cNvSpPr/>
           <p:nvPr/>
         </p:nvSpPr>
         <p:spPr>
           <a:xfrm>
             <a:off x="-360" y="360000"/>
-            <a:ext cx="2737800" cy="359640"/>
+            <a:ext cx="2737080" cy="358920"/>
           </a:xfrm>
           <a:prstGeom prst="rect">
             <a:avLst/>
@@ -15948,7 +17903,7 @@
               </a:rPr>
               <a:t>0</a:t>
             </a:r>
-            <a:fld id="{25116174-B213-4FA7-AF98-9FCEBF32C85B}" type="slidenum">
+            <a:fld id="{4573D30F-D18C-4C28-A2F0-643FDCDA5F53}" type="slidenum">
               <a:rPr b="1" lang="ru-RU" sz="3600" strike="noStrike" u="none">
                 <a:solidFill>
                   <a:srgbClr val="000000"/>
@@ -16003,7 +17958,7 @@
       </p:grpSpPr>
       <p:sp>
         <p:nvSpPr>
-          <p:cNvPr id="154" name="Line 1"/>
+          <p:cNvPr id="164" name="Line 1"/>
           <p:cNvSpPr/>
           <p:nvPr/>
         </p:nvSpPr>
@@ -16047,14 +18002,14 @@
       </p:sp>
       <p:sp>
         <p:nvSpPr>
-          <p:cNvPr id="155" name="PlaceHolder 9"/>
+          <p:cNvPr id="165" name="PlaceHolder 9"/>
           <p:cNvSpPr/>
           <p:nvPr/>
         </p:nvSpPr>
         <p:spPr>
           <a:xfrm>
             <a:off x="838080" y="274680"/>
-            <a:ext cx="10510200" cy="556560"/>
+            <a:ext cx="10509480" cy="555840"/>
           </a:xfrm>
           <a:prstGeom prst="rect">
             <a:avLst/>
@@ -16111,13 +18066,13 @@
       </p:sp>
       <p:graphicFrame>
         <p:nvGraphicFramePr>
-          <p:cNvPr id="156" name=""/>
+          <p:cNvPr id="166" name=""/>
           <p:cNvGraphicFramePr/>
           <p:nvPr/>
         </p:nvGraphicFramePr>
         <p:xfrm>
           <a:off x="291240" y="1300680"/>
-          <a:ext cx="11609280" cy="4449960"/>
+          <a:ext cx="11609280" cy="4554360"/>
         </p:xfrm>
         <a:graphic>
           <a:graphicData uri="http://schemas.openxmlformats.org/drawingml/2006/table">
@@ -16131,18 +18086,13 @@
                 <a:gridCol w="2071800"/>
                 <a:gridCol w="2286000"/>
               </a:tblGrid>
-              <a:tr h="1006200">
+              <a:tr h="1558440">
                 <a:tc>
                   <a:txBody>
                     <a:bodyPr lIns="36000" rIns="36000" anchor="t">
                       <a:noAutofit/>
                     </a:bodyPr>
                     <a:p>
-                      <a:pPr>
-                        <a:lnSpc>
-                          <a:spcPct val="100000"/>
-                        </a:lnSpc>
-                      </a:pPr>
                       <a:endParaRPr b="0" lang="ru-RU" sz="1800" strike="noStrike" u="none">
                         <a:solidFill>
                           <a:srgbClr val="000000"/>
@@ -16504,7 +18454,7 @@
                   </a:tcPr>
                 </a:tc>
               </a:tr>
-              <a:tr h="764280">
+              <a:tr h="665280">
                 <a:tc>
                   <a:txBody>
                     <a:bodyPr lIns="36000" rIns="36000" anchor="ctr">
@@ -16529,7 +18479,7 @@
                       </a:r>
                       <a:endParaRPr b="0" lang="ru-RU" sz="1800" strike="noStrike" u="none">
                         <a:solidFill>
-                          <a:srgbClr val="ffffff"/>
+                          <a:srgbClr val="000000"/>
                         </a:solidFill>
                         <a:effectLst/>
                         <a:uFillTx/>
@@ -16563,7 +18513,7 @@
                       <a:prstDash val="solid"/>
                     </a:lnB>
                     <a:solidFill>
-                      <a:srgbClr val="00a933"/>
+                      <a:srgbClr val="5eb91e"/>
                     </a:solidFill>
                   </a:tcPr>
                 </a:tc>
@@ -16591,7 +18541,7 @@
                       </a:r>
                       <a:endParaRPr b="0" lang="ru-RU" sz="3600" strike="noStrike" u="none">
                         <a:solidFill>
-                          <a:srgbClr val="ffffff"/>
+                          <a:srgbClr val="000000"/>
                         </a:solidFill>
                         <a:effectLst/>
                         <a:uFillTx/>
@@ -16625,7 +18575,7 @@
                       <a:prstDash val="solid"/>
                     </a:lnB>
                     <a:solidFill>
-                      <a:srgbClr val="00a933"/>
+                      <a:srgbClr val="5eb91e"/>
                     </a:solidFill>
                   </a:tcPr>
                 </a:tc>
@@ -16653,7 +18603,7 @@
                       </a:r>
                       <a:endParaRPr b="0" lang="ru-RU" sz="3600" strike="noStrike" u="none">
                         <a:solidFill>
-                          <a:srgbClr val="ffffff"/>
+                          <a:srgbClr val="000000"/>
                         </a:solidFill>
                         <a:effectLst/>
                         <a:uFillTx/>
@@ -16687,7 +18637,7 @@
                       <a:prstDash val="solid"/>
                     </a:lnB>
                     <a:solidFill>
-                      <a:srgbClr val="00a933"/>
+                      <a:srgbClr val="5eb91e"/>
                     </a:solidFill>
                   </a:tcPr>
                 </a:tc>
@@ -16715,7 +18665,7 @@
                       </a:r>
                       <a:endParaRPr b="0" lang="ru-RU" sz="3600" strike="noStrike" u="none">
                         <a:solidFill>
-                          <a:srgbClr val="ffffff"/>
+                          <a:srgbClr val="000000"/>
                         </a:solidFill>
                         <a:effectLst/>
                         <a:uFillTx/>
@@ -16749,7 +18699,7 @@
                       <a:prstDash val="solid"/>
                     </a:lnB>
                     <a:solidFill>
-                      <a:srgbClr val="00a933"/>
+                      <a:srgbClr val="5eb91e"/>
                     </a:solidFill>
                   </a:tcPr>
                 </a:tc>
@@ -16777,7 +18727,7 @@
                       </a:r>
                       <a:endParaRPr b="0" lang="ru-RU" sz="3600" strike="noStrike" u="none">
                         <a:solidFill>
-                          <a:srgbClr val="ffffff"/>
+                          <a:srgbClr val="000000"/>
                         </a:solidFill>
                         <a:effectLst/>
                         <a:uFillTx/>
@@ -16811,7 +18761,7 @@
                       <a:prstDash val="solid"/>
                     </a:lnB>
                     <a:solidFill>
-                      <a:srgbClr val="00a933"/>
+                      <a:srgbClr val="5eb91e"/>
                     </a:solidFill>
                   </a:tcPr>
                 </a:tc>
@@ -16839,7 +18789,7 @@
                       </a:r>
                       <a:endParaRPr b="0" lang="ru-RU" sz="3600" strike="noStrike" u="none">
                         <a:solidFill>
-                          <a:srgbClr val="ffffff"/>
+                          <a:srgbClr val="000000"/>
                         </a:solidFill>
                         <a:effectLst/>
                         <a:uFillTx/>
@@ -16873,12 +18823,12 @@
                       <a:prstDash val="solid"/>
                     </a:lnB>
                     <a:solidFill>
-                      <a:srgbClr val="00a933"/>
+                      <a:srgbClr val="5eb91e"/>
                     </a:solidFill>
                   </a:tcPr>
                 </a:tc>
               </a:tr>
-              <a:tr h="764280">
+              <a:tr h="665280">
                 <a:tc>
                   <a:txBody>
                     <a:bodyPr lIns="36000" rIns="36000" anchor="ctr">
@@ -17230,7 +19180,7 @@
                   </a:tcPr>
                 </a:tc>
               </a:tr>
-              <a:tr h="905760">
+              <a:tr h="788400">
                 <a:tc>
                   <a:txBody>
                     <a:bodyPr lIns="36000" rIns="36000" anchor="ctr">
@@ -17593,7 +19543,7 @@
                   </a:tcPr>
                 </a:tc>
               </a:tr>
-              <a:tr h="1009440">
+              <a:tr h="876960">
                 <a:tc>
                   <a:txBody>
                     <a:bodyPr lIns="36000" rIns="36000" anchor="ctr">
@@ -17963,14 +19913,14 @@
       </p:graphicFrame>
       <p:sp>
         <p:nvSpPr>
-          <p:cNvPr id="157" name=""/>
+          <p:cNvPr id="167" name=""/>
           <p:cNvSpPr/>
           <p:nvPr/>
         </p:nvSpPr>
         <p:spPr>
           <a:xfrm>
             <a:off x="1080000" y="2700000"/>
-            <a:ext cx="176760" cy="423360"/>
+            <a:ext cx="176040" cy="422640"/>
           </a:xfrm>
           <a:prstGeom prst="rect">
             <a:avLst/>
@@ -18010,14 +19960,14 @@
       </p:sp>
       <p:sp>
         <p:nvSpPr>
-          <p:cNvPr id="158" name="PlaceHolder 8"/>
+          <p:cNvPr id="168" name="PlaceHolder 8"/>
           <p:cNvSpPr/>
           <p:nvPr/>
         </p:nvSpPr>
         <p:spPr>
           <a:xfrm>
             <a:off x="285840" y="5760000"/>
-            <a:ext cx="2590200" cy="896040"/>
+            <a:ext cx="2589480" cy="895320"/>
           </a:xfrm>
           <a:prstGeom prst="rect">
             <a:avLst/>
@@ -18134,14 +20084,14 @@
       </p:sp>
       <p:sp>
         <p:nvSpPr>
-          <p:cNvPr id="159" name="Rectangle: Rounded Corners 6"/>
+          <p:cNvPr id="169" name="Rectangle: Rounded Corners 6"/>
           <p:cNvSpPr/>
           <p:nvPr/>
         </p:nvSpPr>
         <p:spPr>
           <a:xfrm>
             <a:off x="-178560" y="129960"/>
-            <a:ext cx="896040" cy="767160"/>
+            <a:ext cx="895320" cy="766440"/>
           </a:xfrm>
           <a:prstGeom prst="roundRect">
             <a:avLst>
@@ -18198,14 +20148,14 @@
       </p:sp>
       <p:sp>
         <p:nvSpPr>
-          <p:cNvPr id="160" name="PlaceHolder 11"/>
+          <p:cNvPr id="170" name="PlaceHolder 11"/>
           <p:cNvSpPr/>
           <p:nvPr/>
         </p:nvSpPr>
         <p:spPr>
           <a:xfrm>
             <a:off x="-360" y="360000"/>
-            <a:ext cx="2737800" cy="359640"/>
+            <a:ext cx="2737080" cy="358920"/>
           </a:xfrm>
           <a:prstGeom prst="rect">
             <a:avLst/>
@@ -18246,7 +20196,7 @@
               </a:rPr>
               <a:t>0</a:t>
             </a:r>
-            <a:fld id="{BC5176E2-C0D0-4A15-83E4-1EE8790A63AF}" type="slidenum">
+            <a:fld id="{B223A3AD-4383-4DEB-AD88-AF920EA6E341}" type="slidenum">
               <a:rPr b="1" lang="ru-RU" sz="3600" strike="noStrike" u="none">
                 <a:solidFill>
                   <a:srgbClr val="000000"/>
@@ -18301,7 +20251,7 @@
       </p:grpSpPr>
       <p:sp>
         <p:nvSpPr>
-          <p:cNvPr id="161" name="Line 12"/>
+          <p:cNvPr id="171" name="Line 12"/>
           <p:cNvSpPr/>
           <p:nvPr/>
         </p:nvSpPr>
@@ -18345,14 +20295,14 @@
       </p:sp>
       <p:sp>
         <p:nvSpPr>
-          <p:cNvPr id="162" name="PlaceHolder 30"/>
+          <p:cNvPr id="172" name="PlaceHolder 30"/>
           <p:cNvSpPr/>
           <p:nvPr/>
         </p:nvSpPr>
         <p:spPr>
           <a:xfrm>
             <a:off x="838080" y="271440"/>
-            <a:ext cx="10510200" cy="556560"/>
+            <a:ext cx="10509480" cy="555840"/>
           </a:xfrm>
           <a:prstGeom prst="rect">
             <a:avLst/>
@@ -18409,14 +20359,14 @@
       </p:sp>
       <p:sp>
         <p:nvSpPr>
-          <p:cNvPr id="163" name="Rectangle: Rounded Corners 22"/>
+          <p:cNvPr id="173" name="Rectangle: Rounded Corners 22"/>
           <p:cNvSpPr/>
           <p:nvPr/>
         </p:nvSpPr>
         <p:spPr>
           <a:xfrm>
             <a:off x="-178560" y="129960"/>
-            <a:ext cx="896040" cy="767160"/>
+            <a:ext cx="895320" cy="766440"/>
           </a:xfrm>
           <a:prstGeom prst="roundRect">
             <a:avLst>
@@ -18473,14 +20423,14 @@
       </p:sp>
       <p:sp>
         <p:nvSpPr>
-          <p:cNvPr id="164" name="PlaceHolder 12"/>
+          <p:cNvPr id="174" name="PlaceHolder 12"/>
           <p:cNvSpPr/>
           <p:nvPr/>
         </p:nvSpPr>
         <p:spPr>
           <a:xfrm>
             <a:off x="-360" y="360000"/>
-            <a:ext cx="2737800" cy="359640"/>
+            <a:ext cx="2737080" cy="358920"/>
           </a:xfrm>
           <a:prstGeom prst="rect">
             <a:avLst/>
@@ -18521,7 +20471,7 @@
               </a:rPr>
               <a:t>0</a:t>
             </a:r>
-            <a:fld id="{93597A51-886B-4C2D-95B5-E87D6AC6F4E7}" type="slidenum">
+            <a:fld id="{4A51F44A-8A95-4261-A08A-CA04B19D9D5B}" type="slidenum">
               <a:rPr b="1" lang="ru-RU" sz="3600" strike="noStrike" u="none">
                 <a:solidFill>
                   <a:srgbClr val="000000"/>
@@ -18546,7 +20496,7 @@
       </p:sp>
       <p:pic>
         <p:nvPicPr>
-          <p:cNvPr id="165" name="" descr=""/>
+          <p:cNvPr id="175" name="" descr=""/>
           <p:cNvPicPr/>
           <p:nvPr/>
         </p:nvPicPr>
@@ -18556,8 +20506,8 @@
         </p:blipFill>
         <p:spPr>
           <a:xfrm>
-            <a:off x="398520" y="1601280"/>
-            <a:ext cx="5540400" cy="1997640"/>
+            <a:off x="0" y="1080000"/>
+            <a:ext cx="6690960" cy="2412000"/>
           </a:xfrm>
           <a:prstGeom prst="rect">
             <a:avLst/>
@@ -18570,7 +20520,7 @@
       </p:pic>
       <p:pic>
         <p:nvPicPr>
-          <p:cNvPr id="166" name="" descr=""/>
+          <p:cNvPr id="176" name="" descr=""/>
           <p:cNvPicPr/>
           <p:nvPr/>
         </p:nvPicPr>
@@ -18580,8 +20530,8 @@
         </p:blipFill>
         <p:spPr>
           <a:xfrm>
-            <a:off x="6474960" y="2520000"/>
-            <a:ext cx="5403960" cy="2561760"/>
+            <a:off x="6116400" y="2520000"/>
+            <a:ext cx="5403240" cy="2561040"/>
           </a:xfrm>
           <a:prstGeom prst="rect">
             <a:avLst/>
@@ -18594,7 +20544,7 @@
       </p:pic>
       <p:pic>
         <p:nvPicPr>
-          <p:cNvPr id="167" name="" descr=""/>
+          <p:cNvPr id="177" name="" descr=""/>
           <p:cNvPicPr/>
           <p:nvPr/>
         </p:nvPicPr>
@@ -18604,8 +20554,32 @@
         </p:blipFill>
         <p:spPr>
           <a:xfrm>
-            <a:off x="1980000" y="3960000"/>
-            <a:ext cx="2935800" cy="2338920"/>
+            <a:off x="1945440" y="3364920"/>
+            <a:ext cx="2554200" cy="2034720"/>
+          </a:xfrm>
+          <a:prstGeom prst="rect">
+            <a:avLst/>
+          </a:prstGeom>
+          <a:noFill/>
+          <a:ln w="0">
+            <a:noFill/>
+          </a:ln>
+        </p:spPr>
+      </p:pic>
+      <p:pic>
+        <p:nvPicPr>
+          <p:cNvPr id="178" name="" descr=""/>
+          <p:cNvPicPr/>
+          <p:nvPr/>
+        </p:nvPicPr>
+        <p:blipFill>
+          <a:blip r:embed="rId4"/>
+          <a:stretch/>
+        </p:blipFill>
+        <p:spPr>
+          <a:xfrm>
+            <a:off x="547920" y="5505120"/>
+            <a:ext cx="5751720" cy="1154520"/>
           </a:xfrm>
           <a:prstGeom prst="rect">
             <a:avLst/>
@@ -18648,7 +20622,7 @@
       </p:grpSpPr>
       <p:sp>
         <p:nvSpPr>
-          <p:cNvPr id="168" name="Line 2"/>
+          <p:cNvPr id="179" name="Line 2"/>
           <p:cNvSpPr/>
           <p:nvPr/>
         </p:nvSpPr>
@@ -18692,14 +20666,14 @@
       </p:sp>
       <p:sp>
         <p:nvSpPr>
-          <p:cNvPr id="169" name="PlaceHolder 7"/>
+          <p:cNvPr id="180" name="PlaceHolder 7"/>
           <p:cNvSpPr/>
           <p:nvPr/>
         </p:nvSpPr>
         <p:spPr>
           <a:xfrm>
             <a:off x="838080" y="274680"/>
-            <a:ext cx="10510200" cy="556560"/>
+            <a:ext cx="10509480" cy="555840"/>
           </a:xfrm>
           <a:prstGeom prst="rect">
             <a:avLst/>
@@ -18756,14 +20730,14 @@
       </p:sp>
       <p:sp>
         <p:nvSpPr>
-          <p:cNvPr id="170" name="Rectangle: Rounded Corners 9"/>
+          <p:cNvPr id="181" name="Rectangle: Rounded Corners 9"/>
           <p:cNvSpPr/>
           <p:nvPr/>
         </p:nvSpPr>
         <p:spPr>
           <a:xfrm>
             <a:off x="900000" y="1308600"/>
-            <a:ext cx="3277800" cy="4627440"/>
+            <a:ext cx="3277080" cy="4626720"/>
           </a:xfrm>
           <a:prstGeom prst="roundRect">
             <a:avLst>
@@ -18820,72 +20794,14 @@
       </p:sp>
       <p:sp>
         <p:nvSpPr>
-          <p:cNvPr id="171" name="TextBox 1"/>
+          <p:cNvPr id="182" name="PlaceHolder 16"/>
           <p:cNvSpPr/>
           <p:nvPr/>
         </p:nvSpPr>
         <p:spPr>
           <a:xfrm>
-            <a:off x="1080000" y="1440000"/>
-            <a:ext cx="1095120" cy="914400"/>
-          </a:xfrm>
-          <a:prstGeom prst="rect">
-            <a:avLst/>
-          </a:prstGeom>
-          <a:noFill/>
-          <a:ln w="0">
-            <a:noFill/>
-          </a:ln>
-        </p:spPr>
-        <p:style>
-          <a:lnRef idx="0"/>
-          <a:fillRef idx="0"/>
-          <a:effectRef idx="0"/>
-          <a:fontRef idx="minor"/>
-        </p:style>
-        <p:txBody>
-          <a:bodyPr lIns="90000" rIns="90000" tIns="45000" bIns="45000" anchor="t">
-            <a:spAutoFit/>
-          </a:bodyPr>
-          <a:p>
-            <a:pPr defTabSz="914400">
-              <a:lnSpc>
-                <a:spcPct val="100000"/>
-              </a:lnSpc>
-            </a:pPr>
-            <a:r>
-              <a:rPr b="1" lang="en-US" sz="5400" strike="noStrike" u="none">
-                <a:solidFill>
-                  <a:srgbClr val="000000"/>
-                </a:solidFill>
-                <a:effectLst/>
-                <a:uFillTx/>
-                <a:latin typeface="Open Sans"/>
-                <a:ea typeface="DejaVu Sans"/>
-              </a:rPr>
-              <a:t>01</a:t>
-            </a:r>
-            <a:endParaRPr b="0" lang="ru-RU" sz="5400" strike="noStrike" u="none">
-              <a:solidFill>
-                <a:srgbClr val="000000"/>
-              </a:solidFill>
-              <a:effectLst/>
-              <a:uFillTx/>
-              <a:latin typeface="Arial"/>
-            </a:endParaRPr>
-          </a:p>
-        </p:txBody>
-      </p:sp>
-      <p:sp>
-        <p:nvSpPr>
-          <p:cNvPr id="172" name="PlaceHolder 16"/>
-          <p:cNvSpPr/>
-          <p:nvPr/>
-        </p:nvSpPr>
-        <p:spPr>
-          <a:xfrm>
-            <a:off x="1080000" y="2353320"/>
-            <a:ext cx="2876040" cy="1062720"/>
+            <a:off x="1084320" y="1440000"/>
+            <a:ext cx="2875320" cy="1062000"/>
           </a:xfrm>
           <a:prstGeom prst="rect">
             <a:avLst/>
@@ -18942,14 +20858,14 @@
       </p:sp>
       <p:sp>
         <p:nvSpPr>
-          <p:cNvPr id="173" name="Rectangle: Rounded Corners 10"/>
+          <p:cNvPr id="183" name="Rectangle: Rounded Corners 10"/>
           <p:cNvSpPr/>
           <p:nvPr/>
         </p:nvSpPr>
         <p:spPr>
           <a:xfrm>
-            <a:off x="4455000" y="1308600"/>
-            <a:ext cx="3277800" cy="4627440"/>
+            <a:off x="4455000" y="1305720"/>
+            <a:ext cx="3277080" cy="4626720"/>
           </a:xfrm>
           <a:prstGeom prst="roundRect">
             <a:avLst>
@@ -19006,72 +20922,14 @@
       </p:sp>
       <p:sp>
         <p:nvSpPr>
-          <p:cNvPr id="174" name="TextBox 2"/>
+          <p:cNvPr id="184" name="PlaceHolder 17"/>
           <p:cNvSpPr/>
           <p:nvPr/>
         </p:nvSpPr>
         <p:spPr>
           <a:xfrm>
-            <a:off x="4680000" y="1426680"/>
-            <a:ext cx="1095120" cy="914400"/>
-          </a:xfrm>
-          <a:prstGeom prst="rect">
-            <a:avLst/>
-          </a:prstGeom>
-          <a:noFill/>
-          <a:ln w="0">
-            <a:noFill/>
-          </a:ln>
-        </p:spPr>
-        <p:style>
-          <a:lnRef idx="0"/>
-          <a:fillRef idx="0"/>
-          <a:effectRef idx="0"/>
-          <a:fontRef idx="minor"/>
-        </p:style>
-        <p:txBody>
-          <a:bodyPr lIns="90000" rIns="90000" tIns="45000" bIns="45000" anchor="t">
-            <a:spAutoFit/>
-          </a:bodyPr>
-          <a:p>
-            <a:pPr defTabSz="914400">
-              <a:lnSpc>
-                <a:spcPct val="100000"/>
-              </a:lnSpc>
-            </a:pPr>
-            <a:r>
-              <a:rPr b="1" lang="en-US" sz="5400" strike="noStrike" u="none">
-                <a:solidFill>
-                  <a:srgbClr val="000000"/>
-                </a:solidFill>
-                <a:effectLst/>
-                <a:uFillTx/>
-                <a:latin typeface="Open Sans"/>
-                <a:ea typeface="DejaVu Sans"/>
-              </a:rPr>
-              <a:t>02</a:t>
-            </a:r>
-            <a:endParaRPr b="0" lang="ru-RU" sz="5400" strike="noStrike" u="none">
-              <a:solidFill>
-                <a:srgbClr val="000000"/>
-              </a:solidFill>
-              <a:effectLst/>
-              <a:uFillTx/>
-              <a:latin typeface="Arial"/>
-            </a:endParaRPr>
-          </a:p>
-        </p:txBody>
-      </p:sp>
-      <p:sp>
-        <p:nvSpPr>
-          <p:cNvPr id="175" name="PlaceHolder 17"/>
-          <p:cNvSpPr/>
-          <p:nvPr/>
-        </p:nvSpPr>
-        <p:spPr>
-          <a:xfrm>
-            <a:off x="4835880" y="2388600"/>
-            <a:ext cx="2516040" cy="847440"/>
+            <a:off x="4320000" y="1492920"/>
+            <a:ext cx="3599640" cy="1026720"/>
           </a:xfrm>
           <a:prstGeom prst="rect">
             <a:avLst/>
@@ -19089,7 +20947,7 @@
         </p:style>
         <p:txBody>
           <a:bodyPr lIns="90000" rIns="90000" tIns="45000" bIns="45000" anchor="t" anchorCtr="1">
-            <a:normAutofit lnSpcReduction="9999"/>
+            <a:normAutofit/>
           </a:bodyPr>
           <a:p>
             <a:pPr algn="ctr" defTabSz="914400">
@@ -19097,14 +20955,17 @@
                 <a:spcPct val="90000"/>
               </a:lnSpc>
               <a:spcBef>
-                <a:spcPts val="1001"/>
+                <a:spcPts val="1191"/>
               </a:spcBef>
+              <a:spcAft>
+                <a:spcPts val="992"/>
+              </a:spcAft>
               <a:tabLst>
                 <a:tab algn="l" pos="0"/>
               </a:tabLst>
             </a:pPr>
             <a:r>
-              <a:rPr b="0" lang="en-US" sz="2800" strike="noStrike" u="none">
+              <a:rPr b="0" lang="en-US" sz="2590" strike="noStrike" u="none">
                 <a:solidFill>
                   <a:srgbClr val="000000"/>
                 </a:solidFill>
@@ -19113,9 +20974,9 @@
                 <a:latin typeface="Open Sans"/>
                 <a:ea typeface="Noto Sans CJK SC"/>
               </a:rPr>
-              <a:t>Гибкий функционал</a:t>
-            </a:r>
-            <a:endParaRPr b="0" lang="ru-RU" sz="2800" strike="noStrike" u="none">
+              <a:t>Пользовательские аттрибуты</a:t>
+            </a:r>
+            <a:endParaRPr b="0" lang="ru-RU" sz="2590" strike="noStrike" u="none">
               <a:solidFill>
                 <a:srgbClr val="000000"/>
               </a:solidFill>
@@ -19128,14 +20989,14 @@
       </p:sp>
       <p:sp>
         <p:nvSpPr>
-          <p:cNvPr id="176" name="Rectangle: Rounded Corners 11"/>
+          <p:cNvPr id="185" name="Rectangle: Rounded Corners 11"/>
           <p:cNvSpPr/>
           <p:nvPr/>
         </p:nvSpPr>
         <p:spPr>
           <a:xfrm>
             <a:off x="8058240" y="1308600"/>
-            <a:ext cx="3277800" cy="4627440"/>
+            <a:ext cx="3277080" cy="4626720"/>
           </a:xfrm>
           <a:prstGeom prst="roundRect">
             <a:avLst>
@@ -19192,130 +21053,14 @@
       </p:sp>
       <p:sp>
         <p:nvSpPr>
-          <p:cNvPr id="177" name="TextBox 5"/>
+          <p:cNvPr id="186" name="PlaceHolder 19"/>
           <p:cNvSpPr/>
           <p:nvPr/>
         </p:nvSpPr>
         <p:spPr>
           <a:xfrm>
-            <a:off x="8280000" y="1426680"/>
-            <a:ext cx="1095120" cy="914400"/>
-          </a:xfrm>
-          <a:prstGeom prst="rect">
-            <a:avLst/>
-          </a:prstGeom>
-          <a:noFill/>
-          <a:ln w="0">
-            <a:noFill/>
-          </a:ln>
-        </p:spPr>
-        <p:style>
-          <a:lnRef idx="0"/>
-          <a:fillRef idx="0"/>
-          <a:effectRef idx="0"/>
-          <a:fontRef idx="minor"/>
-        </p:style>
-        <p:txBody>
-          <a:bodyPr lIns="90000" rIns="90000" tIns="45000" bIns="45000" anchor="t">
-            <a:spAutoFit/>
-          </a:bodyPr>
-          <a:p>
-            <a:pPr defTabSz="914400">
-              <a:lnSpc>
-                <a:spcPct val="100000"/>
-              </a:lnSpc>
-            </a:pPr>
-            <a:r>
-              <a:rPr b="1" lang="en-US" sz="5400" strike="noStrike" u="none">
-                <a:solidFill>
-                  <a:srgbClr val="000000"/>
-                </a:solidFill>
-                <a:effectLst/>
-                <a:uFillTx/>
-                <a:latin typeface="Open Sans"/>
-                <a:ea typeface="DejaVu Sans"/>
-              </a:rPr>
-              <a:t>03</a:t>
-            </a:r>
-            <a:endParaRPr b="0" lang="ru-RU" sz="5400" strike="noStrike" u="none">
-              <a:solidFill>
-                <a:srgbClr val="000000"/>
-              </a:solidFill>
-              <a:effectLst/>
-              <a:uFillTx/>
-              <a:latin typeface="Arial"/>
-            </a:endParaRPr>
-          </a:p>
-        </p:txBody>
-      </p:sp>
-      <p:sp>
-        <p:nvSpPr>
-          <p:cNvPr id="178" name="TextBox 8"/>
-          <p:cNvSpPr/>
-          <p:nvPr/>
-        </p:nvSpPr>
-        <p:spPr>
-          <a:xfrm>
-            <a:off x="4680000" y="1426680"/>
-            <a:ext cx="1095120" cy="914400"/>
-          </a:xfrm>
-          <a:prstGeom prst="rect">
-            <a:avLst/>
-          </a:prstGeom>
-          <a:noFill/>
-          <a:ln w="0">
-            <a:noFill/>
-          </a:ln>
-        </p:spPr>
-        <p:style>
-          <a:lnRef idx="0"/>
-          <a:fillRef idx="0"/>
-          <a:effectRef idx="0"/>
-          <a:fontRef idx="minor"/>
-        </p:style>
-        <p:txBody>
-          <a:bodyPr lIns="90000" rIns="90000" tIns="45000" bIns="45000" anchor="t">
-            <a:spAutoFit/>
-          </a:bodyPr>
-          <a:p>
-            <a:pPr defTabSz="914400">
-              <a:lnSpc>
-                <a:spcPct val="100000"/>
-              </a:lnSpc>
-            </a:pPr>
-            <a:r>
-              <a:rPr b="1" lang="en-US" sz="5400" strike="noStrike" u="none">
-                <a:solidFill>
-                  <a:srgbClr val="000000"/>
-                </a:solidFill>
-                <a:effectLst/>
-                <a:uFillTx/>
-                <a:latin typeface="Open Sans"/>
-                <a:ea typeface="DejaVu Sans"/>
-              </a:rPr>
-              <a:t>02</a:t>
-            </a:r>
-            <a:endParaRPr b="0" lang="ru-RU" sz="5400" strike="noStrike" u="none">
-              <a:solidFill>
-                <a:srgbClr val="000000"/>
-              </a:solidFill>
-              <a:effectLst/>
-              <a:uFillTx/>
-              <a:latin typeface="Arial"/>
-            </a:endParaRPr>
-          </a:p>
-        </p:txBody>
-      </p:sp>
-      <p:sp>
-        <p:nvSpPr>
-          <p:cNvPr id="179" name="PlaceHolder 19"/>
-          <p:cNvSpPr/>
-          <p:nvPr/>
-        </p:nvSpPr>
-        <p:spPr>
-          <a:xfrm>
-            <a:off x="8280000" y="2353320"/>
-            <a:ext cx="2876040" cy="882720"/>
+            <a:off x="8280000" y="1440000"/>
+            <a:ext cx="2875320" cy="882000"/>
           </a:xfrm>
           <a:prstGeom prst="rect">
             <a:avLst/>
@@ -19333,7 +21078,7 @@
         </p:style>
         <p:txBody>
           <a:bodyPr lIns="90000" rIns="90000" tIns="45000" bIns="45000" anchor="t" anchorCtr="1">
-            <a:normAutofit/>
+            <a:normAutofit fontScale="92500" lnSpcReduction="9999"/>
           </a:bodyPr>
           <a:p>
             <a:pPr algn="ctr" defTabSz="914400">
@@ -19357,7 +21102,40 @@
                 <a:latin typeface="Open Sans"/>
                 <a:ea typeface="Noto Sans CJK SC"/>
               </a:rPr>
-              <a:t>Наглядное представление </a:t>
+              <a:t>Облачная</a:t>
+            </a:r>
+            <a:endParaRPr b="0" lang="ru-RU" sz="2800" strike="noStrike" u="none">
+              <a:solidFill>
+                <a:srgbClr val="000000"/>
+              </a:solidFill>
+              <a:effectLst/>
+              <a:uFillTx/>
+              <a:latin typeface="Arial"/>
+            </a:endParaRPr>
+          </a:p>
+          <a:p>
+            <a:pPr algn="ctr" defTabSz="914400">
+              <a:lnSpc>
+                <a:spcPct val="90000"/>
+              </a:lnSpc>
+              <a:spcBef>
+                <a:spcPts val="1001"/>
+              </a:spcBef>
+              <a:tabLst>
+                <a:tab algn="l" pos="0"/>
+              </a:tabLst>
+            </a:pPr>
+            <a:r>
+              <a:rPr b="0" lang="en-US" sz="2800" strike="noStrike" u="none">
+                <a:solidFill>
+                  <a:srgbClr val="000000"/>
+                </a:solidFill>
+                <a:effectLst/>
+                <a:uFillTx/>
+                <a:latin typeface="Open Sans"/>
+                <a:ea typeface="Noto Sans CJK SC"/>
+              </a:rPr>
+              <a:t>синхронизация</a:t>
             </a:r>
             <a:endParaRPr b="0" lang="ru-RU" sz="2800" strike="noStrike" u="none">
               <a:solidFill>
@@ -19370,88 +21148,16 @@
           </a:p>
         </p:txBody>
       </p:sp>
-      <p:pic>
-        <p:nvPicPr>
-          <p:cNvPr id="180" name="" descr=""/>
-          <p:cNvPicPr/>
-          <p:nvPr/>
-        </p:nvPicPr>
-        <p:blipFill>
-          <a:blip r:embed="rId1"/>
-          <a:stretch/>
-        </p:blipFill>
-        <p:spPr>
-          <a:xfrm>
-            <a:off x="1440000" y="3420000"/>
-            <a:ext cx="2156040" cy="2156040"/>
-          </a:xfrm>
-          <a:prstGeom prst="rect">
-            <a:avLst/>
-          </a:prstGeom>
-          <a:noFill/>
-          <a:ln w="0">
-            <a:noFill/>
-          </a:ln>
-        </p:spPr>
-      </p:pic>
-      <p:pic>
-        <p:nvPicPr>
-          <p:cNvPr id="181" name="" descr=""/>
-          <p:cNvPicPr/>
-          <p:nvPr/>
-        </p:nvPicPr>
-        <p:blipFill>
-          <a:blip r:embed="rId2"/>
-          <a:stretch/>
-        </p:blipFill>
-        <p:spPr>
-          <a:xfrm>
-            <a:off x="4710240" y="3013920"/>
-            <a:ext cx="2767320" cy="2767320"/>
-          </a:xfrm>
-          <a:prstGeom prst="rect">
-            <a:avLst/>
-          </a:prstGeom>
-          <a:noFill/>
-          <a:ln w="0">
-            <a:noFill/>
-          </a:ln>
-        </p:spPr>
-      </p:pic>
-      <p:pic>
-        <p:nvPicPr>
-          <p:cNvPr id="182" name="" descr=""/>
-          <p:cNvPicPr/>
-          <p:nvPr/>
-        </p:nvPicPr>
-        <p:blipFill>
-          <a:blip r:embed="rId3"/>
-          <a:stretch/>
-        </p:blipFill>
-        <p:spPr>
-          <a:xfrm>
-            <a:off x="8640000" y="3420000"/>
-            <a:ext cx="2156040" cy="2156040"/>
-          </a:xfrm>
-          <a:prstGeom prst="rect">
-            <a:avLst/>
-          </a:prstGeom>
-          <a:noFill/>
-          <a:ln w="0">
-            <a:noFill/>
-          </a:ln>
-        </p:spPr>
-      </p:pic>
       <p:sp>
         <p:nvSpPr>
-          <p:cNvPr id="183" name="Rectangle: Rounded Corners 7"/>
+          <p:cNvPr id="187" name="Rectangle: Rounded Corners 7"/>
           <p:cNvSpPr/>
           <p:nvPr/>
         </p:nvSpPr>
         <p:spPr>
           <a:xfrm>
             <a:off x="-178560" y="129960"/>
-            <a:ext cx="896040" cy="767160"/>
+            <a:ext cx="895320" cy="766440"/>
           </a:xfrm>
           <a:prstGeom prst="roundRect">
             <a:avLst>
@@ -19508,14 +21214,14 @@
       </p:sp>
       <p:sp>
         <p:nvSpPr>
-          <p:cNvPr id="184" name="PlaceHolder 13"/>
+          <p:cNvPr id="188" name="PlaceHolder 13"/>
           <p:cNvSpPr/>
           <p:nvPr/>
         </p:nvSpPr>
         <p:spPr>
           <a:xfrm>
             <a:off x="-360" y="360000"/>
-            <a:ext cx="2737800" cy="359640"/>
+            <a:ext cx="2737080" cy="358920"/>
           </a:xfrm>
           <a:prstGeom prst="rect">
             <a:avLst/>
@@ -19556,7 +21262,7 @@
               </a:rPr>
               <a:t>0</a:t>
             </a:r>
-            <a:fld id="{26C64B7D-D7B5-4EF8-82B6-A659A09F672C}" type="slidenum">
+            <a:fld id="{6BF909DE-1256-4B77-A9F8-C0A019E86573}" type="slidenum">
               <a:rPr b="1" lang="ru-RU" sz="3600" strike="noStrike" u="none">
                 <a:solidFill>
                   <a:srgbClr val="000000"/>
@@ -19579,6 +21285,78 @@
           </a:p>
         </p:txBody>
       </p:sp>
+      <p:pic>
+        <p:nvPicPr>
+          <p:cNvPr id="189" name="" descr=""/>
+          <p:cNvPicPr/>
+          <p:nvPr/>
+        </p:nvPicPr>
+        <p:blipFill>
+          <a:blip r:embed="rId1"/>
+          <a:stretch/>
+        </p:blipFill>
+        <p:spPr>
+          <a:xfrm>
+            <a:off x="8211600" y="2526840"/>
+            <a:ext cx="3043440" cy="3043440"/>
+          </a:xfrm>
+          <a:prstGeom prst="rect">
+            <a:avLst/>
+          </a:prstGeom>
+          <a:noFill/>
+          <a:ln w="0">
+            <a:noFill/>
+          </a:ln>
+        </p:spPr>
+      </p:pic>
+      <p:pic>
+        <p:nvPicPr>
+          <p:cNvPr id="190" name="" descr=""/>
+          <p:cNvPicPr/>
+          <p:nvPr/>
+        </p:nvPicPr>
+        <p:blipFill>
+          <a:blip r:embed="rId2"/>
+          <a:stretch/>
+        </p:blipFill>
+        <p:spPr>
+          <a:xfrm>
+            <a:off x="4942080" y="2773080"/>
+            <a:ext cx="2437920" cy="2437920"/>
+          </a:xfrm>
+          <a:prstGeom prst="rect">
+            <a:avLst/>
+          </a:prstGeom>
+          <a:noFill/>
+          <a:ln w="0">
+            <a:noFill/>
+          </a:ln>
+        </p:spPr>
+      </p:pic>
+      <p:pic>
+        <p:nvPicPr>
+          <p:cNvPr id="191" name="" descr=""/>
+          <p:cNvPicPr/>
+          <p:nvPr/>
+        </p:nvPicPr>
+        <p:blipFill>
+          <a:blip r:embed="rId3"/>
+          <a:stretch/>
+        </p:blipFill>
+        <p:spPr>
+          <a:xfrm>
+            <a:off x="900000" y="2520000"/>
+            <a:ext cx="3256920" cy="2880000"/>
+          </a:xfrm>
+          <a:prstGeom prst="rect">
+            <a:avLst/>
+          </a:prstGeom>
+          <a:noFill/>
+          <a:ln w="0">
+            <a:noFill/>
+          </a:ln>
+        </p:spPr>
+      </p:pic>
     </p:spTree>
   </p:cSld>
   <mc:AlternateContent>
@@ -19611,7 +21389,7 @@
       </p:grpSpPr>
       <p:sp>
         <p:nvSpPr>
-          <p:cNvPr id="185" name="Line 3"/>
+          <p:cNvPr id="192" name="Line 3"/>
           <p:cNvSpPr/>
           <p:nvPr/>
         </p:nvSpPr>
@@ -19655,14 +21433,14 @@
       </p:sp>
       <p:sp>
         <p:nvSpPr>
-          <p:cNvPr id="186" name="PlaceHolder 18"/>
+          <p:cNvPr id="193" name="PlaceHolder 18"/>
           <p:cNvSpPr/>
           <p:nvPr/>
         </p:nvSpPr>
         <p:spPr>
           <a:xfrm>
             <a:off x="838080" y="271440"/>
-            <a:ext cx="10510200" cy="556560"/>
+            <a:ext cx="10509480" cy="555840"/>
           </a:xfrm>
           <a:prstGeom prst="rect">
             <a:avLst/>
@@ -19719,7 +21497,7 @@
       </p:sp>
       <p:pic>
         <p:nvPicPr>
-          <p:cNvPr id="187" name="" descr=""/>
+          <p:cNvPr id="194" name="" descr=""/>
           <p:cNvPicPr/>
           <p:nvPr/>
         </p:nvPicPr>
@@ -19730,7 +21508,7 @@
         <p:spPr>
           <a:xfrm>
             <a:off x="2105640" y="1080360"/>
-            <a:ext cx="7976520" cy="5395680"/>
+            <a:ext cx="7975800" cy="5394960"/>
           </a:xfrm>
           <a:prstGeom prst="rect">
             <a:avLst/>
@@ -19743,14 +21521,14 @@
       </p:pic>
       <p:sp>
         <p:nvSpPr>
-          <p:cNvPr id="188" name="Rectangle: Rounded Corners 13"/>
+          <p:cNvPr id="195" name="Rectangle: Rounded Corners 13"/>
           <p:cNvSpPr/>
           <p:nvPr/>
         </p:nvSpPr>
         <p:spPr>
           <a:xfrm>
             <a:off x="-178560" y="129960"/>
-            <a:ext cx="896040" cy="767160"/>
+            <a:ext cx="895320" cy="766440"/>
           </a:xfrm>
           <a:prstGeom prst="roundRect">
             <a:avLst>
@@ -19807,14 +21585,14 @@
       </p:sp>
       <p:sp>
         <p:nvSpPr>
-          <p:cNvPr id="189" name="PlaceHolder 14"/>
+          <p:cNvPr id="196" name="PlaceHolder 14"/>
           <p:cNvSpPr/>
           <p:nvPr/>
         </p:nvSpPr>
         <p:spPr>
           <a:xfrm>
             <a:off x="-360" y="360000"/>
-            <a:ext cx="2737800" cy="359640"/>
+            <a:ext cx="2737080" cy="358920"/>
           </a:xfrm>
           <a:prstGeom prst="rect">
             <a:avLst/>
@@ -19855,7 +21633,7 @@
               </a:rPr>
               <a:t>0</a:t>
             </a:r>
-            <a:fld id="{AEF59633-16EF-4695-9D4F-572D7DDB8BC5}" type="slidenum">
+            <a:fld id="{C031BFE7-CD33-48E8-9FE2-5427EF89EE29}" type="slidenum">
               <a:rPr b="1" lang="ru-RU" sz="3600" strike="noStrike" u="none">
                 <a:solidFill>
                   <a:srgbClr val="000000"/>
@@ -19910,7 +21688,7 @@
       </p:grpSpPr>
       <p:sp>
         <p:nvSpPr>
-          <p:cNvPr id="190" name="Line 7"/>
+          <p:cNvPr id="197" name="Line 7"/>
           <p:cNvSpPr/>
           <p:nvPr/>
         </p:nvSpPr>
@@ -19954,14 +21732,14 @@
       </p:sp>
       <p:sp>
         <p:nvSpPr>
-          <p:cNvPr id="191" name="PlaceHolder 20"/>
+          <p:cNvPr id="198" name="PlaceHolder 20"/>
           <p:cNvSpPr/>
           <p:nvPr/>
         </p:nvSpPr>
         <p:spPr>
           <a:xfrm>
             <a:off x="838080" y="271440"/>
-            <a:ext cx="10510200" cy="556560"/>
+            <a:ext cx="10509480" cy="555840"/>
           </a:xfrm>
           <a:prstGeom prst="rect">
             <a:avLst/>
@@ -20018,14 +21796,14 @@
       </p:sp>
       <p:sp>
         <p:nvSpPr>
-          <p:cNvPr id="192" name="Rectangle: Rounded Corners 14"/>
+          <p:cNvPr id="199" name="Rectangle: Rounded Corners 14"/>
           <p:cNvSpPr/>
           <p:nvPr/>
         </p:nvSpPr>
         <p:spPr>
           <a:xfrm>
             <a:off x="-178560" y="129960"/>
-            <a:ext cx="896040" cy="767160"/>
+            <a:ext cx="895320" cy="766440"/>
           </a:xfrm>
           <a:prstGeom prst="roundRect">
             <a:avLst>
@@ -20082,14 +21860,14 @@
       </p:sp>
       <p:sp>
         <p:nvSpPr>
-          <p:cNvPr id="193" name="PlaceHolder 15"/>
+          <p:cNvPr id="200" name="PlaceHolder 15"/>
           <p:cNvSpPr/>
           <p:nvPr/>
         </p:nvSpPr>
         <p:spPr>
           <a:xfrm>
             <a:off x="-360" y="360000"/>
-            <a:ext cx="2737800" cy="359640"/>
+            <a:ext cx="2737080" cy="358920"/>
           </a:xfrm>
           <a:prstGeom prst="rect">
             <a:avLst/>
@@ -20130,7 +21908,7 @@
               </a:rPr>
               <a:t>0</a:t>
             </a:r>
-            <a:fld id="{CF0674F6-D36A-4A88-9704-B4760BCF4662}" type="slidenum">
+            <a:fld id="{0D0FCF59-ABA3-4AE5-B094-0982833E8371}" type="slidenum">
               <a:rPr b="1" lang="ru-RU" sz="3600" strike="noStrike" u="none">
                 <a:solidFill>
                   <a:srgbClr val="000000"/>
@@ -20155,7 +21933,7 @@
       </p:sp>
       <p:pic>
         <p:nvPicPr>
-          <p:cNvPr id="194" name="" descr=""/>
+          <p:cNvPr id="201" name="" descr=""/>
           <p:cNvPicPr/>
           <p:nvPr/>
         </p:nvPicPr>
@@ -20166,7 +21944,7 @@
         <p:spPr>
           <a:xfrm>
             <a:off x="1027080" y="1136880"/>
-            <a:ext cx="10170720" cy="5720400"/>
+            <a:ext cx="10170000" cy="5719680"/>
           </a:xfrm>
           <a:prstGeom prst="rect">
             <a:avLst/>
@@ -20209,7 +21987,7 @@
       </p:grpSpPr>
       <p:sp>
         <p:nvSpPr>
-          <p:cNvPr id="195" name="Line 8"/>
+          <p:cNvPr id="202" name="Line 8"/>
           <p:cNvSpPr/>
           <p:nvPr/>
         </p:nvSpPr>
@@ -20253,14 +22031,14 @@
       </p:sp>
       <p:sp>
         <p:nvSpPr>
-          <p:cNvPr id="196" name="PlaceHolder 21"/>
+          <p:cNvPr id="203" name="PlaceHolder 21"/>
           <p:cNvSpPr/>
           <p:nvPr/>
         </p:nvSpPr>
         <p:spPr>
           <a:xfrm>
             <a:off x="838080" y="271440"/>
-            <a:ext cx="10510200" cy="556560"/>
+            <a:ext cx="10509480" cy="555840"/>
           </a:xfrm>
           <a:prstGeom prst="rect">
             <a:avLst/>
@@ -20317,14 +22095,14 @@
       </p:sp>
       <p:sp>
         <p:nvSpPr>
-          <p:cNvPr id="197" name="Rectangle: Rounded Corners 15"/>
+          <p:cNvPr id="204" name="Rectangle: Rounded Corners 15"/>
           <p:cNvSpPr/>
           <p:nvPr/>
         </p:nvSpPr>
         <p:spPr>
           <a:xfrm>
             <a:off x="-178560" y="129960"/>
-            <a:ext cx="896040" cy="767160"/>
+            <a:ext cx="895320" cy="766440"/>
           </a:xfrm>
           <a:prstGeom prst="roundRect">
             <a:avLst>
@@ -20381,14 +22159,14 @@
       </p:sp>
       <p:sp>
         <p:nvSpPr>
-          <p:cNvPr id="198" name="PlaceHolder 24"/>
+          <p:cNvPr id="205" name="PlaceHolder 24"/>
           <p:cNvSpPr/>
           <p:nvPr/>
         </p:nvSpPr>
         <p:spPr>
           <a:xfrm>
             <a:off x="-360" y="360000"/>
-            <a:ext cx="2737800" cy="359640"/>
+            <a:ext cx="2737080" cy="358920"/>
           </a:xfrm>
           <a:prstGeom prst="rect">
             <a:avLst/>
@@ -20429,7 +22207,7 @@
               </a:rPr>
               <a:t>0</a:t>
             </a:r>
-            <a:fld id="{88AD89C0-18FC-4115-9275-2E856D58BBFE}" type="slidenum">
+            <a:fld id="{6E1CDB55-798E-49F7-8657-2C945EB7FB9A}" type="slidenum">
               <a:rPr b="1" lang="ru-RU" sz="3600" strike="noStrike" u="none">
                 <a:solidFill>
                   <a:srgbClr val="000000"/>
@@ -20452,6 +22230,30 @@
           </a:p>
         </p:txBody>
       </p:sp>
+      <p:pic>
+        <p:nvPicPr>
+          <p:cNvPr id="206" name="" descr=""/>
+          <p:cNvPicPr/>
+          <p:nvPr/>
+        </p:nvPicPr>
+        <p:blipFill>
+          <a:blip r:embed="rId1"/>
+          <a:stretch/>
+        </p:blipFill>
+        <p:spPr>
+          <a:xfrm>
+            <a:off x="2842200" y="1440000"/>
+            <a:ext cx="6507720" cy="4905720"/>
+          </a:xfrm>
+          <a:prstGeom prst="rect">
+            <a:avLst/>
+          </a:prstGeom>
+          <a:noFill/>
+          <a:ln w="0">
+            <a:noFill/>
+          </a:ln>
+        </p:spPr>
+      </p:pic>
     </p:spTree>
   </p:cSld>
   <mc:AlternateContent>
@@ -20677,7 +22479,7 @@
 </a:theme>
 </file>
 
-<file path=ppt/theme/theme15.xml><?xml version="1.0" encoding="utf-8"?>
+<file path=ppt/theme/theme17.xml><?xml version="1.0" encoding="utf-8"?>
 <a:theme xmlns:a="http://schemas.openxmlformats.org/drawingml/2006/main" xmlns:r="http://schemas.openxmlformats.org/officeDocument/2006/relationships" name="Office Theme">
   <a:themeElements>
     <a:clrScheme name="LibreOffice">
